--- a/課題研究/2014/森谷慧士/課題研究ポスター.pptx
+++ b/課題研究/2014/森谷慧士/課題研究ポスター.pptx
@@ -104,7 +104,913 @@
       </a:defRPr>
     </a:lvl9pPr>
   </p:defaultTextStyle>
+  <p:extLst>
+    <p:ext uri="{EFAFB233-063F-42B5-8137-9DF3F51BA10A}">
+      <p15:sldGuideLst xmlns:p15="http://schemas.microsoft.com/office/powerpoint/2012/main"/>
+    </p:ext>
+  </p:extLst>
 </p:presentation>
+</file>
+
+<file path=ppt/charts/chart1.xml><?xml version="1.0" encoding="utf-8"?>
+<c:chartSpace xmlns:c="http://schemas.openxmlformats.org/drawingml/2006/chart" xmlns:a="http://schemas.openxmlformats.org/drawingml/2006/main" xmlns:r="http://schemas.openxmlformats.org/officeDocument/2006/relationships">
+  <c:date1904 val="0"/>
+  <c:lang val="ja-JP"/>
+  <c:roundedCorners val="0"/>
+  <mc:AlternateContent xmlns:mc="http://schemas.openxmlformats.org/markup-compatibility/2006">
+    <mc:Choice xmlns:c14="http://schemas.microsoft.com/office/drawing/2007/8/2/chart" Requires="c14">
+      <c14:style val="108"/>
+    </mc:Choice>
+    <mc:Fallback>
+      <c:style val="8"/>
+    </mc:Fallback>
+  </mc:AlternateContent>
+  <c:clrMapOvr bg1="lt1" tx1="dk1" bg2="lt2" tx2="dk2" accent1="accent1" accent2="accent2" accent3="accent3" accent4="accent4" accent5="accent5" accent6="accent6" hlink="hlink" folHlink="folHlink"/>
+  <c:chart>
+    <c:title>
+      <c:tx>
+        <c:rich>
+          <a:bodyPr rot="0" spcFirstLastPara="1" vertOverflow="ellipsis" vert="horz" wrap="square" anchor="ctr" anchorCtr="1"/>
+          <a:lstStyle/>
+          <a:p>
+            <a:pPr>
+              <a:defRPr sz="1400" b="0" i="0" u="none" strike="noStrike" kern="1200" spc="0" baseline="0">
+                <a:solidFill>
+                  <a:schemeClr val="tx1">
+                    <a:lumMod val="65000"/>
+                    <a:lumOff val="35000"/>
+                  </a:schemeClr>
+                </a:solidFill>
+                <a:latin typeface="+mn-lt"/>
+                <a:ea typeface="+mn-ea"/>
+                <a:cs typeface="+mn-cs"/>
+              </a:defRPr>
+            </a:pPr>
+            <a:r>
+              <a:rPr lang="en-US" altLang="ja-JP" sz="1400" b="0" i="0" u="none" strike="noStrike" baseline="0" dirty="0" smtClean="0">
+                <a:effectLst/>
+              </a:rPr>
+              <a:t>Mathematica</a:t>
+            </a:r>
+            <a:r>
+              <a:rPr lang="ja-JP" altLang="en-US" sz="1400" b="0" i="0" u="none" strike="noStrike" baseline="0" dirty="0" smtClean="0">
+                <a:effectLst/>
+              </a:rPr>
+              <a:t>で処理する際に使用した</a:t>
+            </a:r>
+            <a:r>
+              <a:rPr lang="ja-JP" altLang="ja-JP" sz="1400" b="0" i="0" u="none" strike="noStrike" baseline="0" dirty="0" smtClean="0">
+                <a:effectLst/>
+              </a:rPr>
+              <a:t>言語</a:t>
+            </a:r>
+            <a:endParaRPr lang="ja-JP" altLang="en-US" dirty="0"/>
+          </a:p>
+        </c:rich>
+      </c:tx>
+      <c:layout>
+        <c:manualLayout>
+          <c:xMode val="edge"/>
+          <c:yMode val="edge"/>
+          <c:x val="7.2905874050079103E-2"/>
+          <c:y val="3.2791456663637114E-2"/>
+        </c:manualLayout>
+      </c:layout>
+      <c:overlay val="0"/>
+      <c:spPr>
+        <a:noFill/>
+        <a:ln>
+          <a:noFill/>
+        </a:ln>
+        <a:effectLst/>
+      </c:spPr>
+      <c:txPr>
+        <a:bodyPr rot="0" spcFirstLastPara="1" vertOverflow="ellipsis" vert="horz" wrap="square" anchor="ctr" anchorCtr="1"/>
+        <a:lstStyle/>
+        <a:p>
+          <a:pPr>
+            <a:defRPr sz="1400" b="0" i="0" u="none" strike="noStrike" kern="1200" spc="0" baseline="0">
+              <a:solidFill>
+                <a:schemeClr val="tx1">
+                  <a:lumMod val="65000"/>
+                  <a:lumOff val="35000"/>
+                </a:schemeClr>
+              </a:solidFill>
+              <a:latin typeface="+mn-lt"/>
+              <a:ea typeface="+mn-ea"/>
+              <a:cs typeface="+mn-cs"/>
+            </a:defRPr>
+          </a:pPr>
+          <a:endParaRPr lang="ja-JP"/>
+        </a:p>
+      </c:txPr>
+    </c:title>
+    <c:autoTitleDeleted val="0"/>
+    <c:plotArea>
+      <c:layout/>
+      <c:pieChart>
+        <c:varyColors val="1"/>
+        <c:ser>
+          <c:idx val="0"/>
+          <c:order val="0"/>
+          <c:dPt>
+            <c:idx val="0"/>
+            <c:bubble3D val="0"/>
+            <c:spPr>
+              <a:solidFill>
+                <a:schemeClr val="accent6">
+                  <a:shade val="53000"/>
+                </a:schemeClr>
+              </a:solidFill>
+              <a:ln w="19050">
+                <a:solidFill>
+                  <a:schemeClr val="lt1"/>
+                </a:solidFill>
+              </a:ln>
+              <a:effectLst/>
+            </c:spPr>
+          </c:dPt>
+          <c:dPt>
+            <c:idx val="1"/>
+            <c:bubble3D val="0"/>
+            <c:spPr>
+              <a:solidFill>
+                <a:schemeClr val="accent6">
+                  <a:shade val="76000"/>
+                </a:schemeClr>
+              </a:solidFill>
+              <a:ln w="19050">
+                <a:solidFill>
+                  <a:schemeClr val="lt1"/>
+                </a:solidFill>
+              </a:ln>
+              <a:effectLst/>
+            </c:spPr>
+          </c:dPt>
+          <c:dPt>
+            <c:idx val="2"/>
+            <c:bubble3D val="0"/>
+            <c:spPr>
+              <a:solidFill>
+                <a:schemeClr val="accent6"/>
+              </a:solidFill>
+              <a:ln w="19050">
+                <a:solidFill>
+                  <a:schemeClr val="lt1"/>
+                </a:solidFill>
+              </a:ln>
+              <a:effectLst/>
+            </c:spPr>
+          </c:dPt>
+          <c:dPt>
+            <c:idx val="3"/>
+            <c:bubble3D val="0"/>
+            <c:spPr>
+              <a:solidFill>
+                <a:schemeClr val="accent6">
+                  <a:tint val="77000"/>
+                </a:schemeClr>
+              </a:solidFill>
+              <a:ln w="19050">
+                <a:solidFill>
+                  <a:schemeClr val="lt1"/>
+                </a:solidFill>
+              </a:ln>
+              <a:effectLst/>
+            </c:spPr>
+          </c:dPt>
+          <c:dPt>
+            <c:idx val="4"/>
+            <c:bubble3D val="0"/>
+            <c:spPr>
+              <a:solidFill>
+                <a:schemeClr val="accent6">
+                  <a:tint val="54000"/>
+                </a:schemeClr>
+              </a:solidFill>
+              <a:ln w="19050">
+                <a:solidFill>
+                  <a:schemeClr val="lt1"/>
+                </a:solidFill>
+              </a:ln>
+              <a:effectLst/>
+            </c:spPr>
+          </c:dPt>
+          <c:dLbls>
+            <c:spPr>
+              <a:noFill/>
+              <a:ln>
+                <a:noFill/>
+              </a:ln>
+              <a:effectLst/>
+            </c:spPr>
+            <c:txPr>
+              <a:bodyPr rot="0" spcFirstLastPara="1" vertOverflow="ellipsis" vert="horz" wrap="square" lIns="38100" tIns="19050" rIns="38100" bIns="19050" anchor="ctr" anchorCtr="1">
+                <a:spAutoFit/>
+              </a:bodyPr>
+              <a:lstStyle/>
+              <a:p>
+                <a:pPr>
+                  <a:defRPr sz="1700" b="0" i="0" u="none" strike="noStrike" kern="1200" baseline="0">
+                    <a:solidFill>
+                      <a:schemeClr val="tx1">
+                        <a:lumMod val="75000"/>
+                        <a:lumOff val="25000"/>
+                      </a:schemeClr>
+                    </a:solidFill>
+                    <a:latin typeface="+mn-lt"/>
+                    <a:ea typeface="+mn-ea"/>
+                    <a:cs typeface="+mn-cs"/>
+                  </a:defRPr>
+                </a:pPr>
+                <a:endParaRPr lang="ja-JP"/>
+              </a:p>
+            </c:txPr>
+            <c:showLegendKey val="0"/>
+            <c:showVal val="0"/>
+            <c:showCatName val="0"/>
+            <c:showSerName val="0"/>
+            <c:showPercent val="1"/>
+            <c:showBubbleSize val="0"/>
+            <c:showLeaderLines val="1"/>
+            <c:leaderLines>
+              <c:spPr>
+                <a:ln w="9525" cap="flat" cmpd="sng" algn="ctr">
+                  <a:solidFill>
+                    <a:schemeClr val="tx1">
+                      <a:lumMod val="35000"/>
+                      <a:lumOff val="65000"/>
+                    </a:schemeClr>
+                  </a:solidFill>
+                  <a:round/>
+                </a:ln>
+                <a:effectLst/>
+              </c:spPr>
+            </c:leaderLines>
+            <c:extLst>
+              <c:ext xmlns:c15="http://schemas.microsoft.com/office/drawing/2012/chart" uri="{CE6537A1-D6FC-4f65-9D91-7224C49458BB}">
+                <c15:layout/>
+              </c:ext>
+            </c:extLst>
+          </c:dLbls>
+          <c:cat>
+            <c:strRef>
+              <c:f>Sheet1!$B$3:$B$7</c:f>
+              <c:strCache>
+                <c:ptCount val="5"/>
+                <c:pt idx="0">
+                  <c:v>Solve</c:v>
+                </c:pt>
+                <c:pt idx="1">
+                  <c:v>Simplify</c:v>
+                </c:pt>
+                <c:pt idx="2">
+                  <c:v>Expand</c:v>
+                </c:pt>
+                <c:pt idx="3">
+                  <c:v>D</c:v>
+                </c:pt>
+                <c:pt idx="4">
+                  <c:v>その他</c:v>
+                </c:pt>
+              </c:strCache>
+            </c:strRef>
+          </c:cat>
+          <c:val>
+            <c:numRef>
+              <c:f>Sheet1!$C$3:$C$7</c:f>
+              <c:numCache>
+                <c:formatCode>General</c:formatCode>
+                <c:ptCount val="5"/>
+                <c:pt idx="0">
+                  <c:v>6</c:v>
+                </c:pt>
+                <c:pt idx="1">
+                  <c:v>4</c:v>
+                </c:pt>
+                <c:pt idx="2">
+                  <c:v>2</c:v>
+                </c:pt>
+                <c:pt idx="3">
+                  <c:v>2</c:v>
+                </c:pt>
+                <c:pt idx="4">
+                  <c:v>5</c:v>
+                </c:pt>
+              </c:numCache>
+            </c:numRef>
+          </c:val>
+        </c:ser>
+        <c:dLbls>
+          <c:showLegendKey val="0"/>
+          <c:showVal val="0"/>
+          <c:showCatName val="0"/>
+          <c:showSerName val="0"/>
+          <c:showPercent val="1"/>
+          <c:showBubbleSize val="0"/>
+          <c:showLeaderLines val="1"/>
+        </c:dLbls>
+        <c:firstSliceAng val="0"/>
+      </c:pieChart>
+      <c:spPr>
+        <a:noFill/>
+        <a:ln>
+          <a:noFill/>
+        </a:ln>
+        <a:effectLst/>
+      </c:spPr>
+    </c:plotArea>
+    <c:legend>
+      <c:legendPos val="r"/>
+      <c:layout>
+        <c:manualLayout>
+          <c:xMode val="edge"/>
+          <c:yMode val="edge"/>
+          <c:x val="0.6490456084885764"/>
+          <c:y val="0.19635279965004374"/>
+          <c:w val="0.27681141911731583"/>
+          <c:h val="0.69253608923884513"/>
+        </c:manualLayout>
+      </c:layout>
+      <c:overlay val="0"/>
+      <c:spPr>
+        <a:noFill/>
+        <a:ln>
+          <a:noFill/>
+        </a:ln>
+        <a:effectLst/>
+      </c:spPr>
+      <c:txPr>
+        <a:bodyPr rot="0" spcFirstLastPara="1" vertOverflow="ellipsis" vert="horz" wrap="square" anchor="ctr" anchorCtr="1"/>
+        <a:lstStyle/>
+        <a:p>
+          <a:pPr>
+            <a:defRPr sz="1400" b="0" i="0" u="none" strike="noStrike" kern="1200" baseline="0">
+              <a:solidFill>
+                <a:schemeClr val="tx1">
+                  <a:lumMod val="65000"/>
+                  <a:lumOff val="35000"/>
+                </a:schemeClr>
+              </a:solidFill>
+              <a:latin typeface="+mn-lt"/>
+              <a:ea typeface="+mn-ea"/>
+              <a:cs typeface="+mn-cs"/>
+            </a:defRPr>
+          </a:pPr>
+          <a:endParaRPr lang="ja-JP"/>
+        </a:p>
+      </c:txPr>
+    </c:legend>
+    <c:plotVisOnly val="1"/>
+    <c:dispBlanksAs val="gap"/>
+    <c:showDLblsOverMax val="0"/>
+  </c:chart>
+  <c:spPr>
+    <a:noFill/>
+    <a:ln>
+      <a:noFill/>
+    </a:ln>
+    <a:effectLst/>
+  </c:spPr>
+  <c:txPr>
+    <a:bodyPr/>
+    <a:lstStyle/>
+    <a:p>
+      <a:pPr>
+        <a:defRPr/>
+      </a:pPr>
+      <a:endParaRPr lang="ja-JP"/>
+    </a:p>
+  </c:txPr>
+  <c:externalData r:id="rId4">
+    <c:autoUpdate val="0"/>
+  </c:externalData>
+</c:chartSpace>
+</file>
+
+<file path=ppt/charts/colors1.xml><?xml version="1.0" encoding="utf-8"?>
+<cs:colorStyle xmlns:cs="http://schemas.microsoft.com/office/drawing/2012/chartStyle" xmlns:a="http://schemas.openxmlformats.org/drawingml/2006/main" meth="withinLinear" id="19">
+  <a:schemeClr val="accent6"/>
+</cs:colorStyle>
+</file>
+
+<file path=ppt/charts/style1.xml><?xml version="1.0" encoding="utf-8"?>
+<cs:chartStyle xmlns:cs="http://schemas.microsoft.com/office/drawing/2012/chartStyle" xmlns:a="http://schemas.openxmlformats.org/drawingml/2006/main" id="251">
+  <cs:axisTitle>
+    <cs:lnRef idx="0"/>
+    <cs:fillRef idx="0"/>
+    <cs:effectRef idx="0"/>
+    <cs:fontRef idx="minor">
+      <a:schemeClr val="tx1">
+        <a:lumMod val="65000"/>
+        <a:lumOff val="35000"/>
+      </a:schemeClr>
+    </cs:fontRef>
+    <cs:defRPr sz="1000" kern="1200"/>
+  </cs:axisTitle>
+  <cs:categoryAxis>
+    <cs:lnRef idx="0"/>
+    <cs:fillRef idx="0"/>
+    <cs:effectRef idx="0"/>
+    <cs:fontRef idx="minor">
+      <a:schemeClr val="tx1">
+        <a:lumMod val="65000"/>
+        <a:lumOff val="35000"/>
+      </a:schemeClr>
+    </cs:fontRef>
+    <cs:spPr>
+      <a:ln w="9525" cap="flat" cmpd="sng" algn="ctr">
+        <a:solidFill>
+          <a:schemeClr val="tx1">
+            <a:lumMod val="15000"/>
+            <a:lumOff val="85000"/>
+          </a:schemeClr>
+        </a:solidFill>
+        <a:round/>
+      </a:ln>
+    </cs:spPr>
+    <cs:defRPr sz="900" kern="1200"/>
+  </cs:categoryAxis>
+  <cs:chartArea mods="allowNoFillOverride allowNoLineOverride">
+    <cs:lnRef idx="0"/>
+    <cs:fillRef idx="0"/>
+    <cs:effectRef idx="0"/>
+    <cs:fontRef idx="minor">
+      <a:schemeClr val="tx1"/>
+    </cs:fontRef>
+    <cs:spPr>
+      <a:solidFill>
+        <a:schemeClr val="bg1"/>
+      </a:solidFill>
+      <a:ln w="9525" cap="flat" cmpd="sng" algn="ctr">
+        <a:solidFill>
+          <a:schemeClr val="tx1">
+            <a:lumMod val="15000"/>
+            <a:lumOff val="85000"/>
+          </a:schemeClr>
+        </a:solidFill>
+        <a:round/>
+      </a:ln>
+    </cs:spPr>
+    <cs:defRPr sz="900" kern="1200"/>
+  </cs:chartArea>
+  <cs:dataLabel>
+    <cs:lnRef idx="0"/>
+    <cs:fillRef idx="0"/>
+    <cs:effectRef idx="0"/>
+    <cs:fontRef idx="minor">
+      <a:schemeClr val="tx1">
+        <a:lumMod val="75000"/>
+        <a:lumOff val="25000"/>
+      </a:schemeClr>
+    </cs:fontRef>
+    <cs:defRPr sz="900" kern="1200"/>
+  </cs:dataLabel>
+  <cs:dataLabelCallout>
+    <cs:lnRef idx="0"/>
+    <cs:fillRef idx="0"/>
+    <cs:effectRef idx="0"/>
+    <cs:fontRef idx="minor">
+      <a:schemeClr val="dk1">
+        <a:lumMod val="65000"/>
+        <a:lumOff val="35000"/>
+      </a:schemeClr>
+    </cs:fontRef>
+    <cs:spPr>
+      <a:solidFill>
+        <a:schemeClr val="lt1"/>
+      </a:solidFill>
+      <a:ln>
+        <a:solidFill>
+          <a:schemeClr val="dk1">
+            <a:lumMod val="25000"/>
+            <a:lumOff val="75000"/>
+          </a:schemeClr>
+        </a:solidFill>
+      </a:ln>
+    </cs:spPr>
+    <cs:defRPr sz="900" kern="1200"/>
+    <cs:bodyPr rot="0" spcFirstLastPara="1" vertOverflow="clip" horzOverflow="clip" vert="horz" wrap="square" lIns="36576" tIns="18288" rIns="36576" bIns="18288" anchor="ctr" anchorCtr="1">
+      <a:spAutoFit/>
+    </cs:bodyPr>
+  </cs:dataLabelCallout>
+  <cs:dataPoint>
+    <cs:lnRef idx="0"/>
+    <cs:fillRef idx="1">
+      <cs:styleClr val="auto"/>
+    </cs:fillRef>
+    <cs:effectRef idx="0"/>
+    <cs:fontRef idx="minor">
+      <a:schemeClr val="tx1"/>
+    </cs:fontRef>
+    <cs:spPr>
+      <a:ln w="19050">
+        <a:solidFill>
+          <a:schemeClr val="lt1"/>
+        </a:solidFill>
+      </a:ln>
+    </cs:spPr>
+  </cs:dataPoint>
+  <cs:dataPoint3D>
+    <cs:lnRef idx="0"/>
+    <cs:fillRef idx="1">
+      <cs:styleClr val="auto"/>
+    </cs:fillRef>
+    <cs:effectRef idx="0"/>
+    <cs:fontRef idx="minor">
+      <a:schemeClr val="tx1"/>
+    </cs:fontRef>
+    <cs:spPr>
+      <a:ln w="25400">
+        <a:solidFill>
+          <a:schemeClr val="lt1"/>
+        </a:solidFill>
+      </a:ln>
+    </cs:spPr>
+  </cs:dataPoint3D>
+  <cs:dataPointLine>
+    <cs:lnRef idx="0">
+      <cs:styleClr val="auto"/>
+    </cs:lnRef>
+    <cs:fillRef idx="0"/>
+    <cs:effectRef idx="0"/>
+    <cs:fontRef idx="minor">
+      <a:schemeClr val="tx1"/>
+    </cs:fontRef>
+    <cs:spPr>
+      <a:ln w="28575" cap="rnd">
+        <a:solidFill>
+          <a:schemeClr val="phClr"/>
+        </a:solidFill>
+        <a:round/>
+      </a:ln>
+    </cs:spPr>
+  </cs:dataPointLine>
+  <cs:dataPointMarker>
+    <cs:lnRef idx="0">
+      <cs:styleClr val="auto"/>
+    </cs:lnRef>
+    <cs:fillRef idx="1">
+      <cs:styleClr val="auto"/>
+    </cs:fillRef>
+    <cs:effectRef idx="0"/>
+    <cs:fontRef idx="minor">
+      <a:schemeClr val="tx1"/>
+    </cs:fontRef>
+    <cs:spPr>
+      <a:ln w="9525">
+        <a:solidFill>
+          <a:schemeClr val="phClr"/>
+        </a:solidFill>
+      </a:ln>
+    </cs:spPr>
+  </cs:dataPointMarker>
+  <cs:dataPointMarkerLayout symbol="circle" size="5"/>
+  <cs:dataPointWireframe>
+    <cs:lnRef idx="0">
+      <cs:styleClr val="auto"/>
+    </cs:lnRef>
+    <cs:fillRef idx="0"/>
+    <cs:effectRef idx="0"/>
+    <cs:fontRef idx="minor">
+      <a:schemeClr val="tx1"/>
+    </cs:fontRef>
+    <cs:spPr>
+      <a:ln w="9525" cap="rnd">
+        <a:solidFill>
+          <a:schemeClr val="phClr"/>
+        </a:solidFill>
+        <a:round/>
+      </a:ln>
+    </cs:spPr>
+  </cs:dataPointWireframe>
+  <cs:dataTable>
+    <cs:lnRef idx="0"/>
+    <cs:fillRef idx="0"/>
+    <cs:effectRef idx="0"/>
+    <cs:fontRef idx="minor">
+      <a:schemeClr val="tx1">
+        <a:lumMod val="65000"/>
+        <a:lumOff val="35000"/>
+      </a:schemeClr>
+    </cs:fontRef>
+    <cs:spPr>
+      <a:noFill/>
+      <a:ln w="9525" cap="flat" cmpd="sng" algn="ctr">
+        <a:solidFill>
+          <a:schemeClr val="tx1">
+            <a:lumMod val="15000"/>
+            <a:lumOff val="85000"/>
+          </a:schemeClr>
+        </a:solidFill>
+        <a:round/>
+      </a:ln>
+    </cs:spPr>
+    <cs:defRPr sz="900" kern="1200"/>
+  </cs:dataTable>
+  <cs:downBar>
+    <cs:lnRef idx="0"/>
+    <cs:fillRef idx="0"/>
+    <cs:effectRef idx="0"/>
+    <cs:fontRef idx="minor">
+      <a:schemeClr val="tx1"/>
+    </cs:fontRef>
+    <cs:spPr>
+      <a:solidFill>
+        <a:schemeClr val="dk1">
+          <a:lumMod val="75000"/>
+          <a:lumOff val="25000"/>
+        </a:schemeClr>
+      </a:solidFill>
+      <a:ln w="9525" cap="flat" cmpd="sng" algn="ctr">
+        <a:solidFill>
+          <a:schemeClr val="tx1">
+            <a:lumMod val="65000"/>
+            <a:lumOff val="35000"/>
+          </a:schemeClr>
+        </a:solidFill>
+        <a:round/>
+      </a:ln>
+    </cs:spPr>
+  </cs:downBar>
+  <cs:dropLine>
+    <cs:lnRef idx="0"/>
+    <cs:fillRef idx="0"/>
+    <cs:effectRef idx="0"/>
+    <cs:fontRef idx="minor">
+      <a:schemeClr val="tx1"/>
+    </cs:fontRef>
+    <cs:spPr>
+      <a:ln w="9525" cap="flat" cmpd="sng" algn="ctr">
+        <a:solidFill>
+          <a:schemeClr val="tx1">
+            <a:lumMod val="35000"/>
+            <a:lumOff val="65000"/>
+          </a:schemeClr>
+        </a:solidFill>
+        <a:round/>
+      </a:ln>
+    </cs:spPr>
+  </cs:dropLine>
+  <cs:errorBar>
+    <cs:lnRef idx="0"/>
+    <cs:fillRef idx="0"/>
+    <cs:effectRef idx="0"/>
+    <cs:fontRef idx="minor">
+      <a:schemeClr val="tx1"/>
+    </cs:fontRef>
+    <cs:spPr>
+      <a:ln w="9525" cap="flat" cmpd="sng" algn="ctr">
+        <a:solidFill>
+          <a:schemeClr val="tx1">
+            <a:lumMod val="65000"/>
+            <a:lumOff val="35000"/>
+          </a:schemeClr>
+        </a:solidFill>
+        <a:round/>
+      </a:ln>
+    </cs:spPr>
+  </cs:errorBar>
+  <cs:floor>
+    <cs:lnRef idx="0"/>
+    <cs:fillRef idx="0"/>
+    <cs:effectRef idx="0"/>
+    <cs:fontRef idx="minor">
+      <a:schemeClr val="tx1"/>
+    </cs:fontRef>
+    <cs:spPr>
+      <a:noFill/>
+      <a:ln>
+        <a:noFill/>
+      </a:ln>
+    </cs:spPr>
+  </cs:floor>
+  <cs:gridlineMajor>
+    <cs:lnRef idx="0"/>
+    <cs:fillRef idx="0"/>
+    <cs:effectRef idx="0"/>
+    <cs:fontRef idx="minor">
+      <a:schemeClr val="tx1"/>
+    </cs:fontRef>
+    <cs:spPr>
+      <a:ln w="9525" cap="flat" cmpd="sng" algn="ctr">
+        <a:solidFill>
+          <a:schemeClr val="tx1">
+            <a:lumMod val="15000"/>
+            <a:lumOff val="85000"/>
+          </a:schemeClr>
+        </a:solidFill>
+        <a:round/>
+      </a:ln>
+    </cs:spPr>
+  </cs:gridlineMajor>
+  <cs:gridlineMinor>
+    <cs:lnRef idx="0"/>
+    <cs:fillRef idx="0"/>
+    <cs:effectRef idx="0"/>
+    <cs:fontRef idx="minor">
+      <a:schemeClr val="tx1"/>
+    </cs:fontRef>
+    <cs:spPr>
+      <a:ln w="9525" cap="flat" cmpd="sng" algn="ctr">
+        <a:solidFill>
+          <a:schemeClr val="tx1">
+            <a:lumMod val="5000"/>
+            <a:lumOff val="95000"/>
+          </a:schemeClr>
+        </a:solidFill>
+        <a:round/>
+      </a:ln>
+    </cs:spPr>
+  </cs:gridlineMinor>
+  <cs:hiLoLine>
+    <cs:lnRef idx="0"/>
+    <cs:fillRef idx="0"/>
+    <cs:effectRef idx="0"/>
+    <cs:fontRef idx="minor">
+      <a:schemeClr val="tx1"/>
+    </cs:fontRef>
+    <cs:spPr>
+      <a:ln w="9525" cap="flat" cmpd="sng" algn="ctr">
+        <a:solidFill>
+          <a:schemeClr val="tx1">
+            <a:lumMod val="50000"/>
+            <a:lumOff val="50000"/>
+          </a:schemeClr>
+        </a:solidFill>
+        <a:round/>
+      </a:ln>
+    </cs:spPr>
+  </cs:hiLoLine>
+  <cs:leaderLine>
+    <cs:lnRef idx="0"/>
+    <cs:fillRef idx="0"/>
+    <cs:effectRef idx="0"/>
+    <cs:fontRef idx="minor">
+      <a:schemeClr val="tx1"/>
+    </cs:fontRef>
+    <cs:spPr>
+      <a:ln w="9525" cap="flat" cmpd="sng" algn="ctr">
+        <a:solidFill>
+          <a:schemeClr val="tx1">
+            <a:lumMod val="35000"/>
+            <a:lumOff val="65000"/>
+          </a:schemeClr>
+        </a:solidFill>
+        <a:round/>
+      </a:ln>
+    </cs:spPr>
+  </cs:leaderLine>
+  <cs:legend>
+    <cs:lnRef idx="0"/>
+    <cs:fillRef idx="0"/>
+    <cs:effectRef idx="0"/>
+    <cs:fontRef idx="minor">
+      <a:schemeClr val="tx1">
+        <a:lumMod val="65000"/>
+        <a:lumOff val="35000"/>
+      </a:schemeClr>
+    </cs:fontRef>
+    <cs:defRPr sz="900" kern="1200"/>
+  </cs:legend>
+  <cs:plotArea mods="allowNoFillOverride allowNoLineOverride">
+    <cs:lnRef idx="0"/>
+    <cs:fillRef idx="0"/>
+    <cs:effectRef idx="0"/>
+    <cs:fontRef idx="minor">
+      <a:schemeClr val="tx1"/>
+    </cs:fontRef>
+  </cs:plotArea>
+  <cs:plotArea3D mods="allowNoFillOverride allowNoLineOverride">
+    <cs:lnRef idx="0"/>
+    <cs:fillRef idx="0"/>
+    <cs:effectRef idx="0"/>
+    <cs:fontRef idx="minor">
+      <a:schemeClr val="tx1"/>
+    </cs:fontRef>
+  </cs:plotArea3D>
+  <cs:seriesAxis>
+    <cs:lnRef idx="0"/>
+    <cs:fillRef idx="0"/>
+    <cs:effectRef idx="0"/>
+    <cs:fontRef idx="minor">
+      <a:schemeClr val="tx1">
+        <a:lumMod val="65000"/>
+        <a:lumOff val="35000"/>
+      </a:schemeClr>
+    </cs:fontRef>
+    <cs:defRPr sz="900" kern="1200"/>
+  </cs:seriesAxis>
+  <cs:seriesLine>
+    <cs:lnRef idx="0"/>
+    <cs:fillRef idx="0"/>
+    <cs:effectRef idx="0"/>
+    <cs:fontRef idx="minor">
+      <a:schemeClr val="tx1"/>
+    </cs:fontRef>
+    <cs:spPr>
+      <a:ln w="9525" cap="flat" cmpd="sng" algn="ctr">
+        <a:solidFill>
+          <a:schemeClr val="tx1">
+            <a:lumMod val="35000"/>
+            <a:lumOff val="65000"/>
+          </a:schemeClr>
+        </a:solidFill>
+        <a:round/>
+      </a:ln>
+    </cs:spPr>
+  </cs:seriesLine>
+  <cs:title>
+    <cs:lnRef idx="0"/>
+    <cs:fillRef idx="0"/>
+    <cs:effectRef idx="0"/>
+    <cs:fontRef idx="minor">
+      <a:schemeClr val="tx1">
+        <a:lumMod val="65000"/>
+        <a:lumOff val="35000"/>
+      </a:schemeClr>
+    </cs:fontRef>
+    <cs:defRPr sz="1400" b="0" kern="1200" spc="0" baseline="0"/>
+  </cs:title>
+  <cs:trendline>
+    <cs:lnRef idx="0">
+      <cs:styleClr val="auto"/>
+    </cs:lnRef>
+    <cs:fillRef idx="0"/>
+    <cs:effectRef idx="0"/>
+    <cs:fontRef idx="minor">
+      <a:schemeClr val="tx1"/>
+    </cs:fontRef>
+    <cs:spPr>
+      <a:ln w="19050" cap="rnd">
+        <a:solidFill>
+          <a:schemeClr val="phClr"/>
+        </a:solidFill>
+        <a:prstDash val="sysDot"/>
+      </a:ln>
+    </cs:spPr>
+  </cs:trendline>
+  <cs:trendlineLabel>
+    <cs:lnRef idx="0"/>
+    <cs:fillRef idx="0"/>
+    <cs:effectRef idx="0"/>
+    <cs:fontRef idx="minor">
+      <a:schemeClr val="tx1">
+        <a:lumMod val="65000"/>
+        <a:lumOff val="35000"/>
+      </a:schemeClr>
+    </cs:fontRef>
+    <cs:defRPr sz="900" kern="1200"/>
+  </cs:trendlineLabel>
+  <cs:upBar>
+    <cs:lnRef idx="0"/>
+    <cs:fillRef idx="0"/>
+    <cs:effectRef idx="0"/>
+    <cs:fontRef idx="minor">
+      <a:schemeClr val="tx1"/>
+    </cs:fontRef>
+    <cs:spPr>
+      <a:solidFill>
+        <a:schemeClr val="lt1"/>
+      </a:solidFill>
+      <a:ln w="9525" cap="flat" cmpd="sng" algn="ctr">
+        <a:solidFill>
+          <a:schemeClr val="tx1">
+            <a:lumMod val="65000"/>
+            <a:lumOff val="35000"/>
+          </a:schemeClr>
+        </a:solidFill>
+        <a:round/>
+      </a:ln>
+    </cs:spPr>
+  </cs:upBar>
+  <cs:valueAxis>
+    <cs:lnRef idx="0"/>
+    <cs:fillRef idx="0"/>
+    <cs:effectRef idx="0"/>
+    <cs:fontRef idx="minor">
+      <a:schemeClr val="tx1">
+        <a:lumMod val="65000"/>
+        <a:lumOff val="35000"/>
+      </a:schemeClr>
+    </cs:fontRef>
+    <cs:defRPr sz="900" kern="1200"/>
+  </cs:valueAxis>
+  <cs:wall>
+    <cs:lnRef idx="0"/>
+    <cs:fillRef idx="0"/>
+    <cs:effectRef idx="0"/>
+    <cs:fontRef idx="minor">
+      <a:schemeClr val="tx1"/>
+    </cs:fontRef>
+    <cs:spPr>
+      <a:noFill/>
+      <a:ln>
+        <a:noFill/>
+      </a:ln>
+    </cs:spPr>
+  </cs:wall>
+</cs:chartStyle>
 </file>
 
 <file path=ppt/slideLayouts/slideLayout1.xml><?xml version="1.0" encoding="utf-8"?>
@@ -488,7 +1394,7 @@
           <a:p>
             <a:fld id="{B4B2CA72-24AD-4332-9D1C-35DD63E783C0}" type="datetimeFigureOut">
               <a:rPr kumimoji="1" lang="ja-JP" altLang="en-US" smtClean="0"/>
-              <a:t>2014/12/11</a:t>
+              <a:t>2014/12/15</a:t>
             </a:fld>
             <a:endParaRPr kumimoji="1" lang="ja-JP" altLang="en-US"/>
           </a:p>
@@ -754,7 +1660,7 @@
           <a:p>
             <a:fld id="{B4B2CA72-24AD-4332-9D1C-35DD63E783C0}" type="datetimeFigureOut">
               <a:rPr kumimoji="1" lang="ja-JP" altLang="en-US" smtClean="0"/>
-              <a:t>2014/12/11</a:t>
+              <a:t>2014/12/15</a:t>
             </a:fld>
             <a:endParaRPr kumimoji="1" lang="ja-JP" altLang="en-US"/>
           </a:p>
@@ -1004,7 +1910,7 @@
           <a:p>
             <a:fld id="{B4B2CA72-24AD-4332-9D1C-35DD63E783C0}" type="datetimeFigureOut">
               <a:rPr kumimoji="1" lang="ja-JP" altLang="en-US" smtClean="0"/>
-              <a:t>2014/12/11</a:t>
+              <a:t>2014/12/15</a:t>
             </a:fld>
             <a:endParaRPr kumimoji="1" lang="ja-JP" altLang="en-US"/>
           </a:p>
@@ -1312,7 +2218,7 @@
           <a:p>
             <a:fld id="{B4B2CA72-24AD-4332-9D1C-35DD63E783C0}" type="datetimeFigureOut">
               <a:rPr kumimoji="1" lang="ja-JP" altLang="en-US" smtClean="0"/>
-              <a:t>2014/12/11</a:t>
+              <a:t>2014/12/15</a:t>
             </a:fld>
             <a:endParaRPr kumimoji="1" lang="ja-JP" altLang="en-US"/>
           </a:p>
@@ -1630,7 +2536,7 @@
           <a:p>
             <a:fld id="{B4B2CA72-24AD-4332-9D1C-35DD63E783C0}" type="datetimeFigureOut">
               <a:rPr kumimoji="1" lang="ja-JP" altLang="en-US" smtClean="0"/>
-              <a:t>2014/12/11</a:t>
+              <a:t>2014/12/15</a:t>
             </a:fld>
             <a:endParaRPr kumimoji="1" lang="ja-JP" altLang="en-US"/>
           </a:p>
@@ -1932,7 +2838,7 @@
           <a:p>
             <a:fld id="{B4B2CA72-24AD-4332-9D1C-35DD63E783C0}" type="datetimeFigureOut">
               <a:rPr kumimoji="1" lang="ja-JP" altLang="en-US" smtClean="0"/>
-              <a:t>2014/12/11</a:t>
+              <a:t>2014/12/15</a:t>
             </a:fld>
             <a:endParaRPr kumimoji="1" lang="ja-JP" altLang="en-US"/>
           </a:p>
@@ -2299,7 +3205,7 @@
           <a:p>
             <a:fld id="{B4B2CA72-24AD-4332-9D1C-35DD63E783C0}" type="datetimeFigureOut">
               <a:rPr kumimoji="1" lang="ja-JP" altLang="en-US" smtClean="0"/>
-              <a:t>2014/12/11</a:t>
+              <a:t>2014/12/15</a:t>
             </a:fld>
             <a:endParaRPr kumimoji="1" lang="ja-JP" altLang="en-US"/>
           </a:p>
@@ -2517,7 +3423,7 @@
           <a:p>
             <a:fld id="{B4B2CA72-24AD-4332-9D1C-35DD63E783C0}" type="datetimeFigureOut">
               <a:rPr kumimoji="1" lang="ja-JP" altLang="en-US" smtClean="0"/>
-              <a:t>2014/12/11</a:t>
+              <a:t>2014/12/15</a:t>
             </a:fld>
             <a:endParaRPr kumimoji="1" lang="ja-JP" altLang="en-US"/>
           </a:p>
@@ -2735,7 +3641,7 @@
           <a:p>
             <a:fld id="{B4B2CA72-24AD-4332-9D1C-35DD63E783C0}" type="datetimeFigureOut">
               <a:rPr kumimoji="1" lang="ja-JP" altLang="en-US" smtClean="0"/>
-              <a:t>2014/12/11</a:t>
+              <a:t>2014/12/15</a:t>
             </a:fld>
             <a:endParaRPr kumimoji="1" lang="ja-JP" altLang="en-US"/>
           </a:p>
@@ -2947,7 +3853,7 @@
           <a:p>
             <a:fld id="{B4B2CA72-24AD-4332-9D1C-35DD63E783C0}" type="datetimeFigureOut">
               <a:rPr kumimoji="1" lang="ja-JP" altLang="en-US" smtClean="0"/>
-              <a:t>2014/12/11</a:t>
+              <a:t>2014/12/15</a:t>
             </a:fld>
             <a:endParaRPr kumimoji="1" lang="ja-JP" altLang="en-US"/>
           </a:p>
@@ -3197,7 +4103,7 @@
           <a:p>
             <a:fld id="{B4B2CA72-24AD-4332-9D1C-35DD63E783C0}" type="datetimeFigureOut">
               <a:rPr kumimoji="1" lang="ja-JP" altLang="en-US" smtClean="0"/>
-              <a:t>2014/12/11</a:t>
+              <a:t>2014/12/15</a:t>
             </a:fld>
             <a:endParaRPr kumimoji="1" lang="ja-JP" altLang="en-US"/>
           </a:p>
@@ -3508,7 +4414,7 @@
           <a:p>
             <a:fld id="{B4B2CA72-24AD-4332-9D1C-35DD63E783C0}" type="datetimeFigureOut">
               <a:rPr kumimoji="1" lang="ja-JP" altLang="en-US" smtClean="0"/>
-              <a:t>2014/12/11</a:t>
+              <a:t>2014/12/15</a:t>
             </a:fld>
             <a:endParaRPr kumimoji="1" lang="ja-JP" altLang="en-US"/>
           </a:p>
@@ -3961,7 +4867,7 @@
           <a:p>
             <a:fld id="{B4B2CA72-24AD-4332-9D1C-35DD63E783C0}" type="datetimeFigureOut">
               <a:rPr kumimoji="1" lang="ja-JP" altLang="en-US" smtClean="0"/>
-              <a:t>2014/12/11</a:t>
+              <a:t>2014/12/15</a:t>
             </a:fld>
             <a:endParaRPr kumimoji="1" lang="ja-JP" altLang="en-US"/>
           </a:p>
@@ -4090,7 +4996,7 @@
           <a:p>
             <a:fld id="{B4B2CA72-24AD-4332-9D1C-35DD63E783C0}" type="datetimeFigureOut">
               <a:rPr kumimoji="1" lang="ja-JP" altLang="en-US" smtClean="0"/>
-              <a:t>2014/12/11</a:t>
+              <a:t>2014/12/15</a:t>
             </a:fld>
             <a:endParaRPr kumimoji="1" lang="ja-JP" altLang="en-US"/>
           </a:p>
@@ -4185,7 +5091,7 @@
           <a:p>
             <a:fld id="{B4B2CA72-24AD-4332-9D1C-35DD63E783C0}" type="datetimeFigureOut">
               <a:rPr kumimoji="1" lang="ja-JP" altLang="en-US" smtClean="0"/>
-              <a:t>2014/12/11</a:t>
+              <a:t>2014/12/15</a:t>
             </a:fld>
             <a:endParaRPr kumimoji="1" lang="ja-JP" altLang="en-US"/>
           </a:p>
@@ -4472,7 +5378,7 @@
           <a:p>
             <a:fld id="{B4B2CA72-24AD-4332-9D1C-35DD63E783C0}" type="datetimeFigureOut">
               <a:rPr kumimoji="1" lang="ja-JP" altLang="en-US" smtClean="0"/>
-              <a:t>2014/12/11</a:t>
+              <a:t>2014/12/15</a:t>
             </a:fld>
             <a:endParaRPr kumimoji="1" lang="ja-JP" altLang="en-US"/>
           </a:p>
@@ -4755,7 +5661,7 @@
           <a:p>
             <a:fld id="{B4B2CA72-24AD-4332-9D1C-35DD63E783C0}" type="datetimeFigureOut">
               <a:rPr kumimoji="1" lang="ja-JP" altLang="en-US" smtClean="0"/>
-              <a:t>2014/12/11</a:t>
+              <a:t>2014/12/15</a:t>
             </a:fld>
             <a:endParaRPr kumimoji="1" lang="ja-JP" altLang="en-US"/>
           </a:p>
@@ -5198,7 +6104,7 @@
           <a:p>
             <a:fld id="{B4B2CA72-24AD-4332-9D1C-35DD63E783C0}" type="datetimeFigureOut">
               <a:rPr kumimoji="1" lang="ja-JP" altLang="en-US" smtClean="0"/>
-              <a:t>2014/12/11</a:t>
+              <a:t>2014/12/15</a:t>
             </a:fld>
             <a:endParaRPr kumimoji="1" lang="ja-JP" altLang="en-US"/>
           </a:p>
@@ -5894,7 +6800,7 @@
         </p:nvSpPr>
         <p:spPr>
           <a:xfrm>
-            <a:off x="932182" y="1718485"/>
+            <a:off x="664521" y="1718460"/>
             <a:ext cx="949006" cy="365948"/>
           </a:xfrm>
           <a:prstGeom prst="flowChartAlternateProcess">
@@ -5949,8 +6855,8 @@
         </p:nvSpPr>
         <p:spPr>
           <a:xfrm>
-            <a:off x="2599189" y="1747399"/>
-            <a:ext cx="1946021" cy="536285"/>
+            <a:off x="1043853" y="2236787"/>
+            <a:ext cx="725664" cy="1552839"/>
           </a:xfrm>
           <a:prstGeom prst="ellipse">
             <a:avLst/>
@@ -6004,7 +6910,7 @@
         </p:nvSpPr>
         <p:spPr>
           <a:xfrm>
-            <a:off x="1389601" y="2665676"/>
+            <a:off x="2492379" y="1979328"/>
             <a:ext cx="1418669" cy="530188"/>
           </a:xfrm>
           <a:prstGeom prst="ellipse">
@@ -6059,7 +6965,7 @@
         </p:nvSpPr>
         <p:spPr>
           <a:xfrm>
-            <a:off x="4009480" y="2734204"/>
+            <a:off x="2492379" y="2677102"/>
             <a:ext cx="1428699" cy="473605"/>
           </a:xfrm>
           <a:prstGeom prst="ellipse">
@@ -6106,307 +7012,6 @@
           </a:p>
         </p:txBody>
       </p:sp>
-      <p:sp>
-        <p:nvSpPr>
-          <p:cNvPr id="11" name="円/楕円 10"/>
-          <p:cNvSpPr/>
-          <p:nvPr/>
-        </p:nvSpPr>
-        <p:spPr>
-          <a:xfrm>
-            <a:off x="2345677" y="3270977"/>
-            <a:ext cx="2498922" cy="541938"/>
-          </a:xfrm>
-          <a:prstGeom prst="ellipse">
-            <a:avLst/>
-          </a:prstGeom>
-          <a:solidFill>
-            <a:schemeClr val="accent5"/>
-          </a:solidFill>
-        </p:spPr>
-        <p:style>
-          <a:lnRef idx="2">
-            <a:schemeClr val="accent1">
-              <a:shade val="50000"/>
-            </a:schemeClr>
-          </a:lnRef>
-          <a:fillRef idx="1">
-            <a:schemeClr val="accent1"/>
-          </a:fillRef>
-          <a:effectRef idx="0">
-            <a:schemeClr val="accent1"/>
-          </a:effectRef>
-          <a:fontRef idx="minor">
-            <a:schemeClr val="lt1"/>
-          </a:fontRef>
-        </p:style>
-        <p:txBody>
-          <a:bodyPr rot="0" spcFirstLastPara="0" vertOverflow="overflow" horzOverflow="overflow" vert="horz" wrap="square" lIns="74295" tIns="37148" rIns="74295" bIns="37148" numCol="1" spcCol="0" rtlCol="0" fromWordArt="0" anchor="ctr" anchorCtr="0" forceAA="0" compatLnSpc="1">
-            <a:prstTxWarp prst="textNoShape">
-              <a:avLst/>
-            </a:prstTxWarp>
-            <a:noAutofit/>
-          </a:bodyPr>
-          <a:lstStyle/>
-          <a:p>
-            <a:pPr algn="ctr"/>
-            <a:r>
-              <a:rPr lang="ja-JP" altLang="en-US" sz="1625" b="1" dirty="0">
-                <a:solidFill>
-                  <a:schemeClr val="bg2"/>
-                </a:solidFill>
-              </a:rPr>
-              <a:t>プロジェクト</a:t>
-            </a:r>
-          </a:p>
-        </p:txBody>
-      </p:sp>
-      <p:sp>
-        <p:nvSpPr>
-          <p:cNvPr id="12" name="右矢印 11"/>
-          <p:cNvSpPr/>
-          <p:nvPr/>
-        </p:nvSpPr>
-        <p:spPr>
-          <a:xfrm rot="6671549">
-            <a:off x="2522440" y="2326020"/>
-            <a:ext cx="478926" cy="306281"/>
-          </a:xfrm>
-          <a:prstGeom prst="rightArrow">
-            <a:avLst/>
-          </a:prstGeom>
-          <a:solidFill>
-            <a:schemeClr val="accent5"/>
-          </a:solidFill>
-        </p:spPr>
-        <p:style>
-          <a:lnRef idx="2">
-            <a:schemeClr val="accent1">
-              <a:shade val="50000"/>
-            </a:schemeClr>
-          </a:lnRef>
-          <a:fillRef idx="1">
-            <a:schemeClr val="accent1"/>
-          </a:fillRef>
-          <a:effectRef idx="0">
-            <a:schemeClr val="accent1"/>
-          </a:effectRef>
-          <a:fontRef idx="minor">
-            <a:schemeClr val="lt1"/>
-          </a:fontRef>
-        </p:style>
-        <p:txBody>
-          <a:bodyPr rot="0" spcFirstLastPara="0" vertOverflow="overflow" horzOverflow="overflow" vert="horz" wrap="square" lIns="74295" tIns="37148" rIns="74295" bIns="37148" numCol="1" spcCol="0" rtlCol="0" fromWordArt="0" anchor="ctr" anchorCtr="0" forceAA="0" compatLnSpc="1">
-            <a:prstTxWarp prst="textNoShape">
-              <a:avLst/>
-            </a:prstTxWarp>
-            <a:noAutofit/>
-          </a:bodyPr>
-          <a:lstStyle/>
-          <a:p>
-            <a:pPr algn="ctr"/>
-            <a:endParaRPr lang="ja-JP" altLang="en-US" sz="1463"/>
-          </a:p>
-        </p:txBody>
-      </p:sp>
-      <p:sp>
-        <p:nvSpPr>
-          <p:cNvPr id="13" name="右矢印 12"/>
-          <p:cNvSpPr/>
-          <p:nvPr/>
-        </p:nvSpPr>
-        <p:spPr>
-          <a:xfrm rot="3543360">
-            <a:off x="4201349" y="2339027"/>
-            <a:ext cx="511974" cy="263122"/>
-          </a:xfrm>
-          <a:prstGeom prst="rightArrow">
-            <a:avLst/>
-          </a:prstGeom>
-          <a:solidFill>
-            <a:schemeClr val="accent5"/>
-          </a:solidFill>
-        </p:spPr>
-        <p:style>
-          <a:lnRef idx="2">
-            <a:schemeClr val="accent1">
-              <a:shade val="50000"/>
-            </a:schemeClr>
-          </a:lnRef>
-          <a:fillRef idx="1">
-            <a:schemeClr val="accent1"/>
-          </a:fillRef>
-          <a:effectRef idx="0">
-            <a:schemeClr val="accent1"/>
-          </a:effectRef>
-          <a:fontRef idx="minor">
-            <a:schemeClr val="lt1"/>
-          </a:fontRef>
-        </p:style>
-        <p:txBody>
-          <a:bodyPr rot="0" spcFirstLastPara="0" vertOverflow="overflow" horzOverflow="overflow" vert="horz" wrap="square" lIns="74295" tIns="37148" rIns="74295" bIns="37148" numCol="1" spcCol="0" rtlCol="0" fromWordArt="0" anchor="ctr" anchorCtr="0" forceAA="0" compatLnSpc="1">
-            <a:prstTxWarp prst="textNoShape">
-              <a:avLst/>
-            </a:prstTxWarp>
-            <a:noAutofit/>
-          </a:bodyPr>
-          <a:lstStyle/>
-          <a:p>
-            <a:pPr algn="ctr"/>
-            <a:endParaRPr lang="ja-JP" altLang="en-US" sz="1463"/>
-          </a:p>
-        </p:txBody>
-      </p:sp>
-      <p:sp>
-        <p:nvSpPr>
-          <p:cNvPr id="14" name="ストライプ矢印 13"/>
-          <p:cNvSpPr/>
-          <p:nvPr/>
-        </p:nvSpPr>
-        <p:spPr>
-          <a:xfrm rot="5400000">
-            <a:off x="3180908" y="2510712"/>
-            <a:ext cx="828459" cy="487143"/>
-          </a:xfrm>
-          <a:prstGeom prst="stripedRightArrow">
-            <a:avLst>
-              <a:gd name="adj1" fmla="val 28709"/>
-              <a:gd name="adj2" fmla="val 45820"/>
-            </a:avLst>
-          </a:prstGeom>
-          <a:solidFill>
-            <a:schemeClr val="accent5"/>
-          </a:solidFill>
-        </p:spPr>
-        <p:style>
-          <a:lnRef idx="2">
-            <a:schemeClr val="accent1">
-              <a:shade val="50000"/>
-            </a:schemeClr>
-          </a:lnRef>
-          <a:fillRef idx="1">
-            <a:schemeClr val="accent1"/>
-          </a:fillRef>
-          <a:effectRef idx="0">
-            <a:schemeClr val="accent1"/>
-          </a:effectRef>
-          <a:fontRef idx="minor">
-            <a:schemeClr val="lt1"/>
-          </a:fontRef>
-        </p:style>
-        <p:txBody>
-          <a:bodyPr rot="0" spcFirstLastPara="0" vertOverflow="overflow" horzOverflow="overflow" vert="horz" wrap="square" lIns="74295" tIns="37148" rIns="74295" bIns="37148" numCol="1" spcCol="0" rtlCol="0" fromWordArt="0" anchor="ctr" anchorCtr="0" forceAA="0" compatLnSpc="1">
-            <a:prstTxWarp prst="textNoShape">
-              <a:avLst/>
-            </a:prstTxWarp>
-            <a:noAutofit/>
-          </a:bodyPr>
-          <a:lstStyle/>
-          <a:p>
-            <a:pPr algn="ctr"/>
-            <a:endParaRPr lang="ja-JP" altLang="en-US" sz="1463"/>
-          </a:p>
-        </p:txBody>
-      </p:sp>
-      <p:sp>
-        <p:nvSpPr>
-          <p:cNvPr id="15" name="テキスト ボックス 14"/>
-          <p:cNvSpPr txBox="1"/>
-          <p:nvPr/>
-        </p:nvSpPr>
-        <p:spPr>
-          <a:xfrm>
-            <a:off x="1906785" y="2039514"/>
-            <a:ext cx="938353" cy="442429"/>
-          </a:xfrm>
-          <a:prstGeom prst="rect">
-            <a:avLst/>
-          </a:prstGeom>
-          <a:noFill/>
-        </p:spPr>
-        <p:txBody>
-          <a:bodyPr wrap="square" rtlCol="0">
-            <a:spAutoFit/>
-          </a:bodyPr>
-          <a:lstStyle/>
-          <a:p>
-            <a:r>
-              <a:rPr lang="ja-JP" altLang="en-US" sz="2275" dirty="0">
-                <a:solidFill>
-                  <a:schemeClr val="bg1"/>
-                </a:solidFill>
-              </a:rPr>
-              <a:t>活用</a:t>
-            </a:r>
-          </a:p>
-        </p:txBody>
-      </p:sp>
-      <p:sp>
-        <p:nvSpPr>
-          <p:cNvPr id="16" name="テキスト ボックス 15"/>
-          <p:cNvSpPr txBox="1"/>
-          <p:nvPr/>
-        </p:nvSpPr>
-        <p:spPr>
-          <a:xfrm>
-            <a:off x="4527003" y="2073077"/>
-            <a:ext cx="1153886" cy="442429"/>
-          </a:xfrm>
-          <a:prstGeom prst="rect">
-            <a:avLst/>
-          </a:prstGeom>
-          <a:noFill/>
-        </p:spPr>
-        <p:txBody>
-          <a:bodyPr wrap="square" rtlCol="0">
-            <a:spAutoFit/>
-          </a:bodyPr>
-          <a:lstStyle/>
-          <a:p>
-            <a:r>
-              <a:rPr lang="ja-JP" altLang="en-US" sz="2275" dirty="0">
-                <a:solidFill>
-                  <a:schemeClr val="bg1"/>
-                </a:solidFill>
-              </a:rPr>
-              <a:t>挑戦中</a:t>
-            </a:r>
-          </a:p>
-        </p:txBody>
-      </p:sp>
-      <p:sp>
-        <p:nvSpPr>
-          <p:cNvPr id="17" name="テキスト ボックス 16"/>
-          <p:cNvSpPr txBox="1"/>
-          <p:nvPr/>
-        </p:nvSpPr>
-        <p:spPr>
-          <a:xfrm>
-            <a:off x="2959225" y="2266904"/>
-            <a:ext cx="534762" cy="901609"/>
-          </a:xfrm>
-          <a:prstGeom prst="rect">
-            <a:avLst/>
-          </a:prstGeom>
-          <a:noFill/>
-        </p:spPr>
-        <p:txBody>
-          <a:bodyPr vert="eaVert" wrap="square" rtlCol="0">
-            <a:spAutoFit/>
-          </a:bodyPr>
-          <a:lstStyle/>
-          <a:p>
-            <a:r>
-              <a:rPr lang="ja-JP" altLang="en-US" sz="2275" dirty="0">
-                <a:solidFill>
-                  <a:schemeClr val="bg1"/>
-                </a:solidFill>
-              </a:rPr>
-              <a:t>将来</a:t>
-            </a:r>
-          </a:p>
-        </p:txBody>
-      </p:sp>
       <p:grpSp>
         <p:nvGrpSpPr>
           <p:cNvPr id="49" name="グループ化 48"/>
@@ -6415,8 +7020,8 @@
         </p:nvGrpSpPr>
         <p:grpSpPr>
           <a:xfrm>
-            <a:off x="560662" y="4024256"/>
-            <a:ext cx="2641052" cy="1801526"/>
+            <a:off x="560662" y="4024255"/>
+            <a:ext cx="2641052" cy="2072503"/>
             <a:chOff x="844356" y="4025379"/>
             <a:chExt cx="2641052" cy="1801526"/>
           </a:xfrm>
@@ -6477,7 +7082,7 @@
           </p:nvSpPr>
           <p:spPr>
             <a:xfrm>
-              <a:off x="915098" y="4111351"/>
+              <a:off x="913599" y="4066020"/>
               <a:ext cx="949006" cy="365948"/>
             </a:xfrm>
             <a:prstGeom prst="flowChartAlternateProcess">
@@ -6587,7 +7192,7 @@
           </p:nvSpPr>
           <p:spPr>
             <a:xfrm>
-              <a:off x="1881188" y="4750913"/>
+              <a:off x="1881188" y="4789150"/>
               <a:ext cx="1345418" cy="329454"/>
             </a:xfrm>
             <a:prstGeom prst="roundRect">
@@ -6650,7 +7255,7 @@
           </p:nvSpPr>
           <p:spPr>
             <a:xfrm>
-              <a:off x="2027146" y="5316565"/>
+              <a:off x="2027146" y="5430455"/>
               <a:ext cx="1053502" cy="329454"/>
             </a:xfrm>
             <a:prstGeom prst="roundRect">
@@ -6709,7 +7314,7 @@
           <p:spPr>
             <a:xfrm>
               <a:off x="2553897" y="4477299"/>
-              <a:ext cx="0" cy="273614"/>
+              <a:ext cx="0" cy="311851"/>
             </a:xfrm>
             <a:prstGeom prst="straightConnector1">
               <a:avLst/>
@@ -6749,8 +7354,8 @@
           </p:nvCxnSpPr>
           <p:spPr>
             <a:xfrm>
-              <a:off x="2553897" y="5080367"/>
-              <a:ext cx="0" cy="236198"/>
+              <a:off x="2553897" y="5118604"/>
+              <a:ext cx="0" cy="311851"/>
             </a:xfrm>
             <a:prstGeom prst="straightConnector1">
               <a:avLst/>
@@ -6788,10 +7393,10 @@
         </p:nvGrpSpPr>
         <p:grpSpPr>
           <a:xfrm>
-            <a:off x="560661" y="5912877"/>
-            <a:ext cx="5863889" cy="1292410"/>
+            <a:off x="3351566" y="4013773"/>
+            <a:ext cx="3072984" cy="2082986"/>
             <a:chOff x="852934" y="5912877"/>
-            <a:chExt cx="5106308" cy="1292410"/>
+            <a:chExt cx="5106308" cy="843510"/>
           </a:xfrm>
         </p:grpSpPr>
         <p:sp>
@@ -6803,7 +7408,7 @@
           <p:spPr>
             <a:xfrm>
               <a:off x="852934" y="5912877"/>
-              <a:ext cx="5106308" cy="1292410"/>
+              <a:ext cx="5106308" cy="843510"/>
             </a:xfrm>
             <a:prstGeom prst="rect">
               <a:avLst/>
@@ -6850,8 +7455,8 @@
           </p:nvSpPr>
           <p:spPr>
             <a:xfrm>
-              <a:off x="915098" y="5997168"/>
-              <a:ext cx="949006" cy="365948"/>
+              <a:off x="946668" y="5933771"/>
+              <a:ext cx="1590878" cy="153429"/>
             </a:xfrm>
             <a:prstGeom prst="flowChartAlternateProcess">
               <a:avLst/>
@@ -6905,8 +7510,8 @@
           </p:nvSpPr>
           <p:spPr>
             <a:xfrm>
-              <a:off x="1926268" y="6065508"/>
-              <a:ext cx="3653743" cy="954107"/>
+              <a:off x="946668" y="6120861"/>
+              <a:ext cx="4925654" cy="560857"/>
             </a:xfrm>
             <a:prstGeom prst="rect">
               <a:avLst/>
@@ -6967,7 +7572,7 @@
                 <a:buAutoNum type="circleNumDbPlain"/>
               </a:pPr>
               <a:r>
-                <a:rPr lang="en-US" altLang="ja-JP" sz="1400" dirty="0">
+                <a:rPr lang="en-US" altLang="ja-JP" sz="1400" dirty="0" smtClean="0">
                   <a:solidFill>
                     <a:schemeClr val="bg1"/>
                   </a:solidFill>
@@ -6975,12 +7580,28 @@
                 <a:t>Mathematica</a:t>
               </a:r>
               <a:r>
+                <a:rPr lang="ja-JP" altLang="en-US" sz="1400" dirty="0" smtClean="0">
+                  <a:solidFill>
+                    <a:schemeClr val="bg1"/>
+                  </a:solidFill>
+                </a:rPr>
+                <a:t>で処理する際に使用する</a:t>
+              </a:r>
+              <a:r>
+                <a:rPr lang="ja-JP" altLang="ja-JP" sz="1400" dirty="0" smtClean="0">
+                  <a:solidFill>
+                    <a:schemeClr val="bg1"/>
+                  </a:solidFill>
+                </a:rPr>
+                <a:t>言語</a:t>
+              </a:r>
+              <a:r>
                 <a:rPr lang="ja-JP" altLang="ja-JP" sz="1400" dirty="0">
                   <a:solidFill>
                     <a:schemeClr val="bg1"/>
                   </a:solidFill>
                 </a:rPr>
-                <a:t>言語を利用して式を</a:t>
+                <a:t>を利用して式を</a:t>
               </a:r>
               <a:r>
                 <a:rPr lang="en-US" altLang="ja-JP" sz="1400" dirty="0">
@@ -7015,8 +7636,8 @@
         </p:nvGrpSpPr>
         <p:grpSpPr>
           <a:xfrm>
-            <a:off x="546264" y="7289578"/>
-            <a:ext cx="5878285" cy="1292410"/>
+            <a:off x="546264" y="6178499"/>
+            <a:ext cx="5878285" cy="2403489"/>
             <a:chOff x="852934" y="7276422"/>
             <a:chExt cx="5106308" cy="1292410"/>
           </a:xfrm>
@@ -7077,8 +7698,8 @@
           </p:nvSpPr>
           <p:spPr>
             <a:xfrm>
-              <a:off x="901041" y="7363792"/>
-              <a:ext cx="2592945" cy="365948"/>
+              <a:off x="874293" y="7308226"/>
+              <a:ext cx="2388783" cy="231792"/>
             </a:xfrm>
             <a:prstGeom prst="flowChartAlternateProcess">
               <a:avLst/>
@@ -7259,36 +7880,6 @@
           </p:txBody>
         </p:sp>
       </p:grpSp>
-      <p:pic>
-        <p:nvPicPr>
-          <p:cNvPr id="46" name="図 45"/>
-          <p:cNvPicPr>
-            <a:picLocks noChangeAspect="1"/>
-          </p:cNvPicPr>
-          <p:nvPr/>
-        </p:nvPicPr>
-        <p:blipFill>
-          <a:blip r:embed="rId2">
-            <a:extLst>
-              <a:ext uri="{28A0092B-C50C-407E-A947-70E740481C1C}">
-                <a14:useLocalDpi xmlns:a14="http://schemas.microsoft.com/office/drawing/2010/main" val="0"/>
-              </a:ext>
-            </a:extLst>
-          </a:blip>
-          <a:stretch>
-            <a:fillRect/>
-          </a:stretch>
-        </p:blipFill>
-        <p:spPr>
-          <a:xfrm>
-            <a:off x="4043560" y="4031041"/>
-            <a:ext cx="2380991" cy="1816921"/>
-          </a:xfrm>
-          <a:prstGeom prst="rect">
-            <a:avLst/>
-          </a:prstGeom>
-        </p:spPr>
-      </p:pic>
       <p:sp>
         <p:nvSpPr>
           <p:cNvPr id="53" name="テキスト ボックス 52"/>
@@ -7297,8 +7888,8 @@
         </p:nvSpPr>
         <p:spPr>
           <a:xfrm>
-            <a:off x="664758" y="7826912"/>
-            <a:ext cx="5617289" cy="523220"/>
+            <a:off x="582896" y="6766106"/>
+            <a:ext cx="2806330" cy="1815882"/>
           </a:xfrm>
           <a:prstGeom prst="rect">
             <a:avLst/>
@@ -7364,7 +7955,42 @@
                   <a:schemeClr val="bg1"/>
                 </a:solidFill>
               </a:rPr>
-              <a:t>に処理する際に用いた知識をまとめた</a:t>
+              <a:t>に処理する際に用いた知識を</a:t>
+            </a:r>
+            <a:r>
+              <a:rPr kumimoji="1" lang="ja-JP" altLang="en-US" sz="1400" dirty="0" smtClean="0">
+                <a:solidFill>
+                  <a:schemeClr val="bg1"/>
+                </a:solidFill>
+              </a:rPr>
+              <a:t>まとめた</a:t>
+            </a:r>
+            <a:endParaRPr kumimoji="1" lang="en-US" altLang="ja-JP" sz="1400" dirty="0" smtClean="0">
+              <a:solidFill>
+                <a:schemeClr val="bg1"/>
+              </a:solidFill>
+            </a:endParaRPr>
+          </a:p>
+          <a:p>
+            <a:pPr marL="285750" indent="-285750">
+              <a:buFont typeface="Arial" panose="020B0604020202020204" pitchFamily="34" charset="0"/>
+              <a:buChar char="•"/>
+            </a:pPr>
+            <a:r>
+              <a:rPr lang="en-US" altLang="ja-JP" sz="1400" dirty="0" smtClean="0">
+                <a:solidFill>
+                  <a:schemeClr val="bg1"/>
+                </a:solidFill>
+              </a:rPr>
+              <a:t>Mathematica</a:t>
+            </a:r>
+            <a:r>
+              <a:rPr lang="ja-JP" altLang="en-US" sz="1400" dirty="0" smtClean="0">
+                <a:solidFill>
+                  <a:schemeClr val="bg1"/>
+                </a:solidFill>
+              </a:rPr>
+              <a:t>で処理する際に使用した言語をグラフ化してまとめた</a:t>
             </a:r>
             <a:endParaRPr kumimoji="1" lang="ja-JP" altLang="en-US" sz="1400" dirty="0">
               <a:solidFill>
@@ -7447,6 +8073,380 @@
                 </a:solidFill>
               </a:rPr>
               <a:t>で処理できるか検証する</a:t>
+            </a:r>
+            <a:endParaRPr kumimoji="1" lang="ja-JP" altLang="en-US" sz="1400" dirty="0">
+              <a:solidFill>
+                <a:schemeClr val="bg1"/>
+              </a:solidFill>
+            </a:endParaRPr>
+          </a:p>
+        </p:txBody>
+      </p:sp>
+      <p:graphicFrame>
+        <p:nvGraphicFramePr>
+          <p:cNvPr id="37" name="グラフ 36"/>
+          <p:cNvGraphicFramePr>
+            <a:graphicFrameLocks/>
+          </p:cNvGraphicFramePr>
+          <p:nvPr>
+            <p:extLst>
+              <p:ext uri="{D42A27DB-BD31-4B8C-83A1-F6EECF244321}">
+                <p14:modId xmlns:p14="http://schemas.microsoft.com/office/powerpoint/2010/main" val="2729223865"/>
+              </p:ext>
+            </p:extLst>
+          </p:nvPr>
+        </p:nvGraphicFramePr>
+        <p:xfrm>
+          <a:off x="3410706" y="6235783"/>
+          <a:ext cx="2930244" cy="2323776"/>
+        </p:xfrm>
+        <a:graphic>
+          <a:graphicData uri="http://schemas.openxmlformats.org/drawingml/2006/chart">
+            <c:chart xmlns:c="http://schemas.openxmlformats.org/drawingml/2006/chart" xmlns:r="http://schemas.openxmlformats.org/officeDocument/2006/relationships" r:id="rId2"/>
+          </a:graphicData>
+        </a:graphic>
+      </p:graphicFrame>
+      <p:sp>
+        <p:nvSpPr>
+          <p:cNvPr id="38" name="円/楕円 37"/>
+          <p:cNvSpPr/>
+          <p:nvPr/>
+        </p:nvSpPr>
+        <p:spPr>
+          <a:xfrm>
+            <a:off x="2487363" y="3318293"/>
+            <a:ext cx="1428699" cy="473605"/>
+          </a:xfrm>
+          <a:prstGeom prst="ellipse">
+            <a:avLst/>
+          </a:prstGeom>
+          <a:solidFill>
+            <a:schemeClr val="accent5"/>
+          </a:solidFill>
+        </p:spPr>
+        <p:style>
+          <a:lnRef idx="2">
+            <a:schemeClr val="accent1">
+              <a:shade val="50000"/>
+            </a:schemeClr>
+          </a:lnRef>
+          <a:fillRef idx="1">
+            <a:schemeClr val="accent1"/>
+          </a:fillRef>
+          <a:effectRef idx="0">
+            <a:schemeClr val="accent1"/>
+          </a:effectRef>
+          <a:fontRef idx="minor">
+            <a:schemeClr val="lt1"/>
+          </a:fontRef>
+        </p:style>
+        <p:txBody>
+          <a:bodyPr rot="0" spcFirstLastPara="0" vertOverflow="overflow" horzOverflow="overflow" vert="horz" wrap="square" lIns="74295" tIns="37148" rIns="74295" bIns="37148" numCol="1" spcCol="0" rtlCol="0" fromWordArt="0" anchor="ctr" anchorCtr="0" forceAA="0" compatLnSpc="1">
+            <a:prstTxWarp prst="textNoShape">
+              <a:avLst/>
+            </a:prstTxWarp>
+            <a:noAutofit/>
+          </a:bodyPr>
+          <a:lstStyle/>
+          <a:p>
+            <a:pPr algn="ctr"/>
+            <a:r>
+              <a:rPr lang="ja-JP" altLang="en-US" sz="1463" dirty="0">
+                <a:solidFill>
+                  <a:schemeClr val="bg1"/>
+                </a:solidFill>
+              </a:rPr>
+              <a:t>工場</a:t>
+            </a:r>
+            <a:endParaRPr lang="ja-JP" altLang="en-US" sz="1463" dirty="0">
+              <a:solidFill>
+                <a:schemeClr val="bg1"/>
+              </a:solidFill>
+            </a:endParaRPr>
+          </a:p>
+        </p:txBody>
+      </p:sp>
+      <p:sp>
+        <p:nvSpPr>
+          <p:cNvPr id="5" name="右矢印 4"/>
+          <p:cNvSpPr/>
+          <p:nvPr/>
+        </p:nvSpPr>
+        <p:spPr>
+          <a:xfrm rot="20754153">
+            <a:off x="1825352" y="2284027"/>
+            <a:ext cx="606175" cy="272729"/>
+          </a:xfrm>
+          <a:prstGeom prst="rightArrow">
+            <a:avLst/>
+          </a:prstGeom>
+          <a:solidFill>
+            <a:schemeClr val="accent5"/>
+          </a:solidFill>
+        </p:spPr>
+        <p:style>
+          <a:lnRef idx="2">
+            <a:schemeClr val="accent1">
+              <a:shade val="50000"/>
+            </a:schemeClr>
+          </a:lnRef>
+          <a:fillRef idx="1">
+            <a:schemeClr val="accent1"/>
+          </a:fillRef>
+          <a:effectRef idx="0">
+            <a:schemeClr val="accent1"/>
+          </a:effectRef>
+          <a:fontRef idx="minor">
+            <a:schemeClr val="lt1"/>
+          </a:fontRef>
+        </p:style>
+        <p:txBody>
+          <a:bodyPr rtlCol="0" anchor="ctr"/>
+          <a:lstStyle/>
+          <a:p>
+            <a:pPr algn="ctr"/>
+            <a:endParaRPr kumimoji="1" lang="ja-JP" altLang="en-US"/>
+          </a:p>
+        </p:txBody>
+      </p:sp>
+      <p:sp>
+        <p:nvSpPr>
+          <p:cNvPr id="40" name="右矢印 39"/>
+          <p:cNvSpPr/>
+          <p:nvPr/>
+        </p:nvSpPr>
+        <p:spPr>
+          <a:xfrm>
+            <a:off x="1825351" y="2758397"/>
+            <a:ext cx="606175" cy="272729"/>
+          </a:xfrm>
+          <a:prstGeom prst="rightArrow">
+            <a:avLst/>
+          </a:prstGeom>
+          <a:solidFill>
+            <a:schemeClr val="accent5"/>
+          </a:solidFill>
+        </p:spPr>
+        <p:style>
+          <a:lnRef idx="2">
+            <a:schemeClr val="accent1">
+              <a:shade val="50000"/>
+            </a:schemeClr>
+          </a:lnRef>
+          <a:fillRef idx="1">
+            <a:schemeClr val="accent1"/>
+          </a:fillRef>
+          <a:effectRef idx="0">
+            <a:schemeClr val="accent1"/>
+          </a:effectRef>
+          <a:fontRef idx="minor">
+            <a:schemeClr val="lt1"/>
+          </a:fontRef>
+        </p:style>
+        <p:txBody>
+          <a:bodyPr rtlCol="0" anchor="ctr"/>
+          <a:lstStyle/>
+          <a:p>
+            <a:pPr algn="ctr"/>
+            <a:endParaRPr kumimoji="1" lang="ja-JP" altLang="en-US"/>
+          </a:p>
+        </p:txBody>
+      </p:sp>
+      <p:sp>
+        <p:nvSpPr>
+          <p:cNvPr id="46" name="右矢印 45"/>
+          <p:cNvSpPr/>
+          <p:nvPr/>
+        </p:nvSpPr>
+        <p:spPr>
+          <a:xfrm rot="1564581">
+            <a:off x="1798607" y="3261061"/>
+            <a:ext cx="606175" cy="272729"/>
+          </a:xfrm>
+          <a:prstGeom prst="rightArrow">
+            <a:avLst/>
+          </a:prstGeom>
+          <a:solidFill>
+            <a:schemeClr val="accent5"/>
+          </a:solidFill>
+        </p:spPr>
+        <p:style>
+          <a:lnRef idx="2">
+            <a:schemeClr val="accent1">
+              <a:shade val="50000"/>
+            </a:schemeClr>
+          </a:lnRef>
+          <a:fillRef idx="1">
+            <a:schemeClr val="accent1"/>
+          </a:fillRef>
+          <a:effectRef idx="0">
+            <a:schemeClr val="accent1"/>
+          </a:effectRef>
+          <a:fontRef idx="minor">
+            <a:schemeClr val="lt1"/>
+          </a:fontRef>
+        </p:style>
+        <p:txBody>
+          <a:bodyPr rtlCol="0" anchor="ctr"/>
+          <a:lstStyle/>
+          <a:p>
+            <a:pPr algn="ctr"/>
+            <a:endParaRPr kumimoji="1" lang="ja-JP" altLang="en-US"/>
+          </a:p>
+        </p:txBody>
+      </p:sp>
+      <p:sp>
+        <p:nvSpPr>
+          <p:cNvPr id="19" name="テキスト ボックス 18"/>
+          <p:cNvSpPr txBox="1"/>
+          <p:nvPr/>
+        </p:nvSpPr>
+        <p:spPr>
+          <a:xfrm>
+            <a:off x="4263242" y="2172067"/>
+            <a:ext cx="2018568" cy="1477328"/>
+          </a:xfrm>
+          <a:prstGeom prst="rect">
+            <a:avLst/>
+          </a:prstGeom>
+          <a:noFill/>
+        </p:spPr>
+        <p:txBody>
+          <a:bodyPr wrap="square" rtlCol="0">
+            <a:spAutoFit/>
+          </a:bodyPr>
+          <a:lstStyle/>
+          <a:p>
+            <a:r>
+              <a:rPr kumimoji="1" lang="ja-JP" altLang="en-US" dirty="0" smtClean="0">
+                <a:solidFill>
+                  <a:schemeClr val="bg1"/>
+                </a:solidFill>
+              </a:rPr>
+              <a:t>第</a:t>
+            </a:r>
+            <a:r>
+              <a:rPr kumimoji="1" lang="en-US" altLang="ja-JP" dirty="0" smtClean="0">
+                <a:solidFill>
+                  <a:schemeClr val="bg1"/>
+                </a:solidFill>
+              </a:rPr>
+              <a:t>4</a:t>
+            </a:r>
+            <a:r>
+              <a:rPr kumimoji="1" lang="ja-JP" altLang="en-US" dirty="0" smtClean="0">
+                <a:solidFill>
+                  <a:schemeClr val="bg1"/>
+                </a:solidFill>
+              </a:rPr>
+              <a:t>の産業革命</a:t>
+            </a:r>
+            <a:endParaRPr kumimoji="1" lang="en-US" altLang="ja-JP" dirty="0" smtClean="0">
+              <a:solidFill>
+                <a:schemeClr val="bg1"/>
+              </a:solidFill>
+            </a:endParaRPr>
+          </a:p>
+          <a:p>
+            <a:r>
+              <a:rPr lang="ja-JP" altLang="en-US" dirty="0" smtClean="0">
+                <a:solidFill>
+                  <a:schemeClr val="bg1"/>
+                </a:solidFill>
+              </a:rPr>
+              <a:t>→人工知能を利用して革新的なものづくりを目指す取り組み</a:t>
+            </a:r>
+            <a:endParaRPr kumimoji="1" lang="ja-JP" altLang="en-US" dirty="0">
+              <a:solidFill>
+                <a:schemeClr val="bg1"/>
+              </a:solidFill>
+            </a:endParaRPr>
+          </a:p>
+        </p:txBody>
+      </p:sp>
+      <p:sp>
+        <p:nvSpPr>
+          <p:cNvPr id="25" name="テキスト ボックス 24"/>
+          <p:cNvSpPr txBox="1"/>
+          <p:nvPr/>
+        </p:nvSpPr>
+        <p:spPr>
+          <a:xfrm>
+            <a:off x="1139024" y="4599469"/>
+            <a:ext cx="1364414" cy="307777"/>
+          </a:xfrm>
+          <a:prstGeom prst="rect">
+            <a:avLst/>
+          </a:prstGeom>
+          <a:noFill/>
+        </p:spPr>
+        <p:txBody>
+          <a:bodyPr wrap="square" rtlCol="0">
+            <a:spAutoFit/>
+          </a:bodyPr>
+          <a:lstStyle/>
+          <a:p>
+            <a:r>
+              <a:rPr kumimoji="1" lang="ja-JP" altLang="en-US" sz="1400" dirty="0" smtClean="0">
+                <a:solidFill>
+                  <a:schemeClr val="bg1"/>
+                </a:solidFill>
+              </a:rPr>
+              <a:t>人間が処理</a:t>
+            </a:r>
+            <a:endParaRPr kumimoji="1" lang="ja-JP" altLang="en-US" sz="1400" dirty="0">
+              <a:solidFill>
+                <a:schemeClr val="bg1"/>
+              </a:solidFill>
+            </a:endParaRPr>
+          </a:p>
+        </p:txBody>
+      </p:sp>
+      <p:sp>
+        <p:nvSpPr>
+          <p:cNvPr id="47" name="テキスト ボックス 46"/>
+          <p:cNvSpPr txBox="1"/>
+          <p:nvPr/>
+        </p:nvSpPr>
+        <p:spPr>
+          <a:xfrm>
+            <a:off x="760802" y="5315949"/>
+            <a:ext cx="1509401" cy="307777"/>
+          </a:xfrm>
+          <a:prstGeom prst="rect">
+            <a:avLst/>
+          </a:prstGeom>
+          <a:noFill/>
+        </p:spPr>
+        <p:txBody>
+          <a:bodyPr wrap="square" rtlCol="0">
+            <a:spAutoFit/>
+          </a:bodyPr>
+          <a:lstStyle/>
+          <a:p>
+            <a:r>
+              <a:rPr lang="ja-JP" altLang="en-US" sz="1400" dirty="0" smtClean="0">
+                <a:solidFill>
+                  <a:schemeClr val="bg1"/>
+                </a:solidFill>
+              </a:rPr>
+              <a:t>人工</a:t>
+            </a:r>
+            <a:r>
+              <a:rPr lang="ja-JP" altLang="en-US" sz="1400" dirty="0">
+                <a:solidFill>
+                  <a:schemeClr val="bg1"/>
+                </a:solidFill>
+              </a:rPr>
+              <a:t>知能</a:t>
+            </a:r>
+            <a:r>
+              <a:rPr kumimoji="1" lang="ja-JP" altLang="en-US" sz="1400" dirty="0" smtClean="0">
+                <a:solidFill>
+                  <a:schemeClr val="bg1"/>
+                </a:solidFill>
+              </a:rPr>
+              <a:t>が処理</a:t>
             </a:r>
             <a:endParaRPr kumimoji="1" lang="ja-JP" altLang="en-US" sz="1400" dirty="0">
               <a:solidFill>
@@ -7741,4 +8741,256 @@
     </a:ext>
   </a:extLst>
 </a:theme>
+</file>
+
+<file path=ppt/theme/themeOverride1.xml><?xml version="1.0" encoding="utf-8"?>
+<a:themeOverride xmlns:a="http://schemas.openxmlformats.org/drawingml/2006/main">
+  <a:clrScheme name="Office">
+    <a:dk1>
+      <a:sysClr val="windowText" lastClr="000000"/>
+    </a:dk1>
+    <a:lt1>
+      <a:sysClr val="window" lastClr="FFFFFF"/>
+    </a:lt1>
+    <a:dk2>
+      <a:srgbClr val="44546A"/>
+    </a:dk2>
+    <a:lt2>
+      <a:srgbClr val="E7E6E6"/>
+    </a:lt2>
+    <a:accent1>
+      <a:srgbClr val="5B9BD5"/>
+    </a:accent1>
+    <a:accent2>
+      <a:srgbClr val="ED7D31"/>
+    </a:accent2>
+    <a:accent3>
+      <a:srgbClr val="A5A5A5"/>
+    </a:accent3>
+    <a:accent4>
+      <a:srgbClr val="FFC000"/>
+    </a:accent4>
+    <a:accent5>
+      <a:srgbClr val="4472C4"/>
+    </a:accent5>
+    <a:accent6>
+      <a:srgbClr val="70AD47"/>
+    </a:accent6>
+    <a:hlink>
+      <a:srgbClr val="0563C1"/>
+    </a:hlink>
+    <a:folHlink>
+      <a:srgbClr val="954F72"/>
+    </a:folHlink>
+  </a:clrScheme>
+  <a:fontScheme name="Office">
+    <a:majorFont>
+      <a:latin typeface="Calibri Light" panose="020F0302020204030204"/>
+      <a:ea typeface=""/>
+      <a:cs typeface=""/>
+      <a:font script="Jpan" typeface="ＭＳ Ｐゴシック"/>
+      <a:font script="Hang" typeface="맑은 고딕"/>
+      <a:font script="Hans" typeface="宋体"/>
+      <a:font script="Hant" typeface="新細明體"/>
+      <a:font script="Arab" typeface="Times New Roman"/>
+      <a:font script="Hebr" typeface="Times New Roman"/>
+      <a:font script="Thai" typeface="Tahoma"/>
+      <a:font script="Ethi" typeface="Nyala"/>
+      <a:font script="Beng" typeface="Vrinda"/>
+      <a:font script="Gujr" typeface="Shruti"/>
+      <a:font script="Khmr" typeface="MoolBoran"/>
+      <a:font script="Knda" typeface="Tunga"/>
+      <a:font script="Guru" typeface="Raavi"/>
+      <a:font script="Cans" typeface="Euphemia"/>
+      <a:font script="Cher" typeface="Plantagenet Cherokee"/>
+      <a:font script="Yiii" typeface="Microsoft Yi Baiti"/>
+      <a:font script="Tibt" typeface="Microsoft Himalaya"/>
+      <a:font script="Thaa" typeface="MV Boli"/>
+      <a:font script="Deva" typeface="Mangal"/>
+      <a:font script="Telu" typeface="Gautami"/>
+      <a:font script="Taml" typeface="Latha"/>
+      <a:font script="Syrc" typeface="Estrangelo Edessa"/>
+      <a:font script="Orya" typeface="Kalinga"/>
+      <a:font script="Mlym" typeface="Kartika"/>
+      <a:font script="Laoo" typeface="DokChampa"/>
+      <a:font script="Sinh" typeface="Iskoola Pota"/>
+      <a:font script="Mong" typeface="Mongolian Baiti"/>
+      <a:font script="Viet" typeface="Times New Roman"/>
+      <a:font script="Uigh" typeface="Microsoft Uighur"/>
+      <a:font script="Geor" typeface="Sylfaen"/>
+    </a:majorFont>
+    <a:minorFont>
+      <a:latin typeface="Calibri" panose="020F0502020204030204"/>
+      <a:ea typeface=""/>
+      <a:cs typeface=""/>
+      <a:font script="Jpan" typeface="ＭＳ Ｐゴシック"/>
+      <a:font script="Hang" typeface="맑은 고딕"/>
+      <a:font script="Hans" typeface="宋体"/>
+      <a:font script="Hant" typeface="新細明體"/>
+      <a:font script="Arab" typeface="Arial"/>
+      <a:font script="Hebr" typeface="Arial"/>
+      <a:font script="Thai" typeface="Tahoma"/>
+      <a:font script="Ethi" typeface="Nyala"/>
+      <a:font script="Beng" typeface="Vrinda"/>
+      <a:font script="Gujr" typeface="Shruti"/>
+      <a:font script="Khmr" typeface="DaunPenh"/>
+      <a:font script="Knda" typeface="Tunga"/>
+      <a:font script="Guru" typeface="Raavi"/>
+      <a:font script="Cans" typeface="Euphemia"/>
+      <a:font script="Cher" typeface="Plantagenet Cherokee"/>
+      <a:font script="Yiii" typeface="Microsoft Yi Baiti"/>
+      <a:font script="Tibt" typeface="Microsoft Himalaya"/>
+      <a:font script="Thaa" typeface="MV Boli"/>
+      <a:font script="Deva" typeface="Mangal"/>
+      <a:font script="Telu" typeface="Gautami"/>
+      <a:font script="Taml" typeface="Latha"/>
+      <a:font script="Syrc" typeface="Estrangelo Edessa"/>
+      <a:font script="Orya" typeface="Kalinga"/>
+      <a:font script="Mlym" typeface="Kartika"/>
+      <a:font script="Laoo" typeface="DokChampa"/>
+      <a:font script="Sinh" typeface="Iskoola Pota"/>
+      <a:font script="Mong" typeface="Mongolian Baiti"/>
+      <a:font script="Viet" typeface="Arial"/>
+      <a:font script="Uigh" typeface="Microsoft Uighur"/>
+      <a:font script="Geor" typeface="Sylfaen"/>
+    </a:minorFont>
+  </a:fontScheme>
+  <a:fmtScheme name="Office">
+    <a:fillStyleLst>
+      <a:solidFill>
+        <a:schemeClr val="phClr"/>
+      </a:solidFill>
+      <a:gradFill rotWithShape="1">
+        <a:gsLst>
+          <a:gs pos="0">
+            <a:schemeClr val="phClr">
+              <a:lumMod val="110000"/>
+              <a:satMod val="105000"/>
+              <a:tint val="67000"/>
+            </a:schemeClr>
+          </a:gs>
+          <a:gs pos="50000">
+            <a:schemeClr val="phClr">
+              <a:lumMod val="105000"/>
+              <a:satMod val="103000"/>
+              <a:tint val="73000"/>
+            </a:schemeClr>
+          </a:gs>
+          <a:gs pos="100000">
+            <a:schemeClr val="phClr">
+              <a:lumMod val="105000"/>
+              <a:satMod val="109000"/>
+              <a:tint val="81000"/>
+            </a:schemeClr>
+          </a:gs>
+        </a:gsLst>
+        <a:lin ang="5400000" scaled="0"/>
+      </a:gradFill>
+      <a:gradFill rotWithShape="1">
+        <a:gsLst>
+          <a:gs pos="0">
+            <a:schemeClr val="phClr">
+              <a:satMod val="103000"/>
+              <a:lumMod val="102000"/>
+              <a:tint val="94000"/>
+            </a:schemeClr>
+          </a:gs>
+          <a:gs pos="50000">
+            <a:schemeClr val="phClr">
+              <a:satMod val="110000"/>
+              <a:lumMod val="100000"/>
+              <a:shade val="100000"/>
+            </a:schemeClr>
+          </a:gs>
+          <a:gs pos="100000">
+            <a:schemeClr val="phClr">
+              <a:lumMod val="99000"/>
+              <a:satMod val="120000"/>
+              <a:shade val="78000"/>
+            </a:schemeClr>
+          </a:gs>
+        </a:gsLst>
+        <a:lin ang="5400000" scaled="0"/>
+      </a:gradFill>
+    </a:fillStyleLst>
+    <a:lnStyleLst>
+      <a:ln w="6350" cap="flat" cmpd="sng" algn="ctr">
+        <a:solidFill>
+          <a:schemeClr val="phClr"/>
+        </a:solidFill>
+        <a:prstDash val="solid"/>
+        <a:miter lim="800000"/>
+      </a:ln>
+      <a:ln w="12700" cap="flat" cmpd="sng" algn="ctr">
+        <a:solidFill>
+          <a:schemeClr val="phClr"/>
+        </a:solidFill>
+        <a:prstDash val="solid"/>
+        <a:miter lim="800000"/>
+      </a:ln>
+      <a:ln w="19050" cap="flat" cmpd="sng" algn="ctr">
+        <a:solidFill>
+          <a:schemeClr val="phClr"/>
+        </a:solidFill>
+        <a:prstDash val="solid"/>
+        <a:miter lim="800000"/>
+      </a:ln>
+    </a:lnStyleLst>
+    <a:effectStyleLst>
+      <a:effectStyle>
+        <a:effectLst/>
+      </a:effectStyle>
+      <a:effectStyle>
+        <a:effectLst/>
+      </a:effectStyle>
+      <a:effectStyle>
+        <a:effectLst>
+          <a:outerShdw blurRad="57150" dist="19050" dir="5400000" algn="ctr" rotWithShape="0">
+            <a:srgbClr val="000000">
+              <a:alpha val="63000"/>
+            </a:srgbClr>
+          </a:outerShdw>
+        </a:effectLst>
+      </a:effectStyle>
+    </a:effectStyleLst>
+    <a:bgFillStyleLst>
+      <a:solidFill>
+        <a:schemeClr val="phClr"/>
+      </a:solidFill>
+      <a:solidFill>
+        <a:schemeClr val="phClr">
+          <a:tint val="95000"/>
+          <a:satMod val="170000"/>
+        </a:schemeClr>
+      </a:solidFill>
+      <a:gradFill rotWithShape="1">
+        <a:gsLst>
+          <a:gs pos="0">
+            <a:schemeClr val="phClr">
+              <a:tint val="93000"/>
+              <a:satMod val="150000"/>
+              <a:shade val="98000"/>
+              <a:lumMod val="102000"/>
+            </a:schemeClr>
+          </a:gs>
+          <a:gs pos="50000">
+            <a:schemeClr val="phClr">
+              <a:tint val="98000"/>
+              <a:satMod val="130000"/>
+              <a:shade val="90000"/>
+              <a:lumMod val="103000"/>
+            </a:schemeClr>
+          </a:gs>
+          <a:gs pos="100000">
+            <a:schemeClr val="phClr">
+              <a:shade val="63000"/>
+              <a:satMod val="120000"/>
+            </a:schemeClr>
+          </a:gs>
+        </a:gsLst>
+        <a:lin ang="5400000" scaled="0"/>
+      </a:gradFill>
+    </a:bgFillStyleLst>
+  </a:fmtScheme>
+</a:themeOverride>
 </file>
--- a/課題研究/2014/森谷慧士/課題研究ポスター.pptx
+++ b/課題研究/2014/森谷慧士/課題研究ポスター.pptx
@@ -147,35 +147,28 @@
               </a:defRPr>
             </a:pPr>
             <a:r>
-              <a:rPr lang="en-US" altLang="ja-JP" sz="1400" b="0" i="0" u="none" strike="noStrike" baseline="0" dirty="0" smtClean="0">
+              <a:rPr lang="en-US" altLang="ja-JP" sz="1400" b="0" i="0" u="none" strike="noStrike" baseline="0">
                 <a:effectLst/>
               </a:rPr>
               <a:t>Mathematica</a:t>
             </a:r>
             <a:r>
-              <a:rPr lang="ja-JP" altLang="en-US" sz="1400" b="0" i="0" u="none" strike="noStrike" baseline="0" dirty="0" smtClean="0">
+              <a:rPr lang="ja-JP" altLang="en-US" sz="1400" b="0" i="0" u="none" strike="noStrike" baseline="0">
                 <a:effectLst/>
               </a:rPr>
-              <a:t>で処理する際に使用した</a:t>
-            </a:r>
-            <a:r>
-              <a:rPr lang="ja-JP" altLang="ja-JP" sz="1400" b="0" i="0" u="none" strike="noStrike" baseline="0" dirty="0" smtClean="0">
+              <a:t>で使用</a:t>
+            </a:r>
+            <a:r>
+              <a:rPr lang="ja-JP" altLang="ja-JP" sz="1400" b="0" i="0" u="none" strike="noStrike" baseline="0">
                 <a:effectLst/>
               </a:rPr>
-              <a:t>言語</a:t>
-            </a:r>
-            <a:endParaRPr lang="ja-JP" altLang="en-US" dirty="0"/>
+              <a:t>した言語</a:t>
+            </a:r>
+            <a:endParaRPr lang="ja-JP" altLang="en-US"/>
           </a:p>
         </c:rich>
       </c:tx>
-      <c:layout>
-        <c:manualLayout>
-          <c:xMode val="edge"/>
-          <c:yMode val="edge"/>
-          <c:x val="7.2905874050079103E-2"/>
-          <c:y val="3.2791456663637114E-2"/>
-        </c:manualLayout>
-      </c:layout>
+      <c:layout/>
       <c:overlay val="0"/>
       <c:spPr>
         <a:noFill/>
@@ -297,6 +290,37 @@
             </c:spPr>
           </c:dPt>
           <c:dLbls>
+            <c:dLbl>
+              <c:idx val="3"/>
+              <c:layout/>
+              <c:tx>
+                <c:rich>
+                  <a:bodyPr/>
+                  <a:lstStyle/>
+                  <a:p>
+                    <a:fld id="{1485EED0-7C46-4548-9D51-BB4F5EC72491}" type="PERCENTAGE">
+                      <a:rPr lang="en-US" altLang="ja-JP"/>
+                      <a:pPr/>
+                      <a:t>[パーセンテージ]</a:t>
+                    </a:fld>
+                    <a:endParaRPr lang="ja-JP" altLang="en-US"/>
+                  </a:p>
+                </c:rich>
+              </c:tx>
+              <c:showLegendKey val="0"/>
+              <c:showVal val="0"/>
+              <c:showCatName val="0"/>
+              <c:showSerName val="0"/>
+              <c:showPercent val="1"/>
+              <c:showBubbleSize val="0"/>
+              <c:extLst>
+                <c:ext xmlns:c15="http://schemas.microsoft.com/office/drawing/2012/chart" uri="{CE6537A1-D6FC-4f65-9D91-7224C49458BB}">
+                  <c15:layout/>
+                  <c15:dlblFieldTable/>
+                  <c15:showDataLabelsRange val="0"/>
+                </c:ext>
+              </c:extLst>
+            </c:dLbl>
             <c:spPr>
               <a:noFill/>
               <a:ln>
@@ -389,7 +413,7 @@
                   <c:v>4</c:v>
                 </c:pt>
                 <c:pt idx="2">
-                  <c:v>2</c:v>
+                  <c:v>3</c:v>
                 </c:pt>
                 <c:pt idx="3">
                   <c:v>2</c:v>
@@ -426,9 +450,9 @@
         <c:manualLayout>
           <c:xMode val="edge"/>
           <c:yMode val="edge"/>
-          <c:x val="0.6490456084885764"/>
+          <c:x val="0.6880527638963162"/>
           <c:y val="0.19635279965004374"/>
-          <c:w val="0.27681141911731583"/>
+          <c:w val="0.28037874432411503"/>
           <c:h val="0.69253608923884513"/>
         </c:manualLayout>
       </c:layout>
@@ -1394,7 +1418,7 @@
           <a:p>
             <a:fld id="{B4B2CA72-24AD-4332-9D1C-35DD63E783C0}" type="datetimeFigureOut">
               <a:rPr kumimoji="1" lang="ja-JP" altLang="en-US" smtClean="0"/>
-              <a:t>2014/12/15</a:t>
+              <a:t>2014/12/16</a:t>
             </a:fld>
             <a:endParaRPr kumimoji="1" lang="ja-JP" altLang="en-US"/>
           </a:p>
@@ -1660,7 +1684,7 @@
           <a:p>
             <a:fld id="{B4B2CA72-24AD-4332-9D1C-35DD63E783C0}" type="datetimeFigureOut">
               <a:rPr kumimoji="1" lang="ja-JP" altLang="en-US" smtClean="0"/>
-              <a:t>2014/12/15</a:t>
+              <a:t>2014/12/16</a:t>
             </a:fld>
             <a:endParaRPr kumimoji="1" lang="ja-JP" altLang="en-US"/>
           </a:p>
@@ -1910,7 +1934,7 @@
           <a:p>
             <a:fld id="{B4B2CA72-24AD-4332-9D1C-35DD63E783C0}" type="datetimeFigureOut">
               <a:rPr kumimoji="1" lang="ja-JP" altLang="en-US" smtClean="0"/>
-              <a:t>2014/12/15</a:t>
+              <a:t>2014/12/16</a:t>
             </a:fld>
             <a:endParaRPr kumimoji="1" lang="ja-JP" altLang="en-US"/>
           </a:p>
@@ -2218,7 +2242,7 @@
           <a:p>
             <a:fld id="{B4B2CA72-24AD-4332-9D1C-35DD63E783C0}" type="datetimeFigureOut">
               <a:rPr kumimoji="1" lang="ja-JP" altLang="en-US" smtClean="0"/>
-              <a:t>2014/12/15</a:t>
+              <a:t>2014/12/16</a:t>
             </a:fld>
             <a:endParaRPr kumimoji="1" lang="ja-JP" altLang="en-US"/>
           </a:p>
@@ -2536,7 +2560,7 @@
           <a:p>
             <a:fld id="{B4B2CA72-24AD-4332-9D1C-35DD63E783C0}" type="datetimeFigureOut">
               <a:rPr kumimoji="1" lang="ja-JP" altLang="en-US" smtClean="0"/>
-              <a:t>2014/12/15</a:t>
+              <a:t>2014/12/16</a:t>
             </a:fld>
             <a:endParaRPr kumimoji="1" lang="ja-JP" altLang="en-US"/>
           </a:p>
@@ -2838,7 +2862,7 @@
           <a:p>
             <a:fld id="{B4B2CA72-24AD-4332-9D1C-35DD63E783C0}" type="datetimeFigureOut">
               <a:rPr kumimoji="1" lang="ja-JP" altLang="en-US" smtClean="0"/>
-              <a:t>2014/12/15</a:t>
+              <a:t>2014/12/16</a:t>
             </a:fld>
             <a:endParaRPr kumimoji="1" lang="ja-JP" altLang="en-US"/>
           </a:p>
@@ -3205,7 +3229,7 @@
           <a:p>
             <a:fld id="{B4B2CA72-24AD-4332-9D1C-35DD63E783C0}" type="datetimeFigureOut">
               <a:rPr kumimoji="1" lang="ja-JP" altLang="en-US" smtClean="0"/>
-              <a:t>2014/12/15</a:t>
+              <a:t>2014/12/16</a:t>
             </a:fld>
             <a:endParaRPr kumimoji="1" lang="ja-JP" altLang="en-US"/>
           </a:p>
@@ -3423,7 +3447,7 @@
           <a:p>
             <a:fld id="{B4B2CA72-24AD-4332-9D1C-35DD63E783C0}" type="datetimeFigureOut">
               <a:rPr kumimoji="1" lang="ja-JP" altLang="en-US" smtClean="0"/>
-              <a:t>2014/12/15</a:t>
+              <a:t>2014/12/16</a:t>
             </a:fld>
             <a:endParaRPr kumimoji="1" lang="ja-JP" altLang="en-US"/>
           </a:p>
@@ -3641,7 +3665,7 @@
           <a:p>
             <a:fld id="{B4B2CA72-24AD-4332-9D1C-35DD63E783C0}" type="datetimeFigureOut">
               <a:rPr kumimoji="1" lang="ja-JP" altLang="en-US" smtClean="0"/>
-              <a:t>2014/12/15</a:t>
+              <a:t>2014/12/16</a:t>
             </a:fld>
             <a:endParaRPr kumimoji="1" lang="ja-JP" altLang="en-US"/>
           </a:p>
@@ -3853,7 +3877,7 @@
           <a:p>
             <a:fld id="{B4B2CA72-24AD-4332-9D1C-35DD63E783C0}" type="datetimeFigureOut">
               <a:rPr kumimoji="1" lang="ja-JP" altLang="en-US" smtClean="0"/>
-              <a:t>2014/12/15</a:t>
+              <a:t>2014/12/16</a:t>
             </a:fld>
             <a:endParaRPr kumimoji="1" lang="ja-JP" altLang="en-US"/>
           </a:p>
@@ -4103,7 +4127,7 @@
           <a:p>
             <a:fld id="{B4B2CA72-24AD-4332-9D1C-35DD63E783C0}" type="datetimeFigureOut">
               <a:rPr kumimoji="1" lang="ja-JP" altLang="en-US" smtClean="0"/>
-              <a:t>2014/12/15</a:t>
+              <a:t>2014/12/16</a:t>
             </a:fld>
             <a:endParaRPr kumimoji="1" lang="ja-JP" altLang="en-US"/>
           </a:p>
@@ -4414,7 +4438,7 @@
           <a:p>
             <a:fld id="{B4B2CA72-24AD-4332-9D1C-35DD63E783C0}" type="datetimeFigureOut">
               <a:rPr kumimoji="1" lang="ja-JP" altLang="en-US" smtClean="0"/>
-              <a:t>2014/12/15</a:t>
+              <a:t>2014/12/16</a:t>
             </a:fld>
             <a:endParaRPr kumimoji="1" lang="ja-JP" altLang="en-US"/>
           </a:p>
@@ -4867,7 +4891,7 @@
           <a:p>
             <a:fld id="{B4B2CA72-24AD-4332-9D1C-35DD63E783C0}" type="datetimeFigureOut">
               <a:rPr kumimoji="1" lang="ja-JP" altLang="en-US" smtClean="0"/>
-              <a:t>2014/12/15</a:t>
+              <a:t>2014/12/16</a:t>
             </a:fld>
             <a:endParaRPr kumimoji="1" lang="ja-JP" altLang="en-US"/>
           </a:p>
@@ -4996,7 +5020,7 @@
           <a:p>
             <a:fld id="{B4B2CA72-24AD-4332-9D1C-35DD63E783C0}" type="datetimeFigureOut">
               <a:rPr kumimoji="1" lang="ja-JP" altLang="en-US" smtClean="0"/>
-              <a:t>2014/12/15</a:t>
+              <a:t>2014/12/16</a:t>
             </a:fld>
             <a:endParaRPr kumimoji="1" lang="ja-JP" altLang="en-US"/>
           </a:p>
@@ -5091,7 +5115,7 @@
           <a:p>
             <a:fld id="{B4B2CA72-24AD-4332-9D1C-35DD63E783C0}" type="datetimeFigureOut">
               <a:rPr kumimoji="1" lang="ja-JP" altLang="en-US" smtClean="0"/>
-              <a:t>2014/12/15</a:t>
+              <a:t>2014/12/16</a:t>
             </a:fld>
             <a:endParaRPr kumimoji="1" lang="ja-JP" altLang="en-US"/>
           </a:p>
@@ -5378,7 +5402,7 @@
           <a:p>
             <a:fld id="{B4B2CA72-24AD-4332-9D1C-35DD63E783C0}" type="datetimeFigureOut">
               <a:rPr kumimoji="1" lang="ja-JP" altLang="en-US" smtClean="0"/>
-              <a:t>2014/12/15</a:t>
+              <a:t>2014/12/16</a:t>
             </a:fld>
             <a:endParaRPr kumimoji="1" lang="ja-JP" altLang="en-US"/>
           </a:p>
@@ -5661,7 +5685,7 @@
           <a:p>
             <a:fld id="{B4B2CA72-24AD-4332-9D1C-35DD63E783C0}" type="datetimeFigureOut">
               <a:rPr kumimoji="1" lang="ja-JP" altLang="en-US" smtClean="0"/>
-              <a:t>2014/12/15</a:t>
+              <a:t>2014/12/16</a:t>
             </a:fld>
             <a:endParaRPr kumimoji="1" lang="ja-JP" altLang="en-US"/>
           </a:p>
@@ -6104,7 +6128,7 @@
           <a:p>
             <a:fld id="{B4B2CA72-24AD-4332-9D1C-35DD63E783C0}" type="datetimeFigureOut">
               <a:rPr kumimoji="1" lang="ja-JP" altLang="en-US" smtClean="0"/>
-              <a:t>2014/12/15</a:t>
+              <a:t>2014/12/16</a:t>
             </a:fld>
             <a:endParaRPr kumimoji="1" lang="ja-JP" altLang="en-US"/>
           </a:p>
@@ -7955,15 +7979,7 @@
                   <a:schemeClr val="bg1"/>
                 </a:solidFill>
               </a:rPr>
-              <a:t>に処理する際に用いた知識を</a:t>
-            </a:r>
-            <a:r>
-              <a:rPr kumimoji="1" lang="ja-JP" altLang="en-US" sz="1400" dirty="0" smtClean="0">
-                <a:solidFill>
-                  <a:schemeClr val="bg1"/>
-                </a:solidFill>
-              </a:rPr>
-              <a:t>まとめた</a:t>
+              <a:t>に処理する際に用いた知識をまとめた</a:t>
             </a:r>
             <a:endParaRPr kumimoji="1" lang="en-US" altLang="ja-JP" sz="1400" dirty="0" smtClean="0">
               <a:solidFill>
@@ -8082,30 +8098,6 @@
           </a:p>
         </p:txBody>
       </p:sp>
-      <p:graphicFrame>
-        <p:nvGraphicFramePr>
-          <p:cNvPr id="37" name="グラフ 36"/>
-          <p:cNvGraphicFramePr>
-            <a:graphicFrameLocks/>
-          </p:cNvGraphicFramePr>
-          <p:nvPr>
-            <p:extLst>
-              <p:ext uri="{D42A27DB-BD31-4B8C-83A1-F6EECF244321}">
-                <p14:modId xmlns:p14="http://schemas.microsoft.com/office/powerpoint/2010/main" val="2729223865"/>
-              </p:ext>
-            </p:extLst>
-          </p:nvPr>
-        </p:nvGraphicFramePr>
-        <p:xfrm>
-          <a:off x="3410706" y="6235783"/>
-          <a:ext cx="2930244" cy="2323776"/>
-        </p:xfrm>
-        <a:graphic>
-          <a:graphicData uri="http://schemas.openxmlformats.org/drawingml/2006/chart">
-            <c:chart xmlns:c="http://schemas.openxmlformats.org/drawingml/2006/chart" xmlns:r="http://schemas.openxmlformats.org/officeDocument/2006/relationships" r:id="rId2"/>
-          </a:graphicData>
-        </a:graphic>
-      </p:graphicFrame>
       <p:sp>
         <p:nvSpPr>
           <p:cNvPr id="38" name="円/楕円 37"/>
@@ -8158,11 +8150,6 @@
               </a:rPr>
               <a:t>工場</a:t>
             </a:r>
-            <a:endParaRPr lang="ja-JP" altLang="en-US" sz="1463" dirty="0">
-              <a:solidFill>
-                <a:schemeClr val="bg1"/>
-              </a:solidFill>
-            </a:endParaRPr>
           </a:p>
         </p:txBody>
       </p:sp>
@@ -8456,6 +8443,30 @@
           </a:p>
         </p:txBody>
       </p:sp>
+      <p:graphicFrame>
+        <p:nvGraphicFramePr>
+          <p:cNvPr id="39" name="グラフ 38"/>
+          <p:cNvGraphicFramePr>
+            <a:graphicFrameLocks/>
+          </p:cNvGraphicFramePr>
+          <p:nvPr>
+            <p:extLst>
+              <p:ext uri="{D42A27DB-BD31-4B8C-83A1-F6EECF244321}">
+                <p14:modId xmlns:p14="http://schemas.microsoft.com/office/powerpoint/2010/main" val="1891004474"/>
+              </p:ext>
+            </p:extLst>
+          </p:nvPr>
+        </p:nvGraphicFramePr>
+        <p:xfrm>
+          <a:off x="3389226" y="6303191"/>
+          <a:ext cx="2983015" cy="2336776"/>
+        </p:xfrm>
+        <a:graphic>
+          <a:graphicData uri="http://schemas.openxmlformats.org/drawingml/2006/chart">
+            <c:chart xmlns:c="http://schemas.openxmlformats.org/drawingml/2006/chart" xmlns:r="http://schemas.openxmlformats.org/officeDocument/2006/relationships" r:id="rId2"/>
+          </a:graphicData>
+        </a:graphic>
+      </p:graphicFrame>
     </p:spTree>
     <p:extLst>
       <p:ext uri="{BB962C8B-B14F-4D97-AF65-F5344CB8AC3E}">

--- a/課題研究/2014/森谷慧士/課題研究ポスター.pptx
+++ b/課題研究/2014/森谷慧士/課題研究ポスター.pptx
@@ -127,78 +127,7 @@
   </mc:AlternateContent>
   <c:clrMapOvr bg1="lt1" tx1="dk1" bg2="lt2" tx2="dk2" accent1="accent1" accent2="accent2" accent3="accent3" accent4="accent4" accent5="accent5" accent6="accent6" hlink="hlink" folHlink="folHlink"/>
   <c:chart>
-    <c:title>
-      <c:tx>
-        <c:rich>
-          <a:bodyPr rot="0" spcFirstLastPara="1" vertOverflow="ellipsis" vert="horz" wrap="square" anchor="ctr" anchorCtr="1"/>
-          <a:lstStyle/>
-          <a:p>
-            <a:pPr>
-              <a:defRPr sz="1400" b="0" i="0" u="none" strike="noStrike" kern="1200" spc="0" baseline="0">
-                <a:solidFill>
-                  <a:schemeClr val="tx1">
-                    <a:lumMod val="65000"/>
-                    <a:lumOff val="35000"/>
-                  </a:schemeClr>
-                </a:solidFill>
-                <a:latin typeface="+mn-lt"/>
-                <a:ea typeface="+mn-ea"/>
-                <a:cs typeface="+mn-cs"/>
-              </a:defRPr>
-            </a:pPr>
-            <a:r>
-              <a:rPr lang="en-US" altLang="ja-JP" sz="1400" b="0" i="0" u="none" strike="noStrike" baseline="0">
-                <a:effectLst/>
-              </a:rPr>
-              <a:t>Mathematica</a:t>
-            </a:r>
-            <a:r>
-              <a:rPr lang="ja-JP" altLang="en-US" sz="1400" b="0" i="0" u="none" strike="noStrike" baseline="0">
-                <a:effectLst/>
-              </a:rPr>
-              <a:t>で使用</a:t>
-            </a:r>
-            <a:r>
-              <a:rPr lang="ja-JP" altLang="ja-JP" sz="1400" b="0" i="0" u="none" strike="noStrike" baseline="0">
-                <a:effectLst/>
-              </a:rPr>
-              <a:t>した言語</a:t>
-            </a:r>
-            <a:endParaRPr lang="ja-JP" altLang="en-US"/>
-          </a:p>
-        </c:rich>
-      </c:tx>
-      <c:layout/>
-      <c:overlay val="0"/>
-      <c:spPr>
-        <a:noFill/>
-        <a:ln>
-          <a:noFill/>
-        </a:ln>
-        <a:effectLst/>
-      </c:spPr>
-      <c:txPr>
-        <a:bodyPr rot="0" spcFirstLastPara="1" vertOverflow="ellipsis" vert="horz" wrap="square" anchor="ctr" anchorCtr="1"/>
-        <a:lstStyle/>
-        <a:p>
-          <a:pPr>
-            <a:defRPr sz="1400" b="0" i="0" u="none" strike="noStrike" kern="1200" spc="0" baseline="0">
-              <a:solidFill>
-                <a:schemeClr val="tx1">
-                  <a:lumMod val="65000"/>
-                  <a:lumOff val="35000"/>
-                </a:schemeClr>
-              </a:solidFill>
-              <a:latin typeface="+mn-lt"/>
-              <a:ea typeface="+mn-ea"/>
-              <a:cs typeface="+mn-cs"/>
-            </a:defRPr>
-          </a:pPr>
-          <a:endParaRPr lang="ja-JP"/>
-        </a:p>
-      </c:txPr>
-    </c:title>
-    <c:autoTitleDeleted val="0"/>
+    <c:autoTitleDeleted val="1"/>
     <c:plotArea>
       <c:layout/>
       <c:pieChart>
@@ -379,7 +308,7 @@
           </c:dLbls>
           <c:cat>
             <c:strRef>
-              <c:f>Sheet1!$B$3:$B$7</c:f>
+              <c:f>'C:\Users\moriya\Desktop\課題研究(作成中)\[課題研究グラフ資料.xlsx]Sheet1'!$B$3:$B$7</c:f>
               <c:strCache>
                 <c:ptCount val="5"/>
                 <c:pt idx="0">
@@ -402,7 +331,7 @@
           </c:cat>
           <c:val>
             <c:numRef>
-              <c:f>Sheet1!$C$3:$C$7</c:f>
+              <c:f>'C:\Users\moriya\Desktop\課題研究(作成中)\[課題研究グラフ資料.xlsx]Sheet1'!$C$3:$C$7</c:f>
               <c:numCache>
                 <c:formatCode>General</c:formatCode>
                 <c:ptCount val="5"/>
@@ -452,7 +381,7 @@
           <c:yMode val="edge"/>
           <c:x val="0.6880527638963162"/>
           <c:y val="0.19635279965004374"/>
-          <c:w val="0.28037874432411503"/>
+          <c:w val="0.26322885755067693"/>
           <c:h val="0.69253608923884513"/>
         </c:manualLayout>
       </c:layout>
@@ -1418,7 +1347,7 @@
           <a:p>
             <a:fld id="{B4B2CA72-24AD-4332-9D1C-35DD63E783C0}" type="datetimeFigureOut">
               <a:rPr kumimoji="1" lang="ja-JP" altLang="en-US" smtClean="0"/>
-              <a:t>2014/12/16</a:t>
+              <a:t>2014/12/17</a:t>
             </a:fld>
             <a:endParaRPr kumimoji="1" lang="ja-JP" altLang="en-US"/>
           </a:p>
@@ -1684,7 +1613,7 @@
           <a:p>
             <a:fld id="{B4B2CA72-24AD-4332-9D1C-35DD63E783C0}" type="datetimeFigureOut">
               <a:rPr kumimoji="1" lang="ja-JP" altLang="en-US" smtClean="0"/>
-              <a:t>2014/12/16</a:t>
+              <a:t>2014/12/17</a:t>
             </a:fld>
             <a:endParaRPr kumimoji="1" lang="ja-JP" altLang="en-US"/>
           </a:p>
@@ -1934,7 +1863,7 @@
           <a:p>
             <a:fld id="{B4B2CA72-24AD-4332-9D1C-35DD63E783C0}" type="datetimeFigureOut">
               <a:rPr kumimoji="1" lang="ja-JP" altLang="en-US" smtClean="0"/>
-              <a:t>2014/12/16</a:t>
+              <a:t>2014/12/17</a:t>
             </a:fld>
             <a:endParaRPr kumimoji="1" lang="ja-JP" altLang="en-US"/>
           </a:p>
@@ -2242,7 +2171,7 @@
           <a:p>
             <a:fld id="{B4B2CA72-24AD-4332-9D1C-35DD63E783C0}" type="datetimeFigureOut">
               <a:rPr kumimoji="1" lang="ja-JP" altLang="en-US" smtClean="0"/>
-              <a:t>2014/12/16</a:t>
+              <a:t>2014/12/17</a:t>
             </a:fld>
             <a:endParaRPr kumimoji="1" lang="ja-JP" altLang="en-US"/>
           </a:p>
@@ -2560,7 +2489,7 @@
           <a:p>
             <a:fld id="{B4B2CA72-24AD-4332-9D1C-35DD63E783C0}" type="datetimeFigureOut">
               <a:rPr kumimoji="1" lang="ja-JP" altLang="en-US" smtClean="0"/>
-              <a:t>2014/12/16</a:t>
+              <a:t>2014/12/17</a:t>
             </a:fld>
             <a:endParaRPr kumimoji="1" lang="ja-JP" altLang="en-US"/>
           </a:p>
@@ -2862,7 +2791,7 @@
           <a:p>
             <a:fld id="{B4B2CA72-24AD-4332-9D1C-35DD63E783C0}" type="datetimeFigureOut">
               <a:rPr kumimoji="1" lang="ja-JP" altLang="en-US" smtClean="0"/>
-              <a:t>2014/12/16</a:t>
+              <a:t>2014/12/17</a:t>
             </a:fld>
             <a:endParaRPr kumimoji="1" lang="ja-JP" altLang="en-US"/>
           </a:p>
@@ -3229,7 +3158,7 @@
           <a:p>
             <a:fld id="{B4B2CA72-24AD-4332-9D1C-35DD63E783C0}" type="datetimeFigureOut">
               <a:rPr kumimoji="1" lang="ja-JP" altLang="en-US" smtClean="0"/>
-              <a:t>2014/12/16</a:t>
+              <a:t>2014/12/17</a:t>
             </a:fld>
             <a:endParaRPr kumimoji="1" lang="ja-JP" altLang="en-US"/>
           </a:p>
@@ -3447,7 +3376,7 @@
           <a:p>
             <a:fld id="{B4B2CA72-24AD-4332-9D1C-35DD63E783C0}" type="datetimeFigureOut">
               <a:rPr kumimoji="1" lang="ja-JP" altLang="en-US" smtClean="0"/>
-              <a:t>2014/12/16</a:t>
+              <a:t>2014/12/17</a:t>
             </a:fld>
             <a:endParaRPr kumimoji="1" lang="ja-JP" altLang="en-US"/>
           </a:p>
@@ -3665,7 +3594,7 @@
           <a:p>
             <a:fld id="{B4B2CA72-24AD-4332-9D1C-35DD63E783C0}" type="datetimeFigureOut">
               <a:rPr kumimoji="1" lang="ja-JP" altLang="en-US" smtClean="0"/>
-              <a:t>2014/12/16</a:t>
+              <a:t>2014/12/17</a:t>
             </a:fld>
             <a:endParaRPr kumimoji="1" lang="ja-JP" altLang="en-US"/>
           </a:p>
@@ -3877,7 +3806,7 @@
           <a:p>
             <a:fld id="{B4B2CA72-24AD-4332-9D1C-35DD63E783C0}" type="datetimeFigureOut">
               <a:rPr kumimoji="1" lang="ja-JP" altLang="en-US" smtClean="0"/>
-              <a:t>2014/12/16</a:t>
+              <a:t>2014/12/17</a:t>
             </a:fld>
             <a:endParaRPr kumimoji="1" lang="ja-JP" altLang="en-US"/>
           </a:p>
@@ -4127,7 +4056,7 @@
           <a:p>
             <a:fld id="{B4B2CA72-24AD-4332-9D1C-35DD63E783C0}" type="datetimeFigureOut">
               <a:rPr kumimoji="1" lang="ja-JP" altLang="en-US" smtClean="0"/>
-              <a:t>2014/12/16</a:t>
+              <a:t>2014/12/17</a:t>
             </a:fld>
             <a:endParaRPr kumimoji="1" lang="ja-JP" altLang="en-US"/>
           </a:p>
@@ -4438,7 +4367,7 @@
           <a:p>
             <a:fld id="{B4B2CA72-24AD-4332-9D1C-35DD63E783C0}" type="datetimeFigureOut">
               <a:rPr kumimoji="1" lang="ja-JP" altLang="en-US" smtClean="0"/>
-              <a:t>2014/12/16</a:t>
+              <a:t>2014/12/17</a:t>
             </a:fld>
             <a:endParaRPr kumimoji="1" lang="ja-JP" altLang="en-US"/>
           </a:p>
@@ -4891,7 +4820,7 @@
           <a:p>
             <a:fld id="{B4B2CA72-24AD-4332-9D1C-35DD63E783C0}" type="datetimeFigureOut">
               <a:rPr kumimoji="1" lang="ja-JP" altLang="en-US" smtClean="0"/>
-              <a:t>2014/12/16</a:t>
+              <a:t>2014/12/17</a:t>
             </a:fld>
             <a:endParaRPr kumimoji="1" lang="ja-JP" altLang="en-US"/>
           </a:p>
@@ -5020,7 +4949,7 @@
           <a:p>
             <a:fld id="{B4B2CA72-24AD-4332-9D1C-35DD63E783C0}" type="datetimeFigureOut">
               <a:rPr kumimoji="1" lang="ja-JP" altLang="en-US" smtClean="0"/>
-              <a:t>2014/12/16</a:t>
+              <a:t>2014/12/17</a:t>
             </a:fld>
             <a:endParaRPr kumimoji="1" lang="ja-JP" altLang="en-US"/>
           </a:p>
@@ -5115,7 +5044,7 @@
           <a:p>
             <a:fld id="{B4B2CA72-24AD-4332-9D1C-35DD63E783C0}" type="datetimeFigureOut">
               <a:rPr kumimoji="1" lang="ja-JP" altLang="en-US" smtClean="0"/>
-              <a:t>2014/12/16</a:t>
+              <a:t>2014/12/17</a:t>
             </a:fld>
             <a:endParaRPr kumimoji="1" lang="ja-JP" altLang="en-US"/>
           </a:p>
@@ -5402,7 +5331,7 @@
           <a:p>
             <a:fld id="{B4B2CA72-24AD-4332-9D1C-35DD63E783C0}" type="datetimeFigureOut">
               <a:rPr kumimoji="1" lang="ja-JP" altLang="en-US" smtClean="0"/>
-              <a:t>2014/12/16</a:t>
+              <a:t>2014/12/17</a:t>
             </a:fld>
             <a:endParaRPr kumimoji="1" lang="ja-JP" altLang="en-US"/>
           </a:p>
@@ -5685,7 +5614,7 @@
           <a:p>
             <a:fld id="{B4B2CA72-24AD-4332-9D1C-35DD63E783C0}" type="datetimeFigureOut">
               <a:rPr kumimoji="1" lang="ja-JP" altLang="en-US" smtClean="0"/>
-              <a:t>2014/12/16</a:t>
+              <a:t>2014/12/17</a:t>
             </a:fld>
             <a:endParaRPr kumimoji="1" lang="ja-JP" altLang="en-US"/>
           </a:p>
@@ -6128,7 +6057,7 @@
           <a:p>
             <a:fld id="{B4B2CA72-24AD-4332-9D1C-35DD63E783C0}" type="datetimeFigureOut">
               <a:rPr kumimoji="1" lang="ja-JP" altLang="en-US" smtClean="0"/>
-              <a:t>2014/12/16</a:t>
+              <a:t>2014/12/17</a:t>
             </a:fld>
             <a:endParaRPr kumimoji="1" lang="ja-JP" altLang="en-US"/>
           </a:p>
@@ -6735,7 +6664,7 @@
         <p:spPr>
           <a:xfrm>
             <a:off x="546265" y="1644012"/>
-            <a:ext cx="5878286" cy="2306595"/>
+            <a:ext cx="5878286" cy="1646665"/>
           </a:xfrm>
           <a:prstGeom prst="rect">
             <a:avLst/>
@@ -6825,7 +6754,7 @@
         <p:spPr>
           <a:xfrm>
             <a:off x="664521" y="1718460"/>
-            <a:ext cx="949006" cy="365948"/>
+            <a:ext cx="745179" cy="341868"/>
           </a:xfrm>
           <a:prstGeom prst="flowChartAlternateProcess">
             <a:avLst/>
@@ -6861,7 +6790,7 @@
           <a:p>
             <a:pPr algn="ctr"/>
             <a:r>
-              <a:rPr lang="ja-JP" altLang="en-US" sz="2600" dirty="0">
+              <a:rPr lang="ja-JP" altLang="en-US" sz="2000" dirty="0">
                 <a:solidFill>
                   <a:schemeClr val="tx1"/>
                 </a:solidFill>
@@ -6873,21 +6802,29 @@
       </p:sp>
       <p:sp>
         <p:nvSpPr>
-          <p:cNvPr id="8" name="円/楕円 7"/>
+          <p:cNvPr id="24" name="正方形/長方形 23"/>
           <p:cNvSpPr/>
           <p:nvPr/>
         </p:nvSpPr>
         <p:spPr>
           <a:xfrm>
-            <a:off x="1043853" y="2236787"/>
-            <a:ext cx="725664" cy="1552839"/>
+            <a:off x="3351564" y="3352800"/>
+            <a:ext cx="3072984" cy="1812336"/>
           </a:xfrm>
-          <a:prstGeom prst="ellipse">
+          <a:prstGeom prst="rect">
             <a:avLst/>
           </a:prstGeom>
           <a:solidFill>
-            <a:schemeClr val="accent5"/>
+            <a:schemeClr val="tx1"/>
           </a:solidFill>
+          <a:ln>
+            <a:solidFill>
+              <a:schemeClr val="accent1">
+                <a:shade val="50000"/>
+                <a:hueMod val="94000"/>
+              </a:schemeClr>
+            </a:solidFill>
+          </a:ln>
         </p:spPr>
         <p:style>
           <a:lnRef idx="2">
@@ -6915,34 +6852,35 @@
           <a:lstStyle/>
           <a:p>
             <a:pPr algn="ctr"/>
-            <a:r>
-              <a:rPr lang="ja-JP" altLang="en-US" sz="2275" dirty="0">
-                <a:solidFill>
-                  <a:schemeClr val="bg1"/>
-                </a:solidFill>
-              </a:rPr>
-              <a:t>人工知能</a:t>
-            </a:r>
-          </a:p>
-        </p:txBody>
-      </p:sp>
-      <p:sp>
-        <p:nvSpPr>
-          <p:cNvPr id="9" name="円/楕円 8"/>
+            <a:endParaRPr lang="ja-JP" altLang="en-US" sz="1463"/>
+          </a:p>
+        </p:txBody>
+      </p:sp>
+      <p:sp>
+        <p:nvSpPr>
+          <p:cNvPr id="41" name="フローチャート: 代替処理 40"/>
           <p:cNvSpPr/>
           <p:nvPr/>
         </p:nvSpPr>
         <p:spPr>
           <a:xfrm>
-            <a:off x="2492379" y="1979328"/>
-            <a:ext cx="1418669" cy="530188"/>
+            <a:off x="3407973" y="3392304"/>
+            <a:ext cx="757627" cy="317320"/>
           </a:xfrm>
-          <a:prstGeom prst="ellipse">
+          <a:prstGeom prst="flowChartAlternateProcess">
             <a:avLst/>
           </a:prstGeom>
           <a:solidFill>
-            <a:schemeClr val="accent5"/>
+            <a:schemeClr val="accent4"/>
           </a:solidFill>
+          <a:ln>
+            <a:solidFill>
+              <a:schemeClr val="accent1">
+                <a:shade val="50000"/>
+                <a:hueMod val="94000"/>
+              </a:schemeClr>
+            </a:solidFill>
+          </a:ln>
         </p:spPr>
         <p:style>
           <a:lnRef idx="2">
@@ -6971,71 +6909,445 @@
           <a:p>
             <a:pPr algn="ctr"/>
             <a:r>
-              <a:rPr lang="ja-JP" altLang="en-US" sz="1463" dirty="0">
-                <a:solidFill>
-                  <a:schemeClr val="bg1"/>
+              <a:rPr lang="ja-JP" altLang="en-US" sz="2000" dirty="0">
+                <a:solidFill>
+                  <a:schemeClr val="tx1"/>
                 </a:solidFill>
               </a:rPr>
-              <a:t>ビジネス</a:t>
-            </a:r>
-          </a:p>
-        </p:txBody>
-      </p:sp>
-      <p:sp>
-        <p:nvSpPr>
-          <p:cNvPr id="10" name="円/楕円 9"/>
-          <p:cNvSpPr/>
+              <a:t>方法</a:t>
+            </a:r>
+          </a:p>
+        </p:txBody>
+      </p:sp>
+      <p:sp>
+        <p:nvSpPr>
+          <p:cNvPr id="43" name="テキスト ボックス 42"/>
+          <p:cNvSpPr txBox="1"/>
           <p:nvPr/>
         </p:nvSpPr>
         <p:spPr>
           <a:xfrm>
-            <a:off x="2492379" y="2677102"/>
-            <a:ext cx="1428699" cy="473605"/>
+            <a:off x="3414723" y="3672500"/>
+            <a:ext cx="2964266" cy="1446550"/>
           </a:xfrm>
-          <a:prstGeom prst="ellipse">
+          <a:prstGeom prst="rect">
             <a:avLst/>
           </a:prstGeom>
-          <a:solidFill>
-            <a:schemeClr val="accent5"/>
-          </a:solidFill>
+          <a:noFill/>
+          <a:ln w="25400">
+            <a:noFill/>
+          </a:ln>
         </p:spPr>
-        <p:style>
-          <a:lnRef idx="2">
-            <a:schemeClr val="accent1">
-              <a:shade val="50000"/>
-            </a:schemeClr>
-          </a:lnRef>
-          <a:fillRef idx="1">
-            <a:schemeClr val="accent1"/>
-          </a:fillRef>
-          <a:effectRef idx="0">
-            <a:schemeClr val="accent1"/>
-          </a:effectRef>
-          <a:fontRef idx="minor">
-            <a:schemeClr val="lt1"/>
-          </a:fontRef>
-        </p:style>
-        <p:txBody>
-          <a:bodyPr rot="0" spcFirstLastPara="0" vertOverflow="overflow" horzOverflow="overflow" vert="horz" wrap="square" lIns="74295" tIns="37148" rIns="74295" bIns="37148" numCol="1" spcCol="0" rtlCol="0" fromWordArt="0" anchor="ctr" anchorCtr="0" forceAA="0" compatLnSpc="1">
-            <a:prstTxWarp prst="textNoShape">
-              <a:avLst/>
-            </a:prstTxWarp>
-            <a:noAutofit/>
+        <p:txBody>
+          <a:bodyPr wrap="square" rtlCol="0">
+            <a:spAutoFit/>
           </a:bodyPr>
           <a:lstStyle/>
           <a:p>
-            <a:pPr algn="ctr"/>
-            <a:r>
-              <a:rPr lang="ja-JP" altLang="en-US" sz="1463" dirty="0">
+            <a:pPr marL="342900" indent="-342900">
+              <a:buFont typeface="+mj-ea"/>
+              <a:buAutoNum type="circleNumDbPlain"/>
+            </a:pPr>
+            <a:r>
+              <a:rPr lang="ja-JP" altLang="en-US" sz="1100" dirty="0" smtClean="0">
                 <a:solidFill>
                   <a:schemeClr val="bg1"/>
                 </a:solidFill>
               </a:rPr>
-              <a:t>東大入試</a:t>
-            </a:r>
-          </a:p>
-        </p:txBody>
-      </p:sp>
+              <a:t>問題文を理解し</a:t>
+            </a:r>
+            <a:r>
+              <a:rPr lang="en-US" altLang="ja-JP" sz="1100" dirty="0" smtClean="0">
+                <a:solidFill>
+                  <a:schemeClr val="bg1"/>
+                </a:solidFill>
+              </a:rPr>
+              <a:t>Mathematica</a:t>
+            </a:r>
+            <a:r>
+              <a:rPr lang="ja-JP" altLang="en-US" sz="1100" dirty="0" smtClean="0">
+                <a:solidFill>
+                  <a:schemeClr val="bg1"/>
+                </a:solidFill>
+              </a:rPr>
+              <a:t>で数的処理できるように式に変換</a:t>
+            </a:r>
+            <a:r>
+              <a:rPr lang="ja-JP" altLang="en-US" sz="1100" dirty="0" smtClean="0">
+                <a:solidFill>
+                  <a:schemeClr val="bg1"/>
+                </a:solidFill>
+              </a:rPr>
+              <a:t>する</a:t>
+            </a:r>
+            <a:endParaRPr lang="en-US" altLang="ja-JP" sz="1100" dirty="0" smtClean="0">
+              <a:solidFill>
+                <a:schemeClr val="bg1"/>
+              </a:solidFill>
+            </a:endParaRPr>
+          </a:p>
+          <a:p>
+            <a:pPr marL="342900" indent="-342900">
+              <a:buFont typeface="+mj-ea"/>
+              <a:buAutoNum type="circleNumDbPlain"/>
+            </a:pPr>
+            <a:r>
+              <a:rPr lang="ja-JP" altLang="ja-JP" sz="1100" dirty="0" smtClean="0">
+                <a:solidFill>
+                  <a:schemeClr val="bg1"/>
+                </a:solidFill>
+              </a:rPr>
+              <a:t>使用</a:t>
+            </a:r>
+            <a:r>
+              <a:rPr lang="ja-JP" altLang="ja-JP" sz="1100" dirty="0">
+                <a:solidFill>
+                  <a:schemeClr val="bg1"/>
+                </a:solidFill>
+              </a:rPr>
+              <a:t>した数学の知識をまとめ，統計を取る</a:t>
+            </a:r>
+            <a:endParaRPr lang="en-US" altLang="ja-JP" sz="1100" dirty="0" smtClean="0">
+              <a:solidFill>
+                <a:schemeClr val="bg1"/>
+              </a:solidFill>
+            </a:endParaRPr>
+          </a:p>
+          <a:p>
+            <a:pPr marL="342900" indent="-342900">
+              <a:buFont typeface="+mj-ea"/>
+              <a:buAutoNum type="circleNumDbPlain"/>
+            </a:pPr>
+            <a:r>
+              <a:rPr lang="en-US" altLang="ja-JP" sz="1100" dirty="0" smtClean="0">
+                <a:solidFill>
+                  <a:schemeClr val="bg1"/>
+                </a:solidFill>
+              </a:rPr>
+              <a:t>Mathematica</a:t>
+            </a:r>
+            <a:r>
+              <a:rPr lang="ja-JP" altLang="en-US" sz="1100" dirty="0" smtClean="0">
+                <a:solidFill>
+                  <a:schemeClr val="bg1"/>
+                </a:solidFill>
+              </a:rPr>
+              <a:t>使用する</a:t>
+            </a:r>
+            <a:r>
+              <a:rPr lang="ja-JP" altLang="en-US" sz="1100" dirty="0">
+                <a:solidFill>
+                  <a:schemeClr val="bg1"/>
+                </a:solidFill>
+              </a:rPr>
+              <a:t>関数</a:t>
+            </a:r>
+            <a:r>
+              <a:rPr lang="ja-JP" altLang="ja-JP" sz="1100" dirty="0" smtClean="0">
+                <a:solidFill>
+                  <a:schemeClr val="bg1"/>
+                </a:solidFill>
+              </a:rPr>
+              <a:t>を</a:t>
+            </a:r>
+            <a:r>
+              <a:rPr lang="ja-JP" altLang="ja-JP" sz="1100" dirty="0">
+                <a:solidFill>
+                  <a:schemeClr val="bg1"/>
+                </a:solidFill>
+              </a:rPr>
+              <a:t>利用して式を</a:t>
+            </a:r>
+            <a:r>
+              <a:rPr lang="en-US" altLang="ja-JP" sz="1100" dirty="0">
+                <a:solidFill>
+                  <a:schemeClr val="bg1"/>
+                </a:solidFill>
+              </a:rPr>
+              <a:t>Mathematica</a:t>
+            </a:r>
+            <a:r>
+              <a:rPr lang="ja-JP" altLang="ja-JP" sz="1100" dirty="0">
+                <a:solidFill>
+                  <a:schemeClr val="bg1"/>
+                </a:solidFill>
+              </a:rPr>
+              <a:t>で処理</a:t>
+            </a:r>
+            <a:r>
+              <a:rPr lang="ja-JP" altLang="ja-JP" sz="1100" dirty="0" smtClean="0">
+                <a:solidFill>
+                  <a:schemeClr val="bg1"/>
+                </a:solidFill>
+              </a:rPr>
+              <a:t>する</a:t>
+            </a:r>
+            <a:endParaRPr lang="en-US" altLang="ja-JP" sz="1100" dirty="0" smtClean="0">
+              <a:solidFill>
+                <a:schemeClr val="bg1"/>
+              </a:solidFill>
+            </a:endParaRPr>
+          </a:p>
+          <a:p>
+            <a:pPr marL="342900" indent="-342900">
+              <a:buFont typeface="+mj-ea"/>
+              <a:buAutoNum type="circleNumDbPlain"/>
+            </a:pPr>
+            <a:r>
+              <a:rPr lang="en-US" altLang="ja-JP" sz="1100" dirty="0">
+                <a:solidFill>
+                  <a:schemeClr val="bg1"/>
+                </a:solidFill>
+              </a:rPr>
+              <a:t>Mathematica</a:t>
+            </a:r>
+            <a:r>
+              <a:rPr lang="ja-JP" altLang="ja-JP" sz="1100" dirty="0">
+                <a:solidFill>
+                  <a:schemeClr val="bg1"/>
+                </a:solidFill>
+              </a:rPr>
+              <a:t>で使用した関数をまとめ，統計を取る</a:t>
+            </a:r>
+            <a:endParaRPr lang="en-US" altLang="ja-JP" sz="1100" dirty="0" smtClean="0">
+              <a:solidFill>
+                <a:schemeClr val="bg1"/>
+              </a:solidFill>
+            </a:endParaRPr>
+          </a:p>
+        </p:txBody>
+      </p:sp>
+      <p:grpSp>
+        <p:nvGrpSpPr>
+          <p:cNvPr id="14" name="グループ化 13"/>
+          <p:cNvGrpSpPr/>
+          <p:nvPr/>
+        </p:nvGrpSpPr>
+        <p:grpSpPr>
+          <a:xfrm>
+            <a:off x="546263" y="8814101"/>
+            <a:ext cx="5878285" cy="1034750"/>
+            <a:chOff x="540747" y="8649785"/>
+            <a:chExt cx="5878285" cy="1053015"/>
+          </a:xfrm>
+        </p:grpSpPr>
+        <p:grpSp>
+          <p:nvGrpSpPr>
+            <p:cNvPr id="52" name="グループ化 51"/>
+            <p:cNvGrpSpPr/>
+            <p:nvPr/>
+          </p:nvGrpSpPr>
+          <p:grpSpPr>
+            <a:xfrm>
+              <a:off x="540747" y="8649785"/>
+              <a:ext cx="5878285" cy="1053015"/>
+              <a:chOff x="859118" y="8649785"/>
+              <a:chExt cx="5106308" cy="1053015"/>
+            </a:xfrm>
+          </p:grpSpPr>
+          <p:sp>
+            <p:nvSpPr>
+              <p:cNvPr id="42" name="正方形/長方形 41"/>
+              <p:cNvSpPr/>
+              <p:nvPr/>
+            </p:nvSpPr>
+            <p:spPr>
+              <a:xfrm>
+                <a:off x="859118" y="8649785"/>
+                <a:ext cx="5106308" cy="1053015"/>
+              </a:xfrm>
+              <a:prstGeom prst="rect">
+                <a:avLst/>
+              </a:prstGeom>
+              <a:solidFill>
+                <a:schemeClr val="tx1"/>
+              </a:solidFill>
+            </p:spPr>
+            <p:style>
+              <a:lnRef idx="2">
+                <a:schemeClr val="accent1">
+                  <a:shade val="50000"/>
+                </a:schemeClr>
+              </a:lnRef>
+              <a:fillRef idx="1">
+                <a:schemeClr val="accent1"/>
+              </a:fillRef>
+              <a:effectRef idx="0">
+                <a:schemeClr val="accent1"/>
+              </a:effectRef>
+              <a:fontRef idx="minor">
+                <a:schemeClr val="lt1"/>
+              </a:fontRef>
+            </p:style>
+            <p:txBody>
+              <a:bodyPr rot="0" spcFirstLastPara="0" vertOverflow="overflow" horzOverflow="overflow" vert="horz" wrap="square" lIns="74295" tIns="37148" rIns="74295" bIns="37148" numCol="1" spcCol="0" rtlCol="0" fromWordArt="0" anchor="ctr" anchorCtr="0" forceAA="0" compatLnSpc="1">
+                <a:prstTxWarp prst="textNoShape">
+                  <a:avLst/>
+                </a:prstTxWarp>
+                <a:noAutofit/>
+              </a:bodyPr>
+              <a:lstStyle/>
+              <a:p>
+                <a:pPr algn="ctr"/>
+                <a:endParaRPr lang="ja-JP" altLang="en-US" sz="1463"/>
+              </a:p>
+            </p:txBody>
+          </p:sp>
+          <p:sp>
+            <p:nvSpPr>
+              <p:cNvPr id="45" name="フローチャート: 代替処理 44"/>
+              <p:cNvSpPr/>
+              <p:nvPr/>
+            </p:nvSpPr>
+            <p:spPr>
+              <a:xfrm>
+                <a:off x="901042" y="8673866"/>
+                <a:ext cx="1347261" cy="324084"/>
+              </a:xfrm>
+              <a:prstGeom prst="flowChartAlternateProcess">
+                <a:avLst/>
+              </a:prstGeom>
+              <a:solidFill>
+                <a:schemeClr val="accent4"/>
+              </a:solidFill>
+            </p:spPr>
+            <p:style>
+              <a:lnRef idx="2">
+                <a:schemeClr val="accent1">
+                  <a:shade val="50000"/>
+                </a:schemeClr>
+              </a:lnRef>
+              <a:fillRef idx="1">
+                <a:schemeClr val="accent1"/>
+              </a:fillRef>
+              <a:effectRef idx="0">
+                <a:schemeClr val="accent1"/>
+              </a:effectRef>
+              <a:fontRef idx="minor">
+                <a:schemeClr val="lt1"/>
+              </a:fontRef>
+            </p:style>
+            <p:txBody>
+              <a:bodyPr rot="0" spcFirstLastPara="0" vertOverflow="overflow" horzOverflow="overflow" vert="horz" wrap="square" lIns="74295" tIns="37148" rIns="74295" bIns="37148" numCol="1" spcCol="0" rtlCol="0" fromWordArt="0" anchor="ctr" anchorCtr="0" forceAA="0" compatLnSpc="1">
+                <a:prstTxWarp prst="textNoShape">
+                  <a:avLst/>
+                </a:prstTxWarp>
+                <a:noAutofit/>
+              </a:bodyPr>
+              <a:lstStyle/>
+              <a:p>
+                <a:pPr algn="ctr"/>
+                <a:r>
+                  <a:rPr lang="ja-JP" altLang="en-US" sz="2000" dirty="0">
+                    <a:solidFill>
+                      <a:schemeClr val="tx1"/>
+                    </a:solidFill>
+                  </a:rPr>
+                  <a:t>今後</a:t>
+                </a:r>
+                <a:r>
+                  <a:rPr lang="ja-JP" altLang="en-US" sz="2000" dirty="0" smtClean="0">
+                    <a:solidFill>
+                      <a:schemeClr val="tx1"/>
+                    </a:solidFill>
+                  </a:rPr>
+                  <a:t>の</a:t>
+                </a:r>
+                <a:r>
+                  <a:rPr lang="ja-JP" altLang="en-US" sz="2000" dirty="0">
+                    <a:solidFill>
+                      <a:schemeClr val="tx1"/>
+                    </a:solidFill>
+                  </a:rPr>
+                  <a:t>計画</a:t>
+                </a:r>
+              </a:p>
+            </p:txBody>
+          </p:sp>
+        </p:grpSp>
+        <p:sp>
+          <p:nvSpPr>
+            <p:cNvPr id="54" name="テキスト ボックス 53"/>
+            <p:cNvSpPr txBox="1"/>
+            <p:nvPr/>
+          </p:nvSpPr>
+          <p:spPr>
+            <a:xfrm>
+              <a:off x="664521" y="9097793"/>
+              <a:ext cx="5617289" cy="523220"/>
+            </a:xfrm>
+            <a:prstGeom prst="rect">
+              <a:avLst/>
+            </a:prstGeom>
+            <a:noFill/>
+          </p:spPr>
+          <p:txBody>
+            <a:bodyPr wrap="square" rtlCol="0">
+              <a:spAutoFit/>
+            </a:bodyPr>
+            <a:lstStyle/>
+            <a:p>
+              <a:pPr marL="285750" indent="-285750">
+                <a:buFont typeface="Arial" panose="020B0604020202020204" pitchFamily="34" charset="0"/>
+                <a:buChar char="•"/>
+              </a:pPr>
+              <a:r>
+                <a:rPr lang="ja-JP" altLang="ja-JP" sz="1400" dirty="0" smtClean="0">
+                  <a:solidFill>
+                    <a:schemeClr val="bg1"/>
+                  </a:solidFill>
+                </a:rPr>
+                <a:t>千葉</a:t>
+              </a:r>
+              <a:r>
+                <a:rPr lang="ja-JP" altLang="ja-JP" sz="1400" dirty="0">
+                  <a:solidFill>
+                    <a:schemeClr val="bg1"/>
+                  </a:solidFill>
+                </a:rPr>
+                <a:t>工業</a:t>
+              </a:r>
+              <a:r>
+                <a:rPr lang="ja-JP" altLang="ja-JP" sz="1400" dirty="0" smtClean="0">
+                  <a:solidFill>
+                    <a:schemeClr val="bg1"/>
+                  </a:solidFill>
+                </a:rPr>
+                <a:t>大学や</a:t>
+              </a:r>
+              <a:r>
+                <a:rPr lang="ja-JP" altLang="ja-JP" sz="1400" dirty="0">
+                  <a:solidFill>
+                    <a:schemeClr val="bg1"/>
+                  </a:solidFill>
+                </a:rPr>
+                <a:t>，千葉大学などの他の大学の入試問題を</a:t>
+              </a:r>
+              <a:r>
+                <a:rPr lang="en-US" altLang="ja-JP" sz="1400" dirty="0">
+                  <a:solidFill>
+                    <a:schemeClr val="bg1"/>
+                  </a:solidFill>
+                </a:rPr>
+                <a:t>Mathematica</a:t>
+              </a:r>
+              <a:r>
+                <a:rPr lang="ja-JP" altLang="ja-JP" sz="1400" dirty="0">
+                  <a:solidFill>
+                    <a:schemeClr val="bg1"/>
+                  </a:solidFill>
+                </a:rPr>
+                <a:t>で処理できるか検証する</a:t>
+              </a:r>
+              <a:endParaRPr kumimoji="1" lang="ja-JP" altLang="en-US" sz="1400" dirty="0">
+                <a:solidFill>
+                  <a:schemeClr val="bg1"/>
+                </a:solidFill>
+              </a:endParaRPr>
+            </a:p>
+          </p:txBody>
+        </p:sp>
+      </p:grpSp>
       <p:grpSp>
         <p:nvGrpSpPr>
           <p:cNvPr id="49" name="グループ化 48"/>
@@ -7044,8 +7356,8 @@
         </p:nvGrpSpPr>
         <p:grpSpPr>
           <a:xfrm>
-            <a:off x="560662" y="4024255"/>
-            <a:ext cx="2641052" cy="2072503"/>
+            <a:off x="546263" y="3343114"/>
+            <a:ext cx="2641052" cy="1822022"/>
             <a:chOff x="844356" y="4025379"/>
             <a:chExt cx="2641052" cy="1801526"/>
           </a:xfrm>
@@ -7106,8 +7418,8 @@
           </p:nvSpPr>
           <p:spPr>
             <a:xfrm>
-              <a:off x="913599" y="4066020"/>
-              <a:ext cx="949006" cy="365948"/>
+              <a:off x="913599" y="4066019"/>
+              <a:ext cx="733285" cy="342130"/>
             </a:xfrm>
             <a:prstGeom prst="flowChartAlternateProcess">
               <a:avLst/>
@@ -7143,7 +7455,7 @@
             <a:p>
               <a:pPr algn="ctr"/>
               <a:r>
-                <a:rPr lang="ja-JP" altLang="en-US" sz="2600" dirty="0">
+                <a:rPr lang="ja-JP" altLang="en-US" sz="2000" dirty="0">
                   <a:solidFill>
                     <a:schemeClr val="tx1"/>
                   </a:solidFill>
@@ -7161,8 +7473,8 @@
           </p:nvSpPr>
           <p:spPr>
             <a:xfrm>
-              <a:off x="2027146" y="4147845"/>
-              <a:ext cx="1053502" cy="329454"/>
+              <a:off x="2027146" y="4074166"/>
+              <a:ext cx="901332" cy="210024"/>
             </a:xfrm>
             <a:prstGeom prst="roundRect">
               <a:avLst/>
@@ -7193,14 +7505,14 @@
             <a:p>
               <a:pPr algn="ctr"/>
               <a:r>
-                <a:rPr kumimoji="1" lang="ja-JP" altLang="en-US" sz="1600" dirty="0" smtClean="0">
+                <a:rPr kumimoji="1" lang="ja-JP" altLang="en-US" sz="1200" dirty="0" smtClean="0">
                   <a:solidFill>
                     <a:schemeClr val="bg1"/>
                   </a:solidFill>
                 </a:rPr>
                 <a:t>問題文</a:t>
               </a:r>
-              <a:endParaRPr kumimoji="1" lang="ja-JP" altLang="en-US" sz="1600" dirty="0">
+              <a:endParaRPr kumimoji="1" lang="ja-JP" altLang="en-US" sz="1200" dirty="0">
                 <a:solidFill>
                   <a:schemeClr val="bg1"/>
                 </a:solidFill>
@@ -7216,8 +7528,8 @@
           </p:nvSpPr>
           <p:spPr>
             <a:xfrm>
-              <a:off x="1881188" y="4789150"/>
-              <a:ext cx="1345418" cy="329454"/>
+              <a:off x="1910709" y="4718587"/>
+              <a:ext cx="1134201" cy="238270"/>
             </a:xfrm>
             <a:prstGeom prst="roundRect">
               <a:avLst/>
@@ -7248,7 +7560,7 @@
             <a:p>
               <a:pPr algn="ctr"/>
               <a:r>
-                <a:rPr lang="ja-JP" altLang="en-US" sz="1600" dirty="0">
+                <a:rPr lang="ja-JP" altLang="en-US" sz="1200" dirty="0">
                   <a:solidFill>
                     <a:schemeClr val="bg1"/>
                   </a:solidFill>
@@ -7256,14 +7568,14 @@
                 <a:t>数学的</a:t>
               </a:r>
               <a:r>
-                <a:rPr lang="ja-JP" altLang="en-US" sz="1600" dirty="0" smtClean="0">
+                <a:rPr lang="ja-JP" altLang="en-US" sz="1200" dirty="0" smtClean="0">
                   <a:solidFill>
                     <a:schemeClr val="bg1"/>
                   </a:solidFill>
                 </a:rPr>
                 <a:t>表現</a:t>
               </a:r>
-              <a:endParaRPr kumimoji="1" lang="ja-JP" altLang="en-US" sz="1600" dirty="0">
+              <a:endParaRPr kumimoji="1" lang="ja-JP" altLang="en-US" sz="1200" dirty="0">
                 <a:solidFill>
                   <a:schemeClr val="bg1"/>
                 </a:solidFill>
@@ -7279,8 +7591,8 @@
           </p:nvSpPr>
           <p:spPr>
             <a:xfrm>
-              <a:off x="2027146" y="5430455"/>
-              <a:ext cx="1053502" cy="329454"/>
+              <a:off x="1985935" y="5439612"/>
+              <a:ext cx="983747" cy="242483"/>
             </a:xfrm>
             <a:prstGeom prst="roundRect">
               <a:avLst/>
@@ -7311,14 +7623,14 @@
             <a:p>
               <a:pPr algn="ctr"/>
               <a:r>
-                <a:rPr kumimoji="1" lang="ja-JP" altLang="en-US" sz="1600" dirty="0" smtClean="0">
+                <a:rPr kumimoji="1" lang="ja-JP" altLang="en-US" sz="1200" dirty="0" smtClean="0">
                   <a:solidFill>
                     <a:schemeClr val="bg1"/>
                   </a:solidFill>
                 </a:rPr>
                 <a:t>数的処理</a:t>
               </a:r>
-              <a:endParaRPr kumimoji="1" lang="ja-JP" altLang="en-US" sz="1600" dirty="0">
+              <a:endParaRPr kumimoji="1" lang="ja-JP" altLang="en-US" sz="1200" dirty="0">
                 <a:solidFill>
                   <a:schemeClr val="bg1"/>
                 </a:solidFill>
@@ -7336,9 +7648,9 @@
             <p:nvPr/>
           </p:nvCxnSpPr>
           <p:spPr>
-            <a:xfrm>
-              <a:off x="2553897" y="4477299"/>
-              <a:ext cx="0" cy="311851"/>
+            <a:xfrm flipH="1">
+              <a:off x="2477810" y="4284190"/>
+              <a:ext cx="2" cy="434397"/>
             </a:xfrm>
             <a:prstGeom prst="straightConnector1">
               <a:avLst/>
@@ -7377,9 +7689,9 @@
             <p:nvPr/>
           </p:nvCxnSpPr>
           <p:spPr>
-            <a:xfrm>
-              <a:off x="2553897" y="5118604"/>
-              <a:ext cx="0" cy="311851"/>
+            <a:xfrm flipH="1">
+              <a:off x="2477809" y="4956857"/>
+              <a:ext cx="1" cy="482755"/>
             </a:xfrm>
             <a:prstGeom prst="straightConnector1">
               <a:avLst/>
@@ -7409,146 +7721,245 @@
           </p:style>
         </p:cxnSp>
       </p:grpSp>
+      <p:sp>
+        <p:nvSpPr>
+          <p:cNvPr id="25" name="テキスト ボックス 24"/>
+          <p:cNvSpPr txBox="1"/>
+          <p:nvPr/>
+        </p:nvSpPr>
+        <p:spPr>
+          <a:xfrm>
+            <a:off x="1265971" y="3668789"/>
+            <a:ext cx="1364414" cy="276999"/>
+          </a:xfrm>
+          <a:prstGeom prst="rect">
+            <a:avLst/>
+          </a:prstGeom>
+          <a:noFill/>
+        </p:spPr>
+        <p:txBody>
+          <a:bodyPr wrap="square" rtlCol="0">
+            <a:spAutoFit/>
+          </a:bodyPr>
+          <a:lstStyle/>
+          <a:p>
+            <a:r>
+              <a:rPr kumimoji="1" lang="ja-JP" altLang="en-US" sz="1200" dirty="0" smtClean="0">
+                <a:solidFill>
+                  <a:schemeClr val="bg1"/>
+                </a:solidFill>
+              </a:rPr>
+              <a:t>人間が処理</a:t>
+            </a:r>
+            <a:endParaRPr kumimoji="1" lang="ja-JP" altLang="en-US" sz="1200" dirty="0">
+              <a:solidFill>
+                <a:schemeClr val="bg1"/>
+              </a:solidFill>
+            </a:endParaRPr>
+          </a:p>
+        </p:txBody>
+      </p:sp>
+      <p:sp>
+        <p:nvSpPr>
+          <p:cNvPr id="47" name="テキスト ボックス 46"/>
+          <p:cNvSpPr txBox="1"/>
+          <p:nvPr/>
+        </p:nvSpPr>
+        <p:spPr>
+          <a:xfrm>
+            <a:off x="933141" y="4393024"/>
+            <a:ext cx="1509401" cy="276999"/>
+          </a:xfrm>
+          <a:prstGeom prst="rect">
+            <a:avLst/>
+          </a:prstGeom>
+          <a:noFill/>
+        </p:spPr>
+        <p:txBody>
+          <a:bodyPr wrap="square" rtlCol="0">
+            <a:spAutoFit/>
+          </a:bodyPr>
+          <a:lstStyle/>
+          <a:p>
+            <a:r>
+              <a:rPr lang="ja-JP" altLang="en-US" sz="1200" dirty="0" smtClean="0">
+                <a:solidFill>
+                  <a:schemeClr val="bg1"/>
+                </a:solidFill>
+              </a:rPr>
+              <a:t>人工</a:t>
+            </a:r>
+            <a:r>
+              <a:rPr lang="ja-JP" altLang="en-US" sz="1200" dirty="0">
+                <a:solidFill>
+                  <a:schemeClr val="bg1"/>
+                </a:solidFill>
+              </a:rPr>
+              <a:t>知能</a:t>
+            </a:r>
+            <a:r>
+              <a:rPr kumimoji="1" lang="ja-JP" altLang="en-US" sz="1200" dirty="0" smtClean="0">
+                <a:solidFill>
+                  <a:schemeClr val="bg1"/>
+                </a:solidFill>
+              </a:rPr>
+              <a:t>が処理</a:t>
+            </a:r>
+            <a:endParaRPr kumimoji="1" lang="ja-JP" altLang="en-US" sz="1200" dirty="0">
+              <a:solidFill>
+                <a:schemeClr val="bg1"/>
+              </a:solidFill>
+            </a:endParaRPr>
+          </a:p>
+        </p:txBody>
+      </p:sp>
       <p:grpSp>
         <p:nvGrpSpPr>
-          <p:cNvPr id="50" name="グループ化 49"/>
+          <p:cNvPr id="13" name="グループ化 12"/>
           <p:cNvGrpSpPr/>
           <p:nvPr/>
         </p:nvGrpSpPr>
         <p:grpSpPr>
           <a:xfrm>
-            <a:off x="3351566" y="4013773"/>
-            <a:ext cx="3072984" cy="2082986"/>
-            <a:chOff x="852934" y="5912877"/>
-            <a:chExt cx="5106308" cy="843510"/>
+            <a:off x="539457" y="5205381"/>
+            <a:ext cx="5878448" cy="3572172"/>
+            <a:chOff x="535041" y="6167576"/>
+            <a:chExt cx="5878448" cy="2669476"/>
           </a:xfrm>
         </p:grpSpPr>
+        <p:grpSp>
+          <p:nvGrpSpPr>
+            <p:cNvPr id="51" name="グループ化 50"/>
+            <p:cNvGrpSpPr/>
+            <p:nvPr/>
+          </p:nvGrpSpPr>
+          <p:grpSpPr>
+            <a:xfrm>
+              <a:off x="535041" y="6178495"/>
+              <a:ext cx="5878448" cy="2658557"/>
+              <a:chOff x="843185" y="7276421"/>
+              <a:chExt cx="5106450" cy="1429566"/>
+            </a:xfrm>
+          </p:grpSpPr>
+          <p:sp>
+            <p:nvSpPr>
+              <p:cNvPr id="20" name="正方形/長方形 19"/>
+              <p:cNvSpPr/>
+              <p:nvPr/>
+            </p:nvSpPr>
+            <p:spPr>
+              <a:xfrm>
+                <a:off x="843185" y="7276421"/>
+                <a:ext cx="5106450" cy="1429566"/>
+              </a:xfrm>
+              <a:prstGeom prst="rect">
+                <a:avLst/>
+              </a:prstGeom>
+              <a:solidFill>
+                <a:schemeClr val="tx1"/>
+              </a:solidFill>
+            </p:spPr>
+            <p:style>
+              <a:lnRef idx="2">
+                <a:schemeClr val="accent1">
+                  <a:shade val="50000"/>
+                </a:schemeClr>
+              </a:lnRef>
+              <a:fillRef idx="1">
+                <a:schemeClr val="accent1"/>
+              </a:fillRef>
+              <a:effectRef idx="0">
+                <a:schemeClr val="accent1"/>
+              </a:effectRef>
+              <a:fontRef idx="minor">
+                <a:schemeClr val="lt1"/>
+              </a:fontRef>
+            </p:style>
+            <p:txBody>
+              <a:bodyPr rot="0" spcFirstLastPara="0" vertOverflow="overflow" horzOverflow="overflow" vert="horz" wrap="square" lIns="74295" tIns="37148" rIns="74295" bIns="37148" numCol="1" spcCol="0" rtlCol="0" fromWordArt="0" anchor="ctr" anchorCtr="0" forceAA="0" compatLnSpc="1">
+                <a:prstTxWarp prst="textNoShape">
+                  <a:avLst/>
+                </a:prstTxWarp>
+                <a:noAutofit/>
+              </a:bodyPr>
+              <a:lstStyle/>
+              <a:p>
+                <a:pPr algn="ctr"/>
+                <a:endParaRPr lang="ja-JP" altLang="en-US" sz="1463"/>
+              </a:p>
+            </p:txBody>
+          </p:sp>
+          <p:sp>
+            <p:nvSpPr>
+              <p:cNvPr id="44" name="フローチャート: 代替処理 43"/>
+              <p:cNvSpPr/>
+              <p:nvPr/>
+            </p:nvSpPr>
+            <p:spPr>
+              <a:xfrm>
+                <a:off x="874293" y="7308226"/>
+                <a:ext cx="1959869" cy="146077"/>
+              </a:xfrm>
+              <a:prstGeom prst="flowChartAlternateProcess">
+                <a:avLst/>
+              </a:prstGeom>
+              <a:solidFill>
+                <a:schemeClr val="accent4"/>
+              </a:solidFill>
+            </p:spPr>
+            <p:style>
+              <a:lnRef idx="2">
+                <a:schemeClr val="accent1">
+                  <a:shade val="50000"/>
+                </a:schemeClr>
+              </a:lnRef>
+              <a:fillRef idx="1">
+                <a:schemeClr val="accent1"/>
+              </a:fillRef>
+              <a:effectRef idx="0">
+                <a:schemeClr val="accent1"/>
+              </a:effectRef>
+              <a:fontRef idx="minor">
+                <a:schemeClr val="lt1"/>
+              </a:fontRef>
+            </p:style>
+            <p:txBody>
+              <a:bodyPr rot="0" spcFirstLastPara="0" vertOverflow="overflow" horzOverflow="overflow" vert="horz" wrap="square" lIns="74295" tIns="37148" rIns="74295" bIns="37148" numCol="1" spcCol="0" rtlCol="0" fromWordArt="0" anchor="ctr" anchorCtr="0" forceAA="0" compatLnSpc="1">
+                <a:prstTxWarp prst="textNoShape">
+                  <a:avLst/>
+                </a:prstTxWarp>
+                <a:noAutofit/>
+              </a:bodyPr>
+              <a:lstStyle/>
+              <a:p>
+                <a:pPr algn="ctr"/>
+                <a:r>
+                  <a:rPr lang="ja-JP" altLang="en-US" sz="2000" dirty="0">
+                    <a:solidFill>
+                      <a:schemeClr val="tx1"/>
+                    </a:solidFill>
+                  </a:rPr>
+                  <a:t>現在の進捗状況</a:t>
+                </a:r>
+              </a:p>
+            </p:txBody>
+          </p:sp>
+        </p:grpSp>
         <p:sp>
           <p:nvSpPr>
-            <p:cNvPr id="24" name="正方形/長方形 23"/>
-            <p:cNvSpPr/>
-            <p:nvPr/>
-          </p:nvSpPr>
-          <p:spPr>
-            <a:xfrm>
-              <a:off x="852934" y="5912877"/>
-              <a:ext cx="5106308" cy="843510"/>
-            </a:xfrm>
-            <a:prstGeom prst="rect">
-              <a:avLst/>
-            </a:prstGeom>
-            <a:solidFill>
-              <a:schemeClr val="tx1"/>
-            </a:solidFill>
-          </p:spPr>
-          <p:style>
-            <a:lnRef idx="2">
-              <a:schemeClr val="accent1">
-                <a:shade val="50000"/>
-              </a:schemeClr>
-            </a:lnRef>
-            <a:fillRef idx="1">
-              <a:schemeClr val="accent1"/>
-            </a:fillRef>
-            <a:effectRef idx="0">
-              <a:schemeClr val="accent1"/>
-            </a:effectRef>
-            <a:fontRef idx="minor">
-              <a:schemeClr val="lt1"/>
-            </a:fontRef>
-          </p:style>
-          <p:txBody>
-            <a:bodyPr rot="0" spcFirstLastPara="0" vertOverflow="overflow" horzOverflow="overflow" vert="horz" wrap="square" lIns="74295" tIns="37148" rIns="74295" bIns="37148" numCol="1" spcCol="0" rtlCol="0" fromWordArt="0" anchor="ctr" anchorCtr="0" forceAA="0" compatLnSpc="1">
-              <a:prstTxWarp prst="textNoShape">
-                <a:avLst/>
-              </a:prstTxWarp>
-              <a:noAutofit/>
-            </a:bodyPr>
-            <a:lstStyle/>
-            <a:p>
-              <a:pPr algn="ctr"/>
-              <a:endParaRPr lang="ja-JP" altLang="en-US" sz="1463"/>
-            </a:p>
-          </p:txBody>
-        </p:sp>
-        <p:sp>
-          <p:nvSpPr>
-            <p:cNvPr id="41" name="フローチャート: 代替処理 40"/>
-            <p:cNvSpPr/>
-            <p:nvPr/>
-          </p:nvSpPr>
-          <p:spPr>
-            <a:xfrm>
-              <a:off x="946668" y="5933771"/>
-              <a:ext cx="1590878" cy="153429"/>
-            </a:xfrm>
-            <a:prstGeom prst="flowChartAlternateProcess">
-              <a:avLst/>
-            </a:prstGeom>
-            <a:solidFill>
-              <a:schemeClr val="accent4"/>
-            </a:solidFill>
-          </p:spPr>
-          <p:style>
-            <a:lnRef idx="2">
-              <a:schemeClr val="accent1">
-                <a:shade val="50000"/>
-              </a:schemeClr>
-            </a:lnRef>
-            <a:fillRef idx="1">
-              <a:schemeClr val="accent1"/>
-            </a:fillRef>
-            <a:effectRef idx="0">
-              <a:schemeClr val="accent1"/>
-            </a:effectRef>
-            <a:fontRef idx="minor">
-              <a:schemeClr val="lt1"/>
-            </a:fontRef>
-          </p:style>
-          <p:txBody>
-            <a:bodyPr rot="0" spcFirstLastPara="0" vertOverflow="overflow" horzOverflow="overflow" vert="horz" wrap="square" lIns="74295" tIns="37148" rIns="74295" bIns="37148" numCol="1" spcCol="0" rtlCol="0" fromWordArt="0" anchor="ctr" anchorCtr="0" forceAA="0" compatLnSpc="1">
-              <a:prstTxWarp prst="textNoShape">
-                <a:avLst/>
-              </a:prstTxWarp>
-              <a:noAutofit/>
-            </a:bodyPr>
-            <a:lstStyle/>
-            <a:p>
-              <a:pPr algn="ctr"/>
-              <a:r>
-                <a:rPr lang="ja-JP" altLang="en-US" sz="2600" dirty="0">
-                  <a:solidFill>
-                    <a:schemeClr val="tx1"/>
-                  </a:solidFill>
-                </a:rPr>
-                <a:t>方法</a:t>
-              </a:r>
-            </a:p>
-          </p:txBody>
-        </p:sp>
-        <p:sp>
-          <p:nvSpPr>
-            <p:cNvPr id="43" name="テキスト ボックス 42"/>
+            <p:cNvPr id="53" name="テキスト ボックス 52"/>
             <p:cNvSpPr txBox="1"/>
             <p:nvPr/>
           </p:nvSpPr>
           <p:spPr>
             <a:xfrm>
-              <a:off x="946668" y="6120861"/>
-              <a:ext cx="4925654" cy="560857"/>
+              <a:off x="566355" y="6535472"/>
+              <a:ext cx="2806330" cy="1069152"/>
             </a:xfrm>
             <a:prstGeom prst="rect">
               <a:avLst/>
             </a:prstGeom>
             <a:noFill/>
-            <a:ln w="25400">
-              <a:solidFill>
-                <a:schemeClr val="accent1">
-                  <a:shade val="50000"/>
-                  <a:hueMod val="94000"/>
-                </a:schemeClr>
-              </a:solidFill>
-            </a:ln>
           </p:spPr>
           <p:txBody>
             <a:bodyPr wrap="square" rtlCol="0">
@@ -7556,20 +7967,12 @@
             </a:bodyPr>
             <a:lstStyle/>
             <a:p>
-              <a:pPr marL="342900" indent="-342900">
-                <a:buFont typeface="+mj-ea"/>
-                <a:buAutoNum type="circleNumDbPlain"/>
+              <a:pPr marL="285750" indent="-285750">
+                <a:buFont typeface="Arial" panose="020B0604020202020204" pitchFamily="34" charset="0"/>
+                <a:buChar char="•"/>
               </a:pPr>
               <a:r>
-                <a:rPr lang="ja-JP" altLang="en-US" sz="1400" dirty="0" smtClean="0">
-                  <a:solidFill>
-                    <a:schemeClr val="bg1"/>
-                  </a:solidFill>
-                </a:rPr>
-                <a:t>問題文を理解し</a:t>
-              </a:r>
-              <a:r>
-                <a:rPr lang="en-US" altLang="ja-JP" sz="1400" dirty="0" smtClean="0">
+                <a:rPr kumimoji="1" lang="en-US" altLang="ja-JP" sz="1200" dirty="0" smtClean="0">
                   <a:solidFill>
                     <a:schemeClr val="bg1"/>
                   </a:solidFill>
@@ -7577,26 +7980,61 @@
                 <a:t>Mathematica</a:t>
               </a:r>
               <a:r>
-                <a:rPr lang="ja-JP" altLang="en-US" sz="1400" dirty="0" smtClean="0">
+                <a:rPr lang="ja-JP" altLang="en-US" sz="1200" dirty="0" smtClean="0">
                   <a:solidFill>
                     <a:schemeClr val="bg1"/>
                   </a:solidFill>
                 </a:rPr>
-                <a:t>で数的処理できるように式に変換する</a:t>
+                <a:t>を利用して千葉工大の入試問題を全問処理した</a:t>
               </a:r>
-              <a:endParaRPr lang="en-US" altLang="ja-JP" sz="1400" dirty="0" smtClean="0">
+              <a:endParaRPr lang="en-US" altLang="ja-JP" sz="1200" dirty="0" smtClean="0">
                 <a:solidFill>
                   <a:schemeClr val="bg1"/>
                 </a:solidFill>
               </a:endParaRPr>
             </a:p>
             <a:p>
-              <a:pPr marL="342900" indent="-342900">
-                <a:buFont typeface="+mj-ea"/>
-                <a:buAutoNum type="circleNumDbPlain"/>
+              <a:pPr marL="285750" indent="-285750">
+                <a:buFont typeface="Arial" panose="020B0604020202020204" pitchFamily="34" charset="0"/>
+                <a:buChar char="•"/>
               </a:pPr>
               <a:r>
-                <a:rPr lang="en-US" altLang="ja-JP" sz="1400" dirty="0" smtClean="0">
+                <a:rPr kumimoji="1" lang="ja-JP" altLang="en-US" sz="1200" dirty="0" smtClean="0">
+                  <a:solidFill>
+                    <a:schemeClr val="bg1"/>
+                  </a:solidFill>
+                </a:rPr>
+                <a:t>数学的</a:t>
+              </a:r>
+              <a:r>
+                <a:rPr kumimoji="1" lang="ja-JP" altLang="en-US" sz="1200" dirty="0">
+                  <a:solidFill>
+                    <a:schemeClr val="bg1"/>
+                  </a:solidFill>
+                </a:rPr>
+                <a:t>表現</a:t>
+              </a:r>
+              <a:r>
+                <a:rPr kumimoji="1" lang="ja-JP" altLang="en-US" sz="1200" dirty="0" smtClean="0">
+                  <a:solidFill>
+                    <a:schemeClr val="bg1"/>
+                  </a:solidFill>
+                </a:rPr>
+                <a:t>に処理する際に用いた知識をまとめた</a:t>
+              </a:r>
+              <a:endParaRPr kumimoji="1" lang="en-US" altLang="ja-JP" sz="1200" dirty="0" smtClean="0">
+                <a:solidFill>
+                  <a:schemeClr val="bg1"/>
+                </a:solidFill>
+              </a:endParaRPr>
+            </a:p>
+            <a:p>
+              <a:pPr marL="285750" indent="-285750">
+                <a:buFont typeface="Arial" panose="020B0604020202020204" pitchFamily="34" charset="0"/>
+                <a:buChar char="•"/>
+              </a:pPr>
+              <a:r>
+                <a:rPr lang="en-US" altLang="ja-JP" sz="1200" dirty="0" smtClean="0">
                   <a:solidFill>
                     <a:schemeClr val="bg1"/>
                   </a:solidFill>
@@ -7604,46 +8042,46 @@
                 <a:t>Mathematica</a:t>
               </a:r>
               <a:r>
-                <a:rPr lang="ja-JP" altLang="en-US" sz="1400" dirty="0" smtClean="0">
+                <a:rPr lang="ja-JP" altLang="en-US" sz="1200" dirty="0" smtClean="0">
                   <a:solidFill>
                     <a:schemeClr val="bg1"/>
                   </a:solidFill>
                 </a:rPr>
-                <a:t>で処理する際に使用する</a:t>
+                <a:t>で処理する際に使用</a:t>
               </a:r>
               <a:r>
-                <a:rPr lang="ja-JP" altLang="ja-JP" sz="1400" dirty="0" smtClean="0">
+                <a:rPr lang="ja-JP" altLang="en-US" sz="1200" dirty="0" smtClean="0">
                   <a:solidFill>
                     <a:schemeClr val="bg1"/>
                   </a:solidFill>
                 </a:rPr>
-                <a:t>言語</a:t>
+                <a:t>した</a:t>
               </a:r>
               <a:r>
-                <a:rPr lang="ja-JP" altLang="ja-JP" sz="1400" dirty="0">
+                <a:rPr lang="ja-JP" altLang="en-US" sz="1200" dirty="0">
                   <a:solidFill>
                     <a:schemeClr val="bg1"/>
                   </a:solidFill>
                 </a:rPr>
-                <a:t>を利用して式を</a:t>
+                <a:t>関数</a:t>
               </a:r>
               <a:r>
-                <a:rPr lang="en-US" altLang="ja-JP" sz="1400" dirty="0">
+                <a:rPr lang="ja-JP" altLang="en-US" sz="1200" dirty="0" smtClean="0">
                   <a:solidFill>
                     <a:schemeClr val="bg1"/>
                   </a:solidFill>
                 </a:rPr>
-                <a:t>Mathematica</a:t>
+                <a:t>を</a:t>
               </a:r>
               <a:r>
-                <a:rPr lang="ja-JP" altLang="ja-JP" sz="1400" dirty="0">
+                <a:rPr lang="ja-JP" altLang="en-US" sz="1200" dirty="0" smtClean="0">
                   <a:solidFill>
                     <a:schemeClr val="bg1"/>
                   </a:solidFill>
                 </a:rPr>
-                <a:t>で処理する</a:t>
+                <a:t>グラフ化してまとめた</a:t>
               </a:r>
-              <a:endParaRPr lang="en-US" altLang="ja-JP" sz="1400" dirty="0" smtClean="0">
+              <a:endParaRPr kumimoji="1" lang="ja-JP" altLang="en-US" sz="1200" dirty="0">
                 <a:solidFill>
                   <a:schemeClr val="bg1"/>
                 </a:solidFill>
@@ -7651,469 +8089,194 @@
             </a:p>
           </p:txBody>
         </p:sp>
+        <p:graphicFrame>
+          <p:nvGraphicFramePr>
+            <p:cNvPr id="37" name="グラフ 36"/>
+            <p:cNvGraphicFramePr>
+              <a:graphicFrameLocks/>
+            </p:cNvGraphicFramePr>
+            <p:nvPr>
+              <p:extLst>
+                <p:ext uri="{D42A27DB-BD31-4B8C-83A1-F6EECF244321}">
+                  <p14:modId xmlns:p14="http://schemas.microsoft.com/office/powerpoint/2010/main" val="824339892"/>
+                </p:ext>
+              </p:extLst>
+            </p:nvPr>
+          </p:nvGraphicFramePr>
+          <p:xfrm>
+            <a:off x="3320774" y="6167576"/>
+            <a:ext cx="2997122" cy="1531384"/>
+          </p:xfrm>
+          <a:graphic>
+            <a:graphicData uri="http://schemas.openxmlformats.org/drawingml/2006/chart">
+              <c:chart xmlns:c="http://schemas.openxmlformats.org/drawingml/2006/chart" xmlns:r="http://schemas.openxmlformats.org/officeDocument/2006/relationships" r:id="rId2"/>
+            </a:graphicData>
+          </a:graphic>
+        </p:graphicFrame>
       </p:grpSp>
-      <p:grpSp>
-        <p:nvGrpSpPr>
-          <p:cNvPr id="51" name="グループ化 50"/>
-          <p:cNvGrpSpPr/>
+      <p:pic>
+        <p:nvPicPr>
+          <p:cNvPr id="65" name="図 64"/>
+          <p:cNvPicPr>
+            <a:picLocks noChangeAspect="1"/>
+          </p:cNvPicPr>
           <p:nvPr/>
-        </p:nvGrpSpPr>
-        <p:grpSpPr>
-          <a:xfrm>
-            <a:off x="546264" y="6178499"/>
-            <a:ext cx="5878285" cy="2403489"/>
-            <a:chOff x="852934" y="7276422"/>
-            <a:chExt cx="5106308" cy="1292410"/>
-          </a:xfrm>
-        </p:grpSpPr>
-        <p:sp>
-          <p:nvSpPr>
-            <p:cNvPr id="20" name="正方形/長方形 19"/>
-            <p:cNvSpPr/>
-            <p:nvPr/>
-          </p:nvSpPr>
-          <p:spPr>
-            <a:xfrm>
-              <a:off x="852934" y="7276422"/>
-              <a:ext cx="5106308" cy="1292410"/>
-            </a:xfrm>
-            <a:prstGeom prst="rect">
-              <a:avLst/>
-            </a:prstGeom>
-            <a:solidFill>
-              <a:schemeClr val="tx1"/>
-            </a:solidFill>
-          </p:spPr>
-          <p:style>
-            <a:lnRef idx="2">
-              <a:schemeClr val="accent1">
-                <a:shade val="50000"/>
-              </a:schemeClr>
-            </a:lnRef>
-            <a:fillRef idx="1">
-              <a:schemeClr val="accent1"/>
-            </a:fillRef>
-            <a:effectRef idx="0">
-              <a:schemeClr val="accent1"/>
-            </a:effectRef>
-            <a:fontRef idx="minor">
-              <a:schemeClr val="lt1"/>
-            </a:fontRef>
-          </p:style>
-          <p:txBody>
-            <a:bodyPr rot="0" spcFirstLastPara="0" vertOverflow="overflow" horzOverflow="overflow" vert="horz" wrap="square" lIns="74295" tIns="37148" rIns="74295" bIns="37148" numCol="1" spcCol="0" rtlCol="0" fromWordArt="0" anchor="ctr" anchorCtr="0" forceAA="0" compatLnSpc="1">
-              <a:prstTxWarp prst="textNoShape">
-                <a:avLst/>
-              </a:prstTxWarp>
-              <a:noAutofit/>
-            </a:bodyPr>
-            <a:lstStyle/>
-            <a:p>
-              <a:pPr algn="ctr"/>
-              <a:endParaRPr lang="ja-JP" altLang="en-US" sz="1463"/>
-            </a:p>
-          </p:txBody>
-        </p:sp>
-        <p:sp>
-          <p:nvSpPr>
-            <p:cNvPr id="44" name="フローチャート: 代替処理 43"/>
-            <p:cNvSpPr/>
-            <p:nvPr/>
-          </p:nvSpPr>
-          <p:spPr>
-            <a:xfrm>
-              <a:off x="874293" y="7308226"/>
-              <a:ext cx="2388783" cy="231792"/>
-            </a:xfrm>
-            <a:prstGeom prst="flowChartAlternateProcess">
-              <a:avLst/>
-            </a:prstGeom>
-            <a:solidFill>
-              <a:schemeClr val="accent4"/>
-            </a:solidFill>
-          </p:spPr>
-          <p:style>
-            <a:lnRef idx="2">
-              <a:schemeClr val="accent1">
-                <a:shade val="50000"/>
-              </a:schemeClr>
-            </a:lnRef>
-            <a:fillRef idx="1">
-              <a:schemeClr val="accent1"/>
-            </a:fillRef>
-            <a:effectRef idx="0">
-              <a:schemeClr val="accent1"/>
-            </a:effectRef>
-            <a:fontRef idx="minor">
-              <a:schemeClr val="lt1"/>
-            </a:fontRef>
-          </p:style>
-          <p:txBody>
-            <a:bodyPr rot="0" spcFirstLastPara="0" vertOverflow="overflow" horzOverflow="overflow" vert="horz" wrap="square" lIns="74295" tIns="37148" rIns="74295" bIns="37148" numCol="1" spcCol="0" rtlCol="0" fromWordArt="0" anchor="ctr" anchorCtr="0" forceAA="0" compatLnSpc="1">
-              <a:prstTxWarp prst="textNoShape">
-                <a:avLst/>
-              </a:prstTxWarp>
-              <a:noAutofit/>
-            </a:bodyPr>
-            <a:lstStyle/>
-            <a:p>
-              <a:pPr algn="ctr"/>
-              <a:r>
-                <a:rPr lang="ja-JP" altLang="en-US" sz="2600" dirty="0">
-                  <a:solidFill>
-                    <a:schemeClr val="tx1"/>
-                  </a:solidFill>
-                </a:rPr>
-                <a:t>現在の進捗状況</a:t>
-              </a:r>
-            </a:p>
-          </p:txBody>
-        </p:sp>
-      </p:grpSp>
-      <p:grpSp>
-        <p:nvGrpSpPr>
-          <p:cNvPr id="52" name="グループ化 51"/>
-          <p:cNvGrpSpPr/>
-          <p:nvPr/>
-        </p:nvGrpSpPr>
-        <p:grpSpPr>
-          <a:xfrm>
-            <a:off x="546263" y="8639967"/>
-            <a:ext cx="5878285" cy="1133425"/>
-            <a:chOff x="863910" y="8639967"/>
-            <a:chExt cx="5106308" cy="1133425"/>
-          </a:xfrm>
-        </p:grpSpPr>
-        <p:sp>
-          <p:nvSpPr>
-            <p:cNvPr id="42" name="正方形/長方形 41"/>
-            <p:cNvSpPr/>
-            <p:nvPr/>
-          </p:nvSpPr>
-          <p:spPr>
-            <a:xfrm>
-              <a:off x="863910" y="8639967"/>
-              <a:ext cx="5106308" cy="1133425"/>
-            </a:xfrm>
-            <a:prstGeom prst="rect">
-              <a:avLst/>
-            </a:prstGeom>
-            <a:solidFill>
-              <a:schemeClr val="tx1"/>
-            </a:solidFill>
-          </p:spPr>
-          <p:style>
-            <a:lnRef idx="2">
-              <a:schemeClr val="accent1">
-                <a:shade val="50000"/>
-              </a:schemeClr>
-            </a:lnRef>
-            <a:fillRef idx="1">
-              <a:schemeClr val="accent1"/>
-            </a:fillRef>
-            <a:effectRef idx="0">
-              <a:schemeClr val="accent1"/>
-            </a:effectRef>
-            <a:fontRef idx="minor">
-              <a:schemeClr val="lt1"/>
-            </a:fontRef>
-          </p:style>
-          <p:txBody>
-            <a:bodyPr rot="0" spcFirstLastPara="0" vertOverflow="overflow" horzOverflow="overflow" vert="horz" wrap="square" lIns="74295" tIns="37148" rIns="74295" bIns="37148" numCol="1" spcCol="0" rtlCol="0" fromWordArt="0" anchor="ctr" anchorCtr="0" forceAA="0" compatLnSpc="1">
-              <a:prstTxWarp prst="textNoShape">
-                <a:avLst/>
-              </a:prstTxWarp>
-              <a:noAutofit/>
-            </a:bodyPr>
-            <a:lstStyle/>
-            <a:p>
-              <a:pPr algn="ctr"/>
-              <a:endParaRPr lang="ja-JP" altLang="en-US" sz="1463"/>
-            </a:p>
-          </p:txBody>
-        </p:sp>
-        <p:sp>
-          <p:nvSpPr>
-            <p:cNvPr id="45" name="フローチャート: 代替処理 44"/>
-            <p:cNvSpPr/>
-            <p:nvPr/>
-          </p:nvSpPr>
-          <p:spPr>
-            <a:xfrm>
-              <a:off x="901042" y="8673866"/>
-              <a:ext cx="1944096" cy="365948"/>
-            </a:xfrm>
-            <a:prstGeom prst="flowChartAlternateProcess">
-              <a:avLst/>
-            </a:prstGeom>
-            <a:solidFill>
-              <a:schemeClr val="accent4"/>
-            </a:solidFill>
-          </p:spPr>
-          <p:style>
-            <a:lnRef idx="2">
-              <a:schemeClr val="accent1">
-                <a:shade val="50000"/>
-              </a:schemeClr>
-            </a:lnRef>
-            <a:fillRef idx="1">
-              <a:schemeClr val="accent1"/>
-            </a:fillRef>
-            <a:effectRef idx="0">
-              <a:schemeClr val="accent1"/>
-            </a:effectRef>
-            <a:fontRef idx="minor">
-              <a:schemeClr val="lt1"/>
-            </a:fontRef>
-          </p:style>
-          <p:txBody>
-            <a:bodyPr rot="0" spcFirstLastPara="0" vertOverflow="overflow" horzOverflow="overflow" vert="horz" wrap="square" lIns="74295" tIns="37148" rIns="74295" bIns="37148" numCol="1" spcCol="0" rtlCol="0" fromWordArt="0" anchor="ctr" anchorCtr="0" forceAA="0" compatLnSpc="1">
-              <a:prstTxWarp prst="textNoShape">
-                <a:avLst/>
-              </a:prstTxWarp>
-              <a:noAutofit/>
-            </a:bodyPr>
-            <a:lstStyle/>
-            <a:p>
-              <a:pPr algn="ctr"/>
-              <a:r>
-                <a:rPr lang="ja-JP" altLang="en-US" sz="2600" dirty="0">
-                  <a:solidFill>
-                    <a:schemeClr val="tx1"/>
-                  </a:solidFill>
-                </a:rPr>
-                <a:t>今後</a:t>
-              </a:r>
-              <a:r>
-                <a:rPr lang="ja-JP" altLang="en-US" sz="2600" dirty="0" smtClean="0">
-                  <a:solidFill>
-                    <a:schemeClr val="tx1"/>
-                  </a:solidFill>
-                </a:rPr>
-                <a:t>の</a:t>
-              </a:r>
-              <a:r>
-                <a:rPr lang="ja-JP" altLang="en-US" sz="2600" dirty="0">
-                  <a:solidFill>
-                    <a:schemeClr val="tx1"/>
-                  </a:solidFill>
-                </a:rPr>
-                <a:t>計画</a:t>
-              </a:r>
-            </a:p>
-          </p:txBody>
-        </p:sp>
-      </p:grpSp>
-      <p:sp>
-        <p:nvSpPr>
-          <p:cNvPr id="53" name="テキスト ボックス 52"/>
-          <p:cNvSpPr txBox="1"/>
-          <p:nvPr/>
-        </p:nvSpPr>
+        </p:nvPicPr>
+        <p:blipFill>
+          <a:blip r:embed="rId3"/>
+          <a:stretch>
+            <a:fillRect/>
+          </a:stretch>
+        </p:blipFill>
         <p:spPr>
           <a:xfrm>
-            <a:off x="582896" y="6766106"/>
-            <a:ext cx="2806330" cy="1815882"/>
+            <a:off x="1331506" y="7214114"/>
+            <a:ext cx="1551639" cy="410728"/>
           </a:xfrm>
           <a:prstGeom prst="rect">
             <a:avLst/>
           </a:prstGeom>
-          <a:noFill/>
         </p:spPr>
-        <p:txBody>
-          <a:bodyPr wrap="square" rtlCol="0">
-            <a:spAutoFit/>
-          </a:bodyPr>
-          <a:lstStyle/>
-          <a:p>
-            <a:pPr marL="285750" indent="-285750">
-              <a:buFont typeface="Arial" panose="020B0604020202020204" pitchFamily="34" charset="0"/>
-              <a:buChar char="•"/>
-            </a:pPr>
-            <a:r>
-              <a:rPr kumimoji="1" lang="en-US" altLang="ja-JP" sz="1400" dirty="0" smtClean="0">
-                <a:solidFill>
-                  <a:schemeClr val="bg1"/>
-                </a:solidFill>
-              </a:rPr>
-              <a:t>Mathematica</a:t>
-            </a:r>
-            <a:r>
-              <a:rPr lang="ja-JP" altLang="en-US" sz="1400" dirty="0" smtClean="0">
-                <a:solidFill>
-                  <a:schemeClr val="bg1"/>
-                </a:solidFill>
-              </a:rPr>
-              <a:t>を利用して千葉工大の入試問題を全問処理した</a:t>
-            </a:r>
-            <a:endParaRPr lang="en-US" altLang="ja-JP" sz="1400" dirty="0" smtClean="0">
-              <a:solidFill>
-                <a:schemeClr val="bg1"/>
-              </a:solidFill>
-            </a:endParaRPr>
-          </a:p>
-          <a:p>
-            <a:pPr marL="285750" indent="-285750">
-              <a:buFont typeface="Arial" panose="020B0604020202020204" pitchFamily="34" charset="0"/>
-              <a:buChar char="•"/>
-            </a:pPr>
-            <a:r>
-              <a:rPr kumimoji="1" lang="ja-JP" altLang="en-US" sz="1400" dirty="0" smtClean="0">
-                <a:solidFill>
-                  <a:schemeClr val="bg1"/>
-                </a:solidFill>
-              </a:rPr>
-              <a:t>数学的</a:t>
-            </a:r>
-            <a:r>
-              <a:rPr kumimoji="1" lang="ja-JP" altLang="en-US" sz="1400" dirty="0">
-                <a:solidFill>
-                  <a:schemeClr val="bg1"/>
-                </a:solidFill>
-              </a:rPr>
-              <a:t>表現</a:t>
-            </a:r>
-            <a:r>
-              <a:rPr kumimoji="1" lang="ja-JP" altLang="en-US" sz="1400" dirty="0" smtClean="0">
-                <a:solidFill>
-                  <a:schemeClr val="bg1"/>
-                </a:solidFill>
-              </a:rPr>
-              <a:t>に処理する際に用いた知識をまとめた</a:t>
-            </a:r>
-            <a:endParaRPr kumimoji="1" lang="en-US" altLang="ja-JP" sz="1400" dirty="0" smtClean="0">
-              <a:solidFill>
-                <a:schemeClr val="bg1"/>
-              </a:solidFill>
-            </a:endParaRPr>
-          </a:p>
-          <a:p>
-            <a:pPr marL="285750" indent="-285750">
-              <a:buFont typeface="Arial" panose="020B0604020202020204" pitchFamily="34" charset="0"/>
-              <a:buChar char="•"/>
-            </a:pPr>
-            <a:r>
-              <a:rPr lang="en-US" altLang="ja-JP" sz="1400" dirty="0" smtClean="0">
-                <a:solidFill>
-                  <a:schemeClr val="bg1"/>
-                </a:solidFill>
-              </a:rPr>
-              <a:t>Mathematica</a:t>
-            </a:r>
-            <a:r>
-              <a:rPr lang="ja-JP" altLang="en-US" sz="1400" dirty="0" smtClean="0">
-                <a:solidFill>
-                  <a:schemeClr val="bg1"/>
-                </a:solidFill>
-              </a:rPr>
-              <a:t>で処理する際に使用した言語をグラフ化してまとめた</a:t>
-            </a:r>
-            <a:endParaRPr kumimoji="1" lang="ja-JP" altLang="en-US" sz="1400" dirty="0">
-              <a:solidFill>
-                <a:schemeClr val="bg1"/>
-              </a:solidFill>
-            </a:endParaRPr>
-          </a:p>
-        </p:txBody>
-      </p:sp>
-      <p:sp>
-        <p:nvSpPr>
-          <p:cNvPr id="54" name="テキスト ボックス 53"/>
-          <p:cNvSpPr txBox="1"/>
+      </p:pic>
+      <p:pic>
+        <p:nvPicPr>
+          <p:cNvPr id="67" name="図 66"/>
+          <p:cNvPicPr>
+            <a:picLocks noChangeAspect="1"/>
+          </p:cNvPicPr>
           <p:nvPr/>
-        </p:nvSpPr>
+        </p:nvPicPr>
+        <p:blipFill>
+          <a:blip r:embed="rId4"/>
+          <a:stretch>
+            <a:fillRect/>
+          </a:stretch>
+        </p:blipFill>
         <p:spPr>
           <a:xfrm>
-            <a:off x="664521" y="9097793"/>
-            <a:ext cx="5617289" cy="523220"/>
+            <a:off x="855209" y="7814713"/>
+            <a:ext cx="2765502" cy="173003"/>
           </a:xfrm>
           <a:prstGeom prst="rect">
             <a:avLst/>
           </a:prstGeom>
-          <a:noFill/>
         </p:spPr>
-        <p:txBody>
-          <a:bodyPr wrap="square" rtlCol="0">
-            <a:spAutoFit/>
-          </a:bodyPr>
-          <a:lstStyle/>
-          <a:p>
-            <a:pPr marL="285750" indent="-285750">
-              <a:buFont typeface="Arial" panose="020B0604020202020204" pitchFamily="34" charset="0"/>
-              <a:buChar char="•"/>
-            </a:pPr>
-            <a:r>
-              <a:rPr lang="ja-JP" altLang="ja-JP" sz="1400" dirty="0" smtClean="0">
-                <a:solidFill>
-                  <a:schemeClr val="bg1"/>
-                </a:solidFill>
-              </a:rPr>
-              <a:t>千葉</a:t>
-            </a:r>
-            <a:r>
-              <a:rPr lang="ja-JP" altLang="ja-JP" sz="1400" dirty="0">
-                <a:solidFill>
-                  <a:schemeClr val="bg1"/>
-                </a:solidFill>
-              </a:rPr>
-              <a:t>工業</a:t>
-            </a:r>
-            <a:r>
-              <a:rPr lang="ja-JP" altLang="ja-JP" sz="1400" dirty="0" smtClean="0">
-                <a:solidFill>
-                  <a:schemeClr val="bg1"/>
-                </a:solidFill>
-              </a:rPr>
-              <a:t>大学や</a:t>
-            </a:r>
-            <a:r>
-              <a:rPr lang="ja-JP" altLang="ja-JP" sz="1400" dirty="0">
-                <a:solidFill>
-                  <a:schemeClr val="bg1"/>
-                </a:solidFill>
-              </a:rPr>
-              <a:t>，千葉大学などの他の大学の入試問題を</a:t>
-            </a:r>
-            <a:r>
-              <a:rPr lang="en-US" altLang="ja-JP" sz="1400" dirty="0">
-                <a:solidFill>
-                  <a:schemeClr val="bg1"/>
-                </a:solidFill>
-              </a:rPr>
-              <a:t>Mathematica</a:t>
-            </a:r>
-            <a:r>
-              <a:rPr lang="ja-JP" altLang="ja-JP" sz="1400" dirty="0">
-                <a:solidFill>
-                  <a:schemeClr val="bg1"/>
-                </a:solidFill>
-              </a:rPr>
-              <a:t>で処理できるか検証する</a:t>
-            </a:r>
-            <a:endParaRPr kumimoji="1" lang="ja-JP" altLang="en-US" sz="1400" dirty="0">
-              <a:solidFill>
-                <a:schemeClr val="bg1"/>
-              </a:solidFill>
-            </a:endParaRPr>
-          </a:p>
-        </p:txBody>
-      </p:sp>
-      <p:sp>
-        <p:nvSpPr>
-          <p:cNvPr id="38" name="円/楕円 37"/>
+      </p:pic>
+      <p:pic>
+        <p:nvPicPr>
+          <p:cNvPr id="68" name="図 67"/>
+          <p:cNvPicPr>
+            <a:picLocks noChangeAspect="1"/>
+          </p:cNvPicPr>
+          <p:nvPr/>
+        </p:nvPicPr>
+        <p:blipFill>
+          <a:blip r:embed="rId5"/>
+          <a:stretch>
+            <a:fillRect/>
+          </a:stretch>
+        </p:blipFill>
+        <p:spPr>
+          <a:xfrm>
+            <a:off x="1760668" y="8323702"/>
+            <a:ext cx="693314" cy="138063"/>
+          </a:xfrm>
+          <a:prstGeom prst="rect">
+            <a:avLst/>
+          </a:prstGeom>
+        </p:spPr>
+      </p:pic>
+      <p:pic>
+        <p:nvPicPr>
+          <p:cNvPr id="69" name="図 68"/>
+          <p:cNvPicPr>
+            <a:picLocks noChangeAspect="1"/>
+          </p:cNvPicPr>
+          <p:nvPr/>
+        </p:nvPicPr>
+        <p:blipFill>
+          <a:blip r:embed="rId6"/>
+          <a:stretch>
+            <a:fillRect/>
+          </a:stretch>
+        </p:blipFill>
+        <p:spPr>
+          <a:xfrm>
+            <a:off x="4541763" y="7295990"/>
+            <a:ext cx="1484151" cy="259300"/>
+          </a:xfrm>
+          <a:prstGeom prst="rect">
+            <a:avLst/>
+          </a:prstGeom>
+        </p:spPr>
+      </p:pic>
+      <p:pic>
+        <p:nvPicPr>
+          <p:cNvPr id="70" name="図 69"/>
+          <p:cNvPicPr>
+            <a:picLocks noChangeAspect="1"/>
+          </p:cNvPicPr>
+          <p:nvPr/>
+        </p:nvPicPr>
+        <p:blipFill>
+          <a:blip r:embed="rId7"/>
+          <a:stretch>
+            <a:fillRect/>
+          </a:stretch>
+        </p:blipFill>
+        <p:spPr>
+          <a:xfrm>
+            <a:off x="4280353" y="7779294"/>
+            <a:ext cx="2006973" cy="232554"/>
+          </a:xfrm>
+          <a:prstGeom prst="rect">
+            <a:avLst/>
+          </a:prstGeom>
+        </p:spPr>
+      </p:pic>
+      <p:pic>
+        <p:nvPicPr>
+          <p:cNvPr id="71" name="図 70"/>
+          <p:cNvPicPr>
+            <a:picLocks noChangeAspect="1"/>
+          </p:cNvPicPr>
+          <p:nvPr/>
+        </p:nvPicPr>
+        <p:blipFill>
+          <a:blip r:embed="rId8"/>
+          <a:stretch>
+            <a:fillRect/>
+          </a:stretch>
+        </p:blipFill>
+        <p:spPr>
+          <a:xfrm>
+            <a:off x="5173481" y="8235852"/>
+            <a:ext cx="220714" cy="316929"/>
+          </a:xfrm>
+          <a:prstGeom prst="rect">
+            <a:avLst/>
+          </a:prstGeom>
+        </p:spPr>
+      </p:pic>
+      <p:sp>
+        <p:nvSpPr>
+          <p:cNvPr id="72" name="下矢印 71"/>
           <p:cNvSpPr/>
           <p:nvPr/>
         </p:nvSpPr>
         <p:spPr>
           <a:xfrm>
-            <a:off x="2487363" y="3318293"/>
-            <a:ext cx="1428699" cy="473605"/>
+            <a:off x="2152610" y="7638685"/>
+            <a:ext cx="171530" cy="154452"/>
           </a:xfrm>
-          <a:prstGeom prst="ellipse">
-            <a:avLst/>
+          <a:prstGeom prst="downArrow">
+            <a:avLst>
+              <a:gd name="adj1" fmla="val 14768"/>
+              <a:gd name="adj2" fmla="val 37666"/>
+            </a:avLst>
           </a:prstGeom>
           <a:solidFill>
-            <a:schemeClr val="accent5"/>
+            <a:schemeClr val="bg1"/>
           </a:solidFill>
         </p:spPr>
         <p:style>
@@ -8133,42 +8296,33 @@
           </a:fontRef>
         </p:style>
         <p:txBody>
-          <a:bodyPr rot="0" spcFirstLastPara="0" vertOverflow="overflow" horzOverflow="overflow" vert="horz" wrap="square" lIns="74295" tIns="37148" rIns="74295" bIns="37148" numCol="1" spcCol="0" rtlCol="0" fromWordArt="0" anchor="ctr" anchorCtr="0" forceAA="0" compatLnSpc="1">
-            <a:prstTxWarp prst="textNoShape">
-              <a:avLst/>
-            </a:prstTxWarp>
-            <a:noAutofit/>
-          </a:bodyPr>
+          <a:bodyPr rtlCol="0" anchor="ctr"/>
           <a:lstStyle/>
           <a:p>
             <a:pPr algn="ctr"/>
-            <a:r>
-              <a:rPr lang="ja-JP" altLang="en-US" sz="1463" dirty="0">
-                <a:solidFill>
-                  <a:schemeClr val="bg1"/>
-                </a:solidFill>
-              </a:rPr>
-              <a:t>工場</a:t>
-            </a:r>
-          </a:p>
-        </p:txBody>
-      </p:sp>
-      <p:sp>
-        <p:nvSpPr>
-          <p:cNvPr id="5" name="右矢印 4"/>
+            <a:endParaRPr kumimoji="1" lang="ja-JP" altLang="en-US"/>
+          </a:p>
+        </p:txBody>
+      </p:sp>
+      <p:sp>
+        <p:nvSpPr>
+          <p:cNvPr id="73" name="下矢印 72"/>
           <p:cNvSpPr/>
           <p:nvPr/>
         </p:nvSpPr>
         <p:spPr>
-          <a:xfrm rot="20754153">
-            <a:off x="1825352" y="2284027"/>
-            <a:ext cx="606175" cy="272729"/>
+          <a:xfrm>
+            <a:off x="2152610" y="8078483"/>
+            <a:ext cx="171530" cy="154452"/>
           </a:xfrm>
-          <a:prstGeom prst="rightArrow">
-            <a:avLst/>
+          <a:prstGeom prst="downArrow">
+            <a:avLst>
+              <a:gd name="adj1" fmla="val 14768"/>
+              <a:gd name="adj2" fmla="val 37666"/>
+            </a:avLst>
           </a:prstGeom>
           <a:solidFill>
-            <a:schemeClr val="accent5"/>
+            <a:schemeClr val="bg1"/>
           </a:solidFill>
         </p:spPr>
         <p:style>
@@ -8198,20 +8352,23 @@
       </p:sp>
       <p:sp>
         <p:nvSpPr>
-          <p:cNvPr id="40" name="右矢印 39"/>
+          <p:cNvPr id="74" name="下矢印 73"/>
           <p:cNvSpPr/>
           <p:nvPr/>
         </p:nvSpPr>
         <p:spPr>
           <a:xfrm>
-            <a:off x="1825351" y="2758397"/>
-            <a:ext cx="606175" cy="272729"/>
+            <a:off x="5198073" y="7592949"/>
+            <a:ext cx="171530" cy="154452"/>
           </a:xfrm>
-          <a:prstGeom prst="rightArrow">
-            <a:avLst/>
+          <a:prstGeom prst="downArrow">
+            <a:avLst>
+              <a:gd name="adj1" fmla="val 14768"/>
+              <a:gd name="adj2" fmla="val 37666"/>
+            </a:avLst>
           </a:prstGeom>
           <a:solidFill>
-            <a:schemeClr val="accent5"/>
+            <a:schemeClr val="bg1"/>
           </a:solidFill>
         </p:spPr>
         <p:style>
@@ -8241,20 +8398,23 @@
       </p:sp>
       <p:sp>
         <p:nvSpPr>
-          <p:cNvPr id="46" name="右矢印 45"/>
+          <p:cNvPr id="75" name="下矢印 74"/>
           <p:cNvSpPr/>
           <p:nvPr/>
         </p:nvSpPr>
         <p:spPr>
-          <a:xfrm rot="1564581">
-            <a:off x="1798607" y="3261061"/>
-            <a:ext cx="606175" cy="272729"/>
+          <a:xfrm>
+            <a:off x="5196673" y="8049507"/>
+            <a:ext cx="171530" cy="154452"/>
           </a:xfrm>
-          <a:prstGeom prst="rightArrow">
-            <a:avLst/>
+          <a:prstGeom prst="downArrow">
+            <a:avLst>
+              <a:gd name="adj1" fmla="val 14768"/>
+              <a:gd name="adj2" fmla="val 37666"/>
+            </a:avLst>
           </a:prstGeom>
           <a:solidFill>
-            <a:schemeClr val="accent5"/>
+            <a:schemeClr val="bg1"/>
           </a:solidFill>
         </p:spPr>
         <p:style>
@@ -8284,14 +8444,14 @@
       </p:sp>
       <p:sp>
         <p:nvSpPr>
-          <p:cNvPr id="19" name="テキスト ボックス 18"/>
+          <p:cNvPr id="76" name="テキスト ボックス 75"/>
           <p:cNvSpPr txBox="1"/>
           <p:nvPr/>
         </p:nvSpPr>
         <p:spPr>
           <a:xfrm>
-            <a:off x="4263242" y="2172067"/>
-            <a:ext cx="2018568" cy="1477328"/>
+            <a:off x="3032362" y="7049707"/>
+            <a:ext cx="1509401" cy="276999"/>
           </a:xfrm>
           <a:prstGeom prst="rect">
             <a:avLst/>
@@ -8305,105 +8465,90 @@
           <a:lstStyle/>
           <a:p>
             <a:r>
-              <a:rPr kumimoji="1" lang="ja-JP" altLang="en-US" dirty="0" smtClean="0">
+              <a:rPr lang="ja-JP" altLang="en-US" sz="1200" dirty="0" smtClean="0">
                 <a:solidFill>
                   <a:schemeClr val="bg1"/>
                 </a:solidFill>
               </a:rPr>
-              <a:t>第</a:t>
-            </a:r>
-            <a:r>
-              <a:rPr kumimoji="1" lang="en-US" altLang="ja-JP" dirty="0" smtClean="0">
-                <a:solidFill>
-                  <a:schemeClr val="bg1"/>
-                </a:solidFill>
-              </a:rPr>
-              <a:t>4</a:t>
-            </a:r>
-            <a:r>
-              <a:rPr kumimoji="1" lang="ja-JP" altLang="en-US" dirty="0" smtClean="0">
-                <a:solidFill>
-                  <a:schemeClr val="bg1"/>
-                </a:solidFill>
-              </a:rPr>
-              <a:t>の産業革命</a:t>
-            </a:r>
-            <a:endParaRPr kumimoji="1" lang="en-US" altLang="ja-JP" dirty="0" smtClean="0">
+              <a:t>数的処理の例</a:t>
+            </a:r>
+            <a:endParaRPr kumimoji="1" lang="ja-JP" altLang="en-US" sz="1200" dirty="0">
               <a:solidFill>
                 <a:schemeClr val="bg1"/>
               </a:solidFill>
             </a:endParaRPr>
           </a:p>
-          <a:p>
-            <a:r>
-              <a:rPr lang="ja-JP" altLang="en-US" dirty="0" smtClean="0">
-                <a:solidFill>
-                  <a:schemeClr val="bg1"/>
-                </a:solidFill>
-              </a:rPr>
-              <a:t>→人工知能を利用して革新的なものづくりを目指す取り組み</a:t>
-            </a:r>
-            <a:endParaRPr kumimoji="1" lang="ja-JP" altLang="en-US" dirty="0">
-              <a:solidFill>
-                <a:schemeClr val="bg1"/>
-              </a:solidFill>
-            </a:endParaRPr>
-          </a:p>
-        </p:txBody>
-      </p:sp>
-      <p:sp>
-        <p:nvSpPr>
-          <p:cNvPr id="25" name="テキスト ボックス 24"/>
-          <p:cNvSpPr txBox="1"/>
+        </p:txBody>
+      </p:sp>
+      <p:sp>
+        <p:nvSpPr>
+          <p:cNvPr id="77" name="正方形/長方形 76"/>
+          <p:cNvSpPr/>
           <p:nvPr/>
         </p:nvSpPr>
         <p:spPr>
           <a:xfrm>
-            <a:off x="1139024" y="4599469"/>
-            <a:ext cx="1364414" cy="307777"/>
+            <a:off x="737280" y="6991467"/>
+            <a:ext cx="5550046" cy="1561314"/>
           </a:xfrm>
           <a:prstGeom prst="rect">
             <a:avLst/>
           </a:prstGeom>
           <a:noFill/>
+          <a:ln>
+            <a:solidFill>
+              <a:schemeClr val="bg1"/>
+            </a:solidFill>
+          </a:ln>
         </p:spPr>
-        <p:txBody>
-          <a:bodyPr wrap="square" rtlCol="0">
-            <a:spAutoFit/>
-          </a:bodyPr>
+        <p:style>
+          <a:lnRef idx="2">
+            <a:schemeClr val="accent1">
+              <a:shade val="50000"/>
+            </a:schemeClr>
+          </a:lnRef>
+          <a:fillRef idx="1">
+            <a:schemeClr val="accent1"/>
+          </a:fillRef>
+          <a:effectRef idx="0">
+            <a:schemeClr val="accent1"/>
+          </a:effectRef>
+          <a:fontRef idx="minor">
+            <a:schemeClr val="lt1"/>
+          </a:fontRef>
+        </p:style>
+        <p:txBody>
+          <a:bodyPr rtlCol="0" anchor="ctr"/>
           <a:lstStyle/>
           <a:p>
-            <a:r>
-              <a:rPr kumimoji="1" lang="ja-JP" altLang="en-US" sz="1400" dirty="0" smtClean="0">
-                <a:solidFill>
-                  <a:schemeClr val="bg1"/>
-                </a:solidFill>
-              </a:rPr>
-              <a:t>人間が処理</a:t>
-            </a:r>
-            <a:endParaRPr kumimoji="1" lang="ja-JP" altLang="en-US" sz="1400" dirty="0">
-              <a:solidFill>
-                <a:schemeClr val="bg1"/>
-              </a:solidFill>
-            </a:endParaRPr>
-          </a:p>
-        </p:txBody>
-      </p:sp>
-      <p:sp>
-        <p:nvSpPr>
-          <p:cNvPr id="47" name="テキスト ボックス 46"/>
+            <a:pPr algn="ctr"/>
+            <a:endParaRPr kumimoji="1" lang="ja-JP" altLang="en-US"/>
+          </a:p>
+        </p:txBody>
+      </p:sp>
+      <p:sp>
+        <p:nvSpPr>
+          <p:cNvPr id="78" name="テキスト ボックス 77"/>
           <p:cNvSpPr txBox="1"/>
           <p:nvPr/>
         </p:nvSpPr>
         <p:spPr>
           <a:xfrm>
-            <a:off x="760802" y="5315949"/>
-            <a:ext cx="1509401" cy="307777"/>
+            <a:off x="1408135" y="1765735"/>
+            <a:ext cx="2503296" cy="646331"/>
           </a:xfrm>
           <a:prstGeom prst="rect">
             <a:avLst/>
           </a:prstGeom>
           <a:noFill/>
+          <a:ln>
+            <a:solidFill>
+              <a:schemeClr val="accent1">
+                <a:shade val="50000"/>
+                <a:hueMod val="94000"/>
+              </a:schemeClr>
+            </a:solidFill>
+          </a:ln>
         </p:spPr>
         <p:txBody>
           <a:bodyPr wrap="square" rtlCol="0">
@@ -8412,61 +8557,271 @@
           <a:lstStyle/>
           <a:p>
             <a:r>
-              <a:rPr lang="ja-JP" altLang="en-US" sz="1400" dirty="0" smtClean="0">
+              <a:rPr kumimoji="1" lang="ja-JP" altLang="en-US" sz="1200" dirty="0" smtClean="0">
                 <a:solidFill>
                   <a:schemeClr val="bg1"/>
                 </a:solidFill>
               </a:rPr>
-              <a:t>人工</a:t>
-            </a:r>
-            <a:r>
-              <a:rPr lang="ja-JP" altLang="en-US" sz="1400" dirty="0">
-                <a:solidFill>
-                  <a:schemeClr val="bg1"/>
-                </a:solidFill>
-              </a:rPr>
-              <a:t>知能</a:t>
-            </a:r>
-            <a:r>
-              <a:rPr kumimoji="1" lang="ja-JP" altLang="en-US" sz="1400" dirty="0" smtClean="0">
-                <a:solidFill>
-                  <a:schemeClr val="bg1"/>
-                </a:solidFill>
-              </a:rPr>
-              <a:t>が処理</a:t>
-            </a:r>
-            <a:endParaRPr kumimoji="1" lang="ja-JP" altLang="en-US" sz="1400" dirty="0">
+              <a:t>ビジネス内での様々なシステムに人工知能が導入され始めている</a:t>
+            </a:r>
+            <a:endParaRPr kumimoji="1" lang="en-US" altLang="ja-JP" sz="1200" dirty="0" smtClean="0">
               <a:solidFill>
                 <a:schemeClr val="bg1"/>
               </a:solidFill>
             </a:endParaRPr>
           </a:p>
-        </p:txBody>
-      </p:sp>
-      <p:graphicFrame>
-        <p:nvGraphicFramePr>
-          <p:cNvPr id="39" name="グラフ 38"/>
-          <p:cNvGraphicFramePr>
-            <a:graphicFrameLocks/>
-          </p:cNvGraphicFramePr>
-          <p:nvPr>
-            <p:extLst>
-              <p:ext uri="{D42A27DB-BD31-4B8C-83A1-F6EECF244321}">
-                <p14:modId xmlns:p14="http://schemas.microsoft.com/office/powerpoint/2010/main" val="1891004474"/>
-              </p:ext>
-            </p:extLst>
-          </p:nvPr>
-        </p:nvGraphicFramePr>
-        <p:xfrm>
-          <a:off x="3389226" y="6303191"/>
-          <a:ext cx="2983015" cy="2336776"/>
-        </p:xfrm>
-        <a:graphic>
-          <a:graphicData uri="http://schemas.openxmlformats.org/drawingml/2006/chart">
-            <c:chart xmlns:c="http://schemas.openxmlformats.org/drawingml/2006/chart" xmlns:r="http://schemas.openxmlformats.org/officeDocument/2006/relationships" r:id="rId2"/>
-          </a:graphicData>
-        </a:graphic>
-      </p:graphicFrame>
+          <a:p>
+            <a:r>
+              <a:rPr lang="ja-JP" altLang="en-US" sz="1200" dirty="0" smtClean="0">
+                <a:solidFill>
+                  <a:schemeClr val="bg1"/>
+                </a:solidFill>
+              </a:rPr>
+              <a:t>例：みずほ銀行コールセンター</a:t>
+            </a:r>
+            <a:endParaRPr kumimoji="1" lang="ja-JP" altLang="en-US" sz="1200" dirty="0">
+              <a:solidFill>
+                <a:schemeClr val="bg1"/>
+              </a:solidFill>
+            </a:endParaRPr>
+          </a:p>
+        </p:txBody>
+      </p:sp>
+      <p:sp>
+        <p:nvSpPr>
+          <p:cNvPr id="79" name="テキスト ボックス 78"/>
+          <p:cNvSpPr txBox="1"/>
+          <p:nvPr/>
+        </p:nvSpPr>
+        <p:spPr>
+          <a:xfrm>
+            <a:off x="1408135" y="2548335"/>
+            <a:ext cx="2503296" cy="646331"/>
+          </a:xfrm>
+          <a:prstGeom prst="rect">
+            <a:avLst/>
+          </a:prstGeom>
+          <a:noFill/>
+          <a:ln>
+            <a:solidFill>
+              <a:schemeClr val="accent1">
+                <a:shade val="50000"/>
+                <a:hueMod val="94000"/>
+              </a:schemeClr>
+            </a:solidFill>
+          </a:ln>
+        </p:spPr>
+        <p:txBody>
+          <a:bodyPr wrap="square" rtlCol="0">
+            <a:spAutoFit/>
+          </a:bodyPr>
+          <a:lstStyle/>
+          <a:p>
+            <a:r>
+              <a:rPr lang="ja-JP" altLang="en-US" sz="1200" dirty="0">
+                <a:solidFill>
+                  <a:schemeClr val="bg1"/>
+                </a:solidFill>
+              </a:rPr>
+              <a:t>思考</a:t>
+            </a:r>
+            <a:r>
+              <a:rPr lang="ja-JP" altLang="en-US" sz="1200" dirty="0" smtClean="0">
+                <a:solidFill>
+                  <a:schemeClr val="bg1"/>
+                </a:solidFill>
+              </a:rPr>
+              <a:t>するプロセスを人工知能に導入する研究</a:t>
+            </a:r>
+            <a:endParaRPr lang="en-US" altLang="ja-JP" sz="1200" dirty="0" smtClean="0">
+              <a:solidFill>
+                <a:schemeClr val="bg1"/>
+              </a:solidFill>
+            </a:endParaRPr>
+          </a:p>
+          <a:p>
+            <a:r>
+              <a:rPr kumimoji="1" lang="ja-JP" altLang="en-US" sz="1200" dirty="0" smtClean="0">
+                <a:solidFill>
+                  <a:schemeClr val="bg1"/>
+                </a:solidFill>
+              </a:rPr>
+              <a:t>例：ロボットは東大に入れるか</a:t>
+            </a:r>
+            <a:endParaRPr kumimoji="1" lang="ja-JP" altLang="en-US" sz="1200" dirty="0">
+              <a:solidFill>
+                <a:schemeClr val="bg1"/>
+              </a:solidFill>
+            </a:endParaRPr>
+          </a:p>
+        </p:txBody>
+      </p:sp>
+      <p:sp>
+        <p:nvSpPr>
+          <p:cNvPr id="80" name="テキスト ボックス 79"/>
+          <p:cNvSpPr txBox="1"/>
+          <p:nvPr/>
+        </p:nvSpPr>
+        <p:spPr>
+          <a:xfrm>
+            <a:off x="4124195" y="1770074"/>
+            <a:ext cx="2220383" cy="646331"/>
+          </a:xfrm>
+          <a:prstGeom prst="rect">
+            <a:avLst/>
+          </a:prstGeom>
+          <a:noFill/>
+          <a:ln>
+            <a:solidFill>
+              <a:schemeClr val="accent1">
+                <a:shade val="50000"/>
+                <a:hueMod val="94000"/>
+              </a:schemeClr>
+            </a:solidFill>
+          </a:ln>
+        </p:spPr>
+        <p:txBody>
+          <a:bodyPr wrap="square" rtlCol="0">
+            <a:spAutoFit/>
+          </a:bodyPr>
+          <a:lstStyle/>
+          <a:p>
+            <a:r>
+              <a:rPr kumimoji="1" lang="ja-JP" altLang="en-US" sz="1200" dirty="0" smtClean="0">
+                <a:solidFill>
+                  <a:schemeClr val="bg1"/>
+                </a:solidFill>
+              </a:rPr>
+              <a:t>人工知能を活用した革新的なものづくり</a:t>
+            </a:r>
+            <a:endParaRPr kumimoji="1" lang="en-US" altLang="ja-JP" sz="1200" dirty="0" smtClean="0">
+              <a:solidFill>
+                <a:schemeClr val="bg1"/>
+              </a:solidFill>
+            </a:endParaRPr>
+          </a:p>
+          <a:p>
+            <a:r>
+              <a:rPr lang="ja-JP" altLang="en-US" sz="1200" dirty="0" smtClean="0">
+                <a:solidFill>
+                  <a:schemeClr val="bg1"/>
+                </a:solidFill>
+              </a:rPr>
+              <a:t>例：第</a:t>
+            </a:r>
+            <a:r>
+              <a:rPr lang="en-US" altLang="ja-JP" sz="1200" dirty="0" smtClean="0">
+                <a:solidFill>
+                  <a:schemeClr val="bg1"/>
+                </a:solidFill>
+              </a:rPr>
+              <a:t>4</a:t>
+            </a:r>
+            <a:r>
+              <a:rPr lang="ja-JP" altLang="en-US" sz="1200" dirty="0" smtClean="0">
+                <a:solidFill>
+                  <a:schemeClr val="bg1"/>
+                </a:solidFill>
+              </a:rPr>
+              <a:t>の産業革命</a:t>
+            </a:r>
+            <a:endParaRPr kumimoji="1" lang="ja-JP" altLang="en-US" sz="1200" dirty="0">
+              <a:solidFill>
+                <a:schemeClr val="bg1"/>
+              </a:solidFill>
+            </a:endParaRPr>
+          </a:p>
+        </p:txBody>
+      </p:sp>
+      <p:sp>
+        <p:nvSpPr>
+          <p:cNvPr id="81" name="テキスト ボックス 80"/>
+          <p:cNvSpPr txBox="1"/>
+          <p:nvPr/>
+        </p:nvSpPr>
+        <p:spPr>
+          <a:xfrm>
+            <a:off x="4350667" y="2589490"/>
+            <a:ext cx="2035071" cy="646331"/>
+          </a:xfrm>
+          <a:prstGeom prst="rect">
+            <a:avLst/>
+          </a:prstGeom>
+          <a:noFill/>
+          <a:ln>
+            <a:solidFill>
+              <a:schemeClr val="accent1">
+                <a:shade val="50000"/>
+                <a:hueMod val="94000"/>
+              </a:schemeClr>
+            </a:solidFill>
+          </a:ln>
+        </p:spPr>
+        <p:txBody>
+          <a:bodyPr wrap="square" rtlCol="0">
+            <a:spAutoFit/>
+          </a:bodyPr>
+          <a:lstStyle/>
+          <a:p>
+            <a:r>
+              <a:rPr kumimoji="1" lang="ja-JP" altLang="en-US" sz="1200" dirty="0" smtClean="0">
+                <a:solidFill>
+                  <a:schemeClr val="bg1"/>
+                </a:solidFill>
+              </a:rPr>
+              <a:t>人工知能に的確な指示を出す役割としてプロジェクトマネージャが活躍する</a:t>
+            </a:r>
+            <a:endParaRPr kumimoji="1" lang="ja-JP" altLang="en-US" sz="1200" dirty="0">
+              <a:solidFill>
+                <a:schemeClr val="bg1"/>
+              </a:solidFill>
+            </a:endParaRPr>
+          </a:p>
+        </p:txBody>
+      </p:sp>
+      <p:sp>
+        <p:nvSpPr>
+          <p:cNvPr id="82" name="右矢印 81"/>
+          <p:cNvSpPr/>
+          <p:nvPr/>
+        </p:nvSpPr>
+        <p:spPr>
+          <a:xfrm rot="2193328">
+            <a:off x="4040972" y="2527115"/>
+            <a:ext cx="249257" cy="152206"/>
+          </a:xfrm>
+          <a:prstGeom prst="rightArrow">
+            <a:avLst/>
+          </a:prstGeom>
+          <a:solidFill>
+            <a:schemeClr val="bg1"/>
+          </a:solidFill>
+        </p:spPr>
+        <p:style>
+          <a:lnRef idx="2">
+            <a:schemeClr val="accent1">
+              <a:shade val="50000"/>
+            </a:schemeClr>
+          </a:lnRef>
+          <a:fillRef idx="1">
+            <a:schemeClr val="accent1"/>
+          </a:fillRef>
+          <a:effectRef idx="0">
+            <a:schemeClr val="accent1"/>
+          </a:effectRef>
+          <a:fontRef idx="minor">
+            <a:schemeClr val="lt1"/>
+          </a:fontRef>
+        </p:style>
+        <p:txBody>
+          <a:bodyPr rtlCol="0" anchor="ctr"/>
+          <a:lstStyle/>
+          <a:p>
+            <a:pPr algn="ctr"/>
+            <a:endParaRPr kumimoji="1" lang="ja-JP" altLang="en-US"/>
+          </a:p>
+        </p:txBody>
+      </p:sp>
     </p:spTree>
     <p:extLst>
       <p:ext uri="{BB962C8B-B14F-4D97-AF65-F5344CB8AC3E}">
